--- a/Modelo de detección de Fraude.pptx
+++ b/Modelo de detección de Fraude.pptx
@@ -11,15 +11,17 @@
     <p:sldId id="259" r:id="rId5"/>
     <p:sldId id="260" r:id="rId6"/>
     <p:sldId id="261" r:id="rId7"/>
-    <p:sldId id="263" r:id="rId8"/>
-    <p:sldId id="262" r:id="rId9"/>
-    <p:sldId id="265" r:id="rId10"/>
-    <p:sldId id="266" r:id="rId11"/>
-    <p:sldId id="269" r:id="rId12"/>
-    <p:sldId id="267" r:id="rId13"/>
-    <p:sldId id="264" r:id="rId14"/>
-    <p:sldId id="270" r:id="rId15"/>
-    <p:sldId id="268" r:id="rId16"/>
+    <p:sldId id="262" r:id="rId8"/>
+    <p:sldId id="263" r:id="rId9"/>
+    <p:sldId id="272" r:id="rId10"/>
+    <p:sldId id="265" r:id="rId11"/>
+    <p:sldId id="266" r:id="rId12"/>
+    <p:sldId id="269" r:id="rId13"/>
+    <p:sldId id="273" r:id="rId14"/>
+    <p:sldId id="264" r:id="rId15"/>
+    <p:sldId id="267" r:id="rId16"/>
+    <p:sldId id="270" r:id="rId17"/>
+    <p:sldId id="268" r:id="rId18"/>
   </p:sldIdLst>
   <p:sldSz cx="12192000" cy="6858000"/>
   <p:notesSz cx="6858000" cy="9144000"/>
@@ -5936,50 +5938,42 @@
             <p:ph type="title"/>
           </p:nvPr>
         </p:nvSpPr>
-        <p:spPr/>
-        <p:txBody>
-          <a:bodyPr>
-            <a:normAutofit fontScale="90000"/>
-          </a:bodyPr>
-          <a:lstStyle/>
-          <a:p>
-            <a:r>
-              <a:rPr lang="es-MX" dirty="0" err="1" smtClean="0"/>
-              <a:t>Random</a:t>
-            </a:r>
-            <a:r>
-              <a:rPr lang="es-MX" dirty="0" smtClean="0"/>
-              <a:t> </a:t>
-            </a:r>
-            <a:r>
-              <a:rPr lang="es-MX" dirty="0" err="1" smtClean="0"/>
-              <a:t>forest</a:t>
-            </a:r>
-            <a:r>
-              <a:rPr lang="es-MX" dirty="0" smtClean="0"/>
-              <a:t> con Optimización Bayesiana</a:t>
-            </a:r>
-            <a:br>
-              <a:rPr lang="es-MX" dirty="0" smtClean="0"/>
-            </a:br>
-            <a:endParaRPr lang="en-US" dirty="0"/>
-          </a:p>
-        </p:txBody>
-      </p:sp>
-      <p:sp>
-        <p:nvSpPr>
-          <p:cNvPr id="3" name="Content Placeholder 2"/>
-          <p:cNvSpPr>
-            <a:spLocks noGrp="1"/>
-          </p:cNvSpPr>
-          <p:nvPr>
-            <p:ph idx="1"/>
-          </p:nvPr>
-        </p:nvSpPr>
         <p:spPr>
           <a:xfrm>
-            <a:off x="677334" y="1429407"/>
-            <a:ext cx="8596668" cy="4611955"/>
+            <a:off x="362024" y="661799"/>
+            <a:ext cx="8596668" cy="1320800"/>
+          </a:xfrm>
+        </p:spPr>
+        <p:txBody>
+          <a:bodyPr/>
+          <a:lstStyle/>
+          <a:p>
+            <a:r>
+              <a:rPr lang="es-MX" dirty="0" err="1" smtClean="0"/>
+              <a:t>Xgboost</a:t>
+            </a:r>
+            <a:r>
+              <a:rPr lang="es-MX" dirty="0" smtClean="0"/>
+              <a:t> Función personalizada</a:t>
+            </a:r>
+            <a:endParaRPr lang="en-US" dirty="0"/>
+          </a:p>
+        </p:txBody>
+      </p:sp>
+      <p:sp>
+        <p:nvSpPr>
+          <p:cNvPr id="3" name="Content Placeholder 2"/>
+          <p:cNvSpPr>
+            <a:spLocks noGrp="1"/>
+          </p:cNvSpPr>
+          <p:nvPr>
+            <p:ph idx="1"/>
+          </p:nvPr>
+        </p:nvSpPr>
+        <p:spPr>
+          <a:xfrm>
+            <a:off x="477638" y="1555531"/>
+            <a:ext cx="8596668" cy="4766441"/>
           </a:xfrm>
         </p:spPr>
         <p:txBody>
@@ -5988,182 +5982,256 @@
           </a:bodyPr>
           <a:lstStyle/>
           <a:p>
-            <a:pPr marL="0" indent="0">
-              <a:buNone/>
-            </a:pPr>
-            <a:r>
-              <a:rPr lang="es-MX" dirty="0" smtClean="0"/>
-              <a:t>Este modelo debido a su naturaleza de creación de </a:t>
-            </a:r>
-            <a:r>
-              <a:rPr lang="es-MX" dirty="0" smtClean="0"/>
-              <a:t>arboles </a:t>
-            </a:r>
-            <a:r>
-              <a:rPr lang="en-US" dirty="0" err="1" smtClean="0"/>
-              <a:t>porque</a:t>
-            </a:r>
-            <a:r>
-              <a:rPr lang="en-US" dirty="0" smtClean="0"/>
+            <a:r>
+              <a:rPr lang="es-MX" dirty="0"/>
+              <a:t>Para </a:t>
+            </a:r>
+            <a:r>
+              <a:rPr lang="es-MX" dirty="0" smtClean="0"/>
+              <a:t>ambos modelos </a:t>
+            </a:r>
+            <a:r>
+              <a:rPr lang="es-MX" dirty="0" err="1"/>
+              <a:t>xgboost</a:t>
+            </a:r>
+            <a:r>
+              <a:rPr lang="es-MX" dirty="0"/>
+              <a:t> se usa </a:t>
+            </a:r>
+            <a:r>
+              <a:rPr lang="es-MX" dirty="0" smtClean="0"/>
+              <a:t> la </a:t>
+            </a:r>
+            <a:r>
+              <a:rPr lang="en-US" b="1" dirty="0" err="1" smtClean="0"/>
+              <a:t>Ganancia</a:t>
+            </a:r>
+            <a:r>
+              <a:rPr lang="en-US" b="1" dirty="0" smtClean="0"/>
               <a:t> </a:t>
             </a:r>
             <a:r>
-              <a:rPr lang="en-US" dirty="0" err="1"/>
-              <a:t>utiliza</a:t>
+              <a:rPr lang="en-US" b="1" dirty="0" err="1"/>
+              <a:t>Máxima</a:t>
+            </a:r>
+            <a:r>
+              <a:rPr lang="en-US" b="1" dirty="0"/>
+              <a:t> </a:t>
+            </a:r>
+            <a:r>
+              <a:rPr lang="en-US" b="1" dirty="0" err="1"/>
+              <a:t>Esperada</a:t>
             </a:r>
             <a:r>
               <a:rPr lang="en-US" dirty="0"/>
               <a:t> </a:t>
             </a:r>
             <a:r>
+              <a:rPr lang="en-US" dirty="0" smtClean="0"/>
+              <a:t> y se </a:t>
+            </a:r>
+            <a:r>
+              <a:rPr lang="en-US" dirty="0" err="1" smtClean="0"/>
+              <a:t>descarta</a:t>
+            </a:r>
+            <a:r>
+              <a:rPr lang="en-US" dirty="0" smtClean="0"/>
+              <a:t>  </a:t>
+            </a:r>
+            <a:r>
+              <a:rPr lang="en-US" dirty="0" err="1" smtClean="0"/>
+              <a:t>Logloss</a:t>
+            </a:r>
+            <a:r>
+              <a:rPr lang="en-US" dirty="0" smtClean="0"/>
+              <a:t> dado el </a:t>
+            </a:r>
+            <a:r>
+              <a:rPr lang="en-US" dirty="0" err="1" smtClean="0"/>
+              <a:t>problema</a:t>
+            </a:r>
+            <a:r>
+              <a:rPr lang="en-US" dirty="0" smtClean="0"/>
+              <a:t> de </a:t>
+            </a:r>
+            <a:r>
+              <a:rPr lang="en-US" dirty="0" err="1" smtClean="0"/>
+              <a:t>negocio</a:t>
+            </a:r>
+            <a:r>
+              <a:rPr lang="en-US" dirty="0" smtClean="0"/>
+              <a:t>. </a:t>
+            </a:r>
+            <a:r>
               <a:rPr lang="en-US" dirty="0" err="1"/>
-              <a:t>métricas</a:t>
-            </a:r>
-            <a:r>
-              <a:rPr lang="en-US" dirty="0"/>
-              <a:t> de </a:t>
-            </a:r>
-            <a:r>
-              <a:rPr lang="en-US" dirty="0" err="1"/>
-              <a:t>pureza</a:t>
-            </a:r>
-            <a:r>
-              <a:rPr lang="en-US" dirty="0"/>
-              <a:t> (Gini o </a:t>
-            </a:r>
-            <a:r>
-              <a:rPr lang="en-US" dirty="0" err="1"/>
-              <a:t>Entropía</a:t>
-            </a:r>
-            <a:r>
-              <a:rPr lang="en-US" dirty="0"/>
-              <a:t>)</a:t>
-            </a:r>
-            <a:r>
-              <a:rPr lang="es-MX" dirty="0" smtClean="0"/>
-              <a:t> lo cual n admite </a:t>
-            </a:r>
-            <a:r>
-              <a:rPr lang="es-MX" dirty="0" smtClean="0"/>
-              <a:t>usar la función de ganancia, pero si usa la función de ganancia total para la evaluación y decisión del </a:t>
+              <a:t>A</a:t>
+            </a:r>
+            <a:r>
+              <a:rPr lang="en-US" dirty="0" err="1" smtClean="0"/>
+              <a:t>sí</a:t>
+            </a:r>
+            <a:r>
+              <a:rPr lang="en-US" dirty="0" smtClean="0"/>
+              <a:t>, la </a:t>
+            </a:r>
+            <a:r>
+              <a:rPr lang="en-US" dirty="0" err="1" smtClean="0"/>
+              <a:t>ganacia</a:t>
+            </a:r>
+            <a:r>
+              <a:rPr lang="en-US" dirty="0" smtClean="0"/>
+              <a:t> se define </a:t>
+            </a:r>
+            <a:r>
+              <a:rPr lang="en-US" dirty="0" err="1" smtClean="0"/>
+              <a:t>como</a:t>
+            </a:r>
+            <a:r>
+              <a:rPr lang="en-US" dirty="0" smtClean="0"/>
+              <a:t>:</a:t>
+            </a:r>
+            <a:endParaRPr lang="en-US" dirty="0"/>
+          </a:p>
+          <a:p>
+            <a:r>
+              <a:rPr lang="es-MX" dirty="0" smtClean="0"/>
+              <a:t>La </a:t>
+            </a:r>
+            <a:r>
+              <a:rPr lang="es-MX" b="1" dirty="0" smtClean="0"/>
+              <a:t>utilidad </a:t>
+            </a:r>
+            <a:r>
+              <a:rPr lang="es-MX" b="1" dirty="0"/>
+              <a:t>neta</a:t>
+            </a:r>
+            <a:r>
+              <a:rPr lang="es-MX" dirty="0"/>
+              <a:t> calculada al evaluar el costo de los errores (Falsos Negativos) y el beneficio de los aciertos (Verdaderos </a:t>
+            </a:r>
+            <a:r>
+              <a:rPr lang="es-MX" dirty="0" smtClean="0"/>
+              <a:t>Negativos en </a:t>
+            </a:r>
+            <a:r>
+              <a:rPr lang="es-MX" dirty="0"/>
+              <a:t>el conjunto de </a:t>
+            </a:r>
+            <a:r>
+              <a:rPr lang="es-MX" dirty="0" smtClean="0"/>
+              <a:t>prueba) </a:t>
+            </a:r>
+            <a:r>
+              <a:rPr lang="es-MX" dirty="0"/>
+              <a:t>utilizando el monto real de la </a:t>
+            </a:r>
+            <a:r>
+              <a:rPr lang="es-MX" dirty="0" smtClean="0"/>
+              <a:t>transacción.</a:t>
+            </a:r>
+          </a:p>
+          <a:p>
+            <a:r>
+              <a:rPr lang="es-MX" dirty="0" smtClean="0"/>
+              <a:t>Por lo tanto el supuesto se define como, </a:t>
+            </a:r>
+            <a:r>
+              <a:rPr lang="es-MX" dirty="0"/>
+              <a:t>cuesta 4 veces más dejar pasar un fraude que rechazar una verdadera transacción.</a:t>
+            </a:r>
+          </a:p>
+          <a:p>
+            <a:r>
+              <a:rPr lang="es-MX" dirty="0" smtClean="0"/>
+              <a:t>Esta </a:t>
+            </a:r>
+            <a:r>
+              <a:rPr lang="es-MX" dirty="0" smtClean="0"/>
+              <a:t>se puede definir como una función de perdida personalizada, que usa el </a:t>
             </a:r>
             <a:r>
               <a:rPr lang="es-MX" dirty="0" err="1" smtClean="0"/>
-              <a:t>random</a:t>
-            </a:r>
-            <a:r>
-              <a:rPr lang="es-MX" dirty="0" smtClean="0"/>
-              <a:t> </a:t>
+              <a:t>hessiano</a:t>
+            </a:r>
+            <a:r>
+              <a:rPr lang="es-MX" dirty="0" smtClean="0"/>
+              <a:t> y el gradiente especifico de la función para la construcción de los arboles previamente definido en las diapositivas anteriores </a:t>
+            </a:r>
+            <a:r>
+              <a:rPr lang="es-MX" dirty="0" smtClean="0"/>
+              <a:t>siguiendo </a:t>
+            </a:r>
+            <a:r>
+              <a:rPr lang="es-MX" dirty="0" smtClean="0"/>
+              <a:t>el método de convergencia del </a:t>
             </a:r>
             <a:r>
               <a:rPr lang="es-MX" dirty="0" err="1" smtClean="0"/>
-              <a:t>forest</a:t>
-            </a:r>
-            <a:r>
-              <a:rPr lang="es-MX" dirty="0" smtClean="0"/>
-              <a:t> para maximizar la rentabilidad.</a:t>
-            </a:r>
-          </a:p>
-          <a:p>
-            <a:pPr marL="0" indent="0">
-              <a:buNone/>
-            </a:pPr>
-            <a:r>
-              <a:rPr lang="es-MX" dirty="0" smtClean="0"/>
-              <a:t>Se usa optimización bayesiana ya que es computacionalmente mas barato que usar </a:t>
-            </a:r>
-            <a:r>
-              <a:rPr lang="en-US" dirty="0"/>
-              <a:t>(</a:t>
-            </a:r>
-            <a:r>
-              <a:rPr lang="en-US" i="1" dirty="0"/>
-              <a:t>Grid </a:t>
-            </a:r>
-            <a:r>
-              <a:rPr lang="en-US" i="1" dirty="0" smtClean="0"/>
-              <a:t>Search</a:t>
-            </a:r>
-            <a:r>
-              <a:rPr lang="en-US" dirty="0" smtClean="0"/>
-              <a:t>).</a:t>
-            </a:r>
-          </a:p>
-          <a:p>
-            <a:pPr marL="0" indent="0">
-              <a:buNone/>
-            </a:pPr>
-            <a:r>
-              <a:rPr lang="es-MX" dirty="0" smtClean="0"/>
-              <a:t>Se calcula la </a:t>
+              <a:t>Xgboost</a:t>
+            </a:r>
+            <a:r>
+              <a:rPr lang="es-MX" dirty="0" smtClean="0"/>
+              <a:t> basado en el gradiente y el </a:t>
             </a:r>
             <a:r>
               <a:rPr lang="es-MX" dirty="0" err="1" smtClean="0"/>
-              <a:t>Auc</a:t>
-            </a:r>
-            <a:r>
-              <a:rPr lang="es-MX" dirty="0" smtClean="0"/>
-              <a:t> la matriz de confusión y la ganancia neta de con respecto al umbral óptimo.</a:t>
-            </a:r>
-          </a:p>
-          <a:p>
-            <a:pPr marL="0" indent="0">
-              <a:buNone/>
-            </a:pPr>
+              <a:t>Hessiano</a:t>
+            </a:r>
+            <a:r>
+              <a:rPr lang="es-MX" dirty="0" smtClean="0"/>
+              <a:t> dado que la función es diferenciable.</a:t>
+            </a:r>
+          </a:p>
+          <a:p>
+            <a:r>
+              <a:rPr lang="es-MX" dirty="0" smtClean="0"/>
+              <a:t>Además, logra </a:t>
+            </a:r>
+            <a:r>
+              <a:rPr lang="es-MX" dirty="0" smtClean="0"/>
+              <a:t>darle peso  a las transacciones </a:t>
+            </a:r>
+            <a:r>
+              <a:rPr lang="es-MX" dirty="0" err="1" smtClean="0"/>
+              <a:t>fraudelantas</a:t>
+            </a:r>
+            <a:r>
+              <a:rPr lang="es-MX" dirty="0" smtClean="0"/>
+              <a:t> balanceando los datos sin incurrir en </a:t>
+            </a:r>
+            <a:r>
+              <a:rPr lang="es-MX" dirty="0" smtClean="0"/>
+              <a:t>parámetros </a:t>
+            </a:r>
+            <a:r>
+              <a:rPr lang="es-MX" dirty="0" smtClean="0"/>
+              <a:t>de balanceo o técnicas SMOTE</a:t>
+            </a:r>
+          </a:p>
+          <a:p>
+            <a:endParaRPr lang="es-MX" dirty="0" smtClean="0"/>
+          </a:p>
+          <a:p>
+            <a:endParaRPr lang="es-MX" dirty="0" smtClean="0"/>
+          </a:p>
+          <a:p>
             <a:endParaRPr lang="es-MX" dirty="0"/>
           </a:p>
           <a:p>
-            <a:pPr marL="0" indent="0">
-              <a:buNone/>
-            </a:pPr>
             <a:endParaRPr lang="es-MX" dirty="0" smtClean="0"/>
           </a:p>
           <a:p>
-            <a:pPr marL="0" indent="0">
-              <a:buNone/>
-            </a:pPr>
-            <a:endParaRPr lang="es-MX" dirty="0"/>
-          </a:p>
-          <a:p>
-            <a:pPr marL="0" indent="0">
-              <a:buNone/>
-            </a:pPr>
-            <a:r>
-              <a:rPr lang="es-MX" dirty="0" smtClean="0"/>
-              <a:t>Esta ultima se usa para escoger el umbral que maximiza las ganancias en los 3 modelos</a:t>
-            </a:r>
+            <a:endParaRPr lang="es-MX" dirty="0" smtClean="0"/>
+          </a:p>
+          <a:p>
             <a:endParaRPr lang="en-US" dirty="0"/>
           </a:p>
         </p:txBody>
       </p:sp>
-      <p:pic>
-        <p:nvPicPr>
-          <p:cNvPr id="4" name="Picture 3"/>
-          <p:cNvPicPr>
-            <a:picLocks noChangeAspect="1"/>
-          </p:cNvPicPr>
-          <p:nvPr/>
-        </p:nvPicPr>
-        <p:blipFill>
-          <a:blip r:embed="rId2"/>
-          <a:stretch>
-            <a:fillRect/>
-          </a:stretch>
-        </p:blipFill>
-        <p:spPr>
-          <a:xfrm>
-            <a:off x="677334" y="4232059"/>
-            <a:ext cx="5601482" cy="1114581"/>
-          </a:xfrm>
-          <a:prstGeom prst="rect">
-            <a:avLst/>
-          </a:prstGeom>
-        </p:spPr>
-      </p:pic>
     </p:spTree>
     <p:extLst>
       <p:ext uri="{BB962C8B-B14F-4D97-AF65-F5344CB8AC3E}">
-        <p14:creationId xmlns:p14="http://schemas.microsoft.com/office/powerpoint/2010/main" val="62842082"/>
+        <p14:creationId xmlns:p14="http://schemas.microsoft.com/office/powerpoint/2010/main" val="3163276022"/>
       </p:ext>
     </p:extLst>
   </p:cSld>
@@ -6209,17 +6277,30 @@
         </p:nvSpPr>
         <p:spPr/>
         <p:txBody>
-          <a:bodyPr/>
+          <a:bodyPr>
+            <a:normAutofit fontScale="90000"/>
+          </a:bodyPr>
           <a:lstStyle/>
           <a:p>
             <a:r>
               <a:rPr lang="es-MX" dirty="0" err="1" smtClean="0"/>
-              <a:t>Xgboost</a:t>
+              <a:t>Random</a:t>
+            </a:r>
+            <a:r>
+              <a:rPr lang="es-MX" dirty="0" smtClean="0"/>
+              <a:t> </a:t>
+            </a:r>
+            <a:r>
+              <a:rPr lang="es-MX" dirty="0" err="1" smtClean="0"/>
+              <a:t>forest</a:t>
             </a:r>
             <a:r>
               <a:rPr lang="es-MX" dirty="0" smtClean="0"/>
               <a:t> con Optimización Bayesiana</a:t>
             </a:r>
+            <a:br>
+              <a:rPr lang="es-MX" dirty="0" smtClean="0"/>
+            </a:br>
             <a:endParaRPr lang="en-US" dirty="0"/>
           </a:p>
         </p:txBody>
@@ -6234,80 +6315,131 @@
             <p:ph idx="1"/>
           </p:nvPr>
         </p:nvSpPr>
-        <p:spPr/>
-        <p:txBody>
-          <a:bodyPr/>
-          <a:lstStyle/>
-          <a:p>
-            <a:r>
-              <a:rPr lang="es-MX" dirty="0" smtClean="0"/>
-              <a:t>Al  incorporar la optimización bayesiana debemos </a:t>
-            </a:r>
-            <a:r>
-              <a:rPr lang="es-MX" dirty="0" smtClean="0"/>
-              <a:t>también </a:t>
-            </a:r>
-            <a:r>
-              <a:rPr lang="es-MX" dirty="0" smtClean="0"/>
-              <a:t>modelo nos sirve para comparar la capacidad del modelo sencillo y para ver si es superior en términos de predicción al modelo inicial.</a:t>
-            </a:r>
-          </a:p>
-          <a:p>
-            <a:r>
-              <a:rPr lang="es-MX" dirty="0" smtClean="0"/>
-              <a:t>A diferencia del modelo de </a:t>
+        <p:spPr>
+          <a:xfrm>
+            <a:off x="677334" y="1429407"/>
+            <a:ext cx="8596668" cy="4611955"/>
+          </a:xfrm>
+        </p:spPr>
+        <p:txBody>
+          <a:bodyPr>
+            <a:normAutofit/>
+          </a:bodyPr>
+          <a:lstStyle/>
+          <a:p>
+            <a:pPr marL="0" indent="0">
+              <a:buNone/>
+            </a:pPr>
+            <a:r>
+              <a:rPr lang="es-MX" dirty="0" smtClean="0"/>
+              <a:t>Este modelo debido a su naturaleza de creación de arboles, </a:t>
+            </a:r>
+            <a:r>
+              <a:rPr lang="en-US" dirty="0" err="1" smtClean="0"/>
+              <a:t>utiliza</a:t>
+            </a:r>
+            <a:r>
+              <a:rPr lang="en-US" dirty="0" smtClean="0"/>
+              <a:t> </a:t>
+            </a:r>
+            <a:r>
+              <a:rPr lang="en-US" dirty="0" err="1"/>
+              <a:t>métricas</a:t>
+            </a:r>
+            <a:r>
+              <a:rPr lang="en-US" dirty="0"/>
+              <a:t> de </a:t>
+            </a:r>
+            <a:r>
+              <a:rPr lang="en-US" dirty="0" err="1"/>
+              <a:t>pureza</a:t>
+            </a:r>
+            <a:r>
+              <a:rPr lang="en-US" dirty="0"/>
+              <a:t> (Gini o </a:t>
+            </a:r>
+            <a:r>
+              <a:rPr lang="en-US" dirty="0" err="1" smtClean="0"/>
+              <a:t>Entropía</a:t>
+            </a:r>
+            <a:r>
+              <a:rPr lang="en-US" dirty="0" smtClean="0"/>
+              <a:t>)</a:t>
+            </a:r>
+            <a:r>
+              <a:rPr lang="es-MX" dirty="0" smtClean="0"/>
+              <a:t>,estas no permiten usar la función de ganancia para entrenar, pero si usa la función de ganancia total para la evaluación y decisión del </a:t>
             </a:r>
             <a:r>
               <a:rPr lang="es-MX" dirty="0" err="1" smtClean="0"/>
-              <a:t>Xgboost</a:t>
-            </a:r>
-            <a:r>
-              <a:rPr lang="es-MX" dirty="0" smtClean="0"/>
-              <a:t> anterior, aquí no se usa la </a:t>
+              <a:t>random</a:t>
+            </a:r>
+            <a:r>
+              <a:rPr lang="es-MX" dirty="0" smtClean="0"/>
+              <a:t> </a:t>
             </a:r>
             <a:r>
               <a:rPr lang="es-MX" dirty="0" err="1" smtClean="0"/>
-              <a:t>la</a:t>
-            </a:r>
-            <a:r>
-              <a:rPr lang="es-MX" dirty="0" smtClean="0"/>
-              <a:t> función de ganancia personalizada, ya que </a:t>
-            </a:r>
-            <a:r>
-              <a:rPr lang="es-MX" dirty="0" err="1" smtClean="0"/>
-              <a:t>BayessearchCV</a:t>
-            </a:r>
-            <a:r>
-              <a:rPr lang="es-MX" dirty="0" smtClean="0"/>
-              <a:t> usa la AUC-ROC para encontrar los mejores </a:t>
-            </a:r>
-            <a:r>
-              <a:rPr lang="es-MX" dirty="0" err="1" smtClean="0"/>
-              <a:t>hiperparámetros</a:t>
-            </a:r>
-            <a:r>
-              <a:rPr lang="es-MX" dirty="0" smtClean="0"/>
-              <a:t> en la validación cruzada. En la segunda fase se entrena el modelo con la función personalizada basado en los </a:t>
-            </a:r>
-            <a:r>
-              <a:rPr lang="es-MX" dirty="0" err="1" smtClean="0"/>
-              <a:t>hiperparametrsos</a:t>
-            </a:r>
-            <a:r>
-              <a:rPr lang="es-MX" dirty="0" smtClean="0"/>
-              <a:t> óptimos dados por la optimización bayesiana</a:t>
-            </a:r>
-          </a:p>
-          <a:p>
-            <a:r>
-              <a:rPr lang="es-MX" dirty="0" smtClean="0"/>
-              <a:t>Así, el modelo con OB puede tener un rendimiento relativamente mas bajo debido a que en la fase 1 de este se quiere maximizar la curva AUC y no la ganancia especifica como el modelo sin OB</a:t>
-            </a:r>
-          </a:p>
-          <a:p>
-            <a:endParaRPr lang="es-MX" dirty="0" smtClean="0"/>
-          </a:p>
-          <a:p>
+              <a:t>forest</a:t>
+            </a:r>
+            <a:r>
+              <a:rPr lang="es-MX" dirty="0" smtClean="0"/>
+              <a:t> para maximizar la rentabilidad.</a:t>
+            </a:r>
+          </a:p>
+          <a:p>
+            <a:pPr marL="0" indent="0">
+              <a:buNone/>
+            </a:pPr>
+            <a:r>
+              <a:rPr lang="es-MX" dirty="0" smtClean="0"/>
+              <a:t>Se usa optimización bayesiana ya que es computacionalmente mas barato que usar </a:t>
+            </a:r>
+            <a:r>
+              <a:rPr lang="en-US" dirty="0"/>
+              <a:t>(</a:t>
+            </a:r>
+            <a:r>
+              <a:rPr lang="en-US" i="1" dirty="0"/>
+              <a:t>Grid </a:t>
+            </a:r>
+            <a:r>
+              <a:rPr lang="en-US" i="1" dirty="0" smtClean="0"/>
+              <a:t>Search</a:t>
+            </a:r>
+            <a:r>
+              <a:rPr lang="en-US" dirty="0" smtClean="0"/>
+              <a:t>).</a:t>
+            </a:r>
+          </a:p>
+          <a:p>
+            <a:pPr marL="0" indent="0">
+              <a:buNone/>
+            </a:pPr>
+            <a:r>
+              <a:rPr lang="es-MX" dirty="0"/>
+              <a:t>E</a:t>
+            </a:r>
+            <a:r>
+              <a:rPr lang="es-MX" dirty="0" smtClean="0"/>
+              <a:t>l </a:t>
+            </a:r>
+            <a:r>
+              <a:rPr lang="es-MX" dirty="0"/>
+              <a:t>RF no entrena directamente con la ganancia, sino que entrena para un </a:t>
+            </a:r>
+            <a:r>
+              <a:rPr lang="es-MX" dirty="0" smtClean="0"/>
+              <a:t>excelente AUC, </a:t>
+            </a:r>
+            <a:r>
+              <a:rPr lang="es-MX" dirty="0"/>
+              <a:t>y luego usa la Ganancia como una métrica de calibración final para encontrar el umbral de negocio ideal</a:t>
+            </a:r>
+            <a:r>
+              <a:rPr lang="es-MX" dirty="0" smtClean="0"/>
+              <a:t>.</a:t>
+            </a:r>
             <a:endParaRPr lang="en-US" dirty="0"/>
           </a:p>
         </p:txBody>
@@ -6315,7 +6447,7 @@
     </p:spTree>
     <p:extLst>
       <p:ext uri="{BB962C8B-B14F-4D97-AF65-F5344CB8AC3E}">
-        <p14:creationId xmlns:p14="http://schemas.microsoft.com/office/powerpoint/2010/main" val="2669803719"/>
+        <p14:creationId xmlns:p14="http://schemas.microsoft.com/office/powerpoint/2010/main" val="62842082"/>
       </p:ext>
     </p:extLst>
   </p:cSld>
@@ -6366,260 +6498,154 @@
           <a:p>
             <a:r>
               <a:rPr lang="es-MX" dirty="0" err="1" smtClean="0"/>
-              <a:t>Ganacias</a:t>
-            </a:r>
-            <a:r>
-              <a:rPr lang="es-MX" dirty="0" smtClean="0"/>
-              <a:t> para neta para la compañía para los modelos</a:t>
+              <a:t>Xgboost</a:t>
+            </a:r>
+            <a:r>
+              <a:rPr lang="es-MX" dirty="0" smtClean="0"/>
+              <a:t> con Optimización Bayesiana</a:t>
             </a:r>
             <a:endParaRPr lang="en-US" dirty="0"/>
           </a:p>
         </p:txBody>
       </p:sp>
-      <p:pic>
-        <p:nvPicPr>
-          <p:cNvPr id="5" name="Picture 4"/>
-          <p:cNvPicPr>
-            <a:picLocks noChangeAspect="1"/>
-          </p:cNvPicPr>
-          <p:nvPr/>
-        </p:nvPicPr>
-        <p:blipFill>
-          <a:blip r:embed="rId2"/>
-          <a:stretch>
-            <a:fillRect/>
-          </a:stretch>
-        </p:blipFill>
+      <p:sp>
+        <p:nvSpPr>
+          <p:cNvPr id="3" name="Content Placeholder 2"/>
+          <p:cNvSpPr>
+            <a:spLocks noGrp="1"/>
+          </p:cNvSpPr>
+          <p:nvPr>
+            <p:ph idx="1"/>
+          </p:nvPr>
+        </p:nvSpPr>
         <p:spPr>
           <a:xfrm>
-            <a:off x="0" y="1930400"/>
-            <a:ext cx="4067503" cy="2770277"/>
+            <a:off x="582741" y="1477417"/>
+            <a:ext cx="8596668" cy="3880773"/>
           </a:xfrm>
-          <a:prstGeom prst="rect">
-            <a:avLst/>
-          </a:prstGeom>
         </p:spPr>
-      </p:pic>
-      <p:pic>
-        <p:nvPicPr>
-          <p:cNvPr id="6" name="Picture 5"/>
-          <p:cNvPicPr>
-            <a:picLocks noChangeAspect="1"/>
-          </p:cNvPicPr>
-          <p:nvPr/>
-        </p:nvPicPr>
-        <p:blipFill>
-          <a:blip r:embed="rId3"/>
-          <a:stretch>
-            <a:fillRect/>
-          </a:stretch>
-        </p:blipFill>
-        <p:spPr>
-          <a:xfrm>
-            <a:off x="4067503" y="2002667"/>
-            <a:ext cx="3321269" cy="2698010"/>
-          </a:xfrm>
-          <a:prstGeom prst="rect">
-            <a:avLst/>
-          </a:prstGeom>
-        </p:spPr>
-      </p:pic>
-      <p:sp>
-        <p:nvSpPr>
-          <p:cNvPr id="9" name="TextBox 8"/>
-          <p:cNvSpPr txBox="1"/>
-          <p:nvPr/>
-        </p:nvSpPr>
-        <p:spPr>
-          <a:xfrm>
-            <a:off x="882868" y="5013435"/>
-            <a:ext cx="2049517" cy="584775"/>
-          </a:xfrm>
-          <a:prstGeom prst="rect">
-            <a:avLst/>
-          </a:prstGeom>
-          <a:noFill/>
-        </p:spPr>
-        <p:txBody>
-          <a:bodyPr wrap="square" rtlCol="0">
-            <a:spAutoFit/>
-          </a:bodyPr>
-          <a:lstStyle/>
-          <a:p>
-            <a:r>
-              <a:rPr lang="en-US" sz="1600" dirty="0" err="1"/>
-              <a:t>Ganancia</a:t>
-            </a:r>
-            <a:r>
-              <a:rPr lang="en-US" sz="1600" dirty="0"/>
+        <p:txBody>
+          <a:bodyPr/>
+          <a:lstStyle/>
+          <a:p>
+            <a:pPr marL="0" indent="0">
+              <a:buNone/>
+            </a:pPr>
+            <a:endParaRPr lang="es-MX" dirty="0" smtClean="0"/>
+          </a:p>
+          <a:p>
+            <a:r>
+              <a:rPr lang="es-MX" dirty="0"/>
+              <a:t>El objetivo aquí es encontrar los </a:t>
+            </a:r>
+            <a:r>
+              <a:rPr lang="es-MX" dirty="0" err="1"/>
+              <a:t>hiperparámetros</a:t>
+            </a:r>
+            <a:r>
+              <a:rPr lang="es-MX" dirty="0"/>
               <a:t> </a:t>
             </a:r>
             <a:r>
-              <a:rPr lang="en-US" sz="1600" dirty="0" err="1"/>
-              <a:t>máxima</a:t>
-            </a:r>
-            <a:r>
-              <a:rPr lang="en-US" sz="1600" dirty="0"/>
-              <a:t> </a:t>
-            </a:r>
-            <a:r>
-              <a:rPr lang="en-US" sz="1600" dirty="0" err="1"/>
-              <a:t>esperada</a:t>
-            </a:r>
-            <a:r>
-              <a:rPr lang="en-US" sz="1600" dirty="0"/>
-              <a:t>: </a:t>
-            </a:r>
-            <a:r>
-              <a:rPr lang="en-US" sz="1600" dirty="0" smtClean="0"/>
-              <a:t>75,446</a:t>
-            </a:r>
-            <a:endParaRPr lang="en-US" sz="1600" dirty="0"/>
-          </a:p>
-        </p:txBody>
-      </p:sp>
-      <p:sp>
-        <p:nvSpPr>
-          <p:cNvPr id="13" name="Rectangle 12"/>
-          <p:cNvSpPr/>
-          <p:nvPr/>
-        </p:nvSpPr>
-        <p:spPr>
-          <a:xfrm>
-            <a:off x="3926284" y="5058847"/>
-            <a:ext cx="3021054" cy="584775"/>
-          </a:xfrm>
-          <a:prstGeom prst="rect">
-            <a:avLst/>
-          </a:prstGeom>
-        </p:spPr>
-        <p:txBody>
-          <a:bodyPr wrap="square">
-            <a:spAutoFit/>
-          </a:bodyPr>
-          <a:lstStyle/>
-          <a:p>
-            <a:r>
-              <a:rPr lang="en-US" sz="1600" dirty="0" err="1"/>
-              <a:t>Ganancia</a:t>
-            </a:r>
-            <a:r>
-              <a:rPr lang="en-US" sz="1600" dirty="0"/>
-              <a:t> </a:t>
-            </a:r>
-            <a:r>
-              <a:rPr lang="en-US" sz="1600" dirty="0" err="1"/>
-              <a:t>máxima</a:t>
-            </a:r>
-            <a:r>
-              <a:rPr lang="en-US" sz="1600" dirty="0"/>
-              <a:t> </a:t>
-            </a:r>
-            <a:r>
-              <a:rPr lang="en-US" sz="1600" dirty="0" err="1"/>
-              <a:t>esperada</a:t>
-            </a:r>
-            <a:r>
-              <a:rPr lang="en-US" sz="1600" dirty="0"/>
-              <a:t> RF: </a:t>
-            </a:r>
-            <a:r>
-              <a:rPr lang="en-US" sz="1600" dirty="0" smtClean="0"/>
-              <a:t>70,379</a:t>
-            </a:r>
-            <a:endParaRPr lang="en-US" sz="1600" dirty="0"/>
-          </a:p>
-        </p:txBody>
-      </p:sp>
-      <p:sp>
-        <p:nvSpPr>
-          <p:cNvPr id="14" name="Rectangle 13"/>
-          <p:cNvSpPr/>
-          <p:nvPr/>
-        </p:nvSpPr>
-        <p:spPr>
-          <a:xfrm>
-            <a:off x="7388772" y="5136545"/>
-            <a:ext cx="4370052" cy="338554"/>
-          </a:xfrm>
-          <a:prstGeom prst="rect">
-            <a:avLst/>
-          </a:prstGeom>
-        </p:spPr>
-        <p:txBody>
-          <a:bodyPr wrap="square">
-            <a:spAutoFit/>
-          </a:bodyPr>
-          <a:lstStyle/>
-          <a:p>
-            <a:r>
-              <a:rPr lang="en-US" sz="1600" dirty="0" err="1"/>
-              <a:t>Ganancia</a:t>
-            </a:r>
-            <a:r>
-              <a:rPr lang="en-US" sz="1600" dirty="0"/>
-              <a:t> </a:t>
-            </a:r>
-            <a:r>
-              <a:rPr lang="en-US" sz="1600" dirty="0" err="1"/>
-              <a:t>máxima</a:t>
-            </a:r>
-            <a:r>
-              <a:rPr lang="en-US" sz="1600" dirty="0"/>
-              <a:t> </a:t>
-            </a:r>
-            <a:r>
-              <a:rPr lang="en-US" sz="1600" dirty="0" err="1"/>
-              <a:t>esperada</a:t>
-            </a:r>
-            <a:r>
-              <a:rPr lang="en-US" sz="1600" dirty="0"/>
-              <a:t> </a:t>
-            </a:r>
-            <a:r>
-              <a:rPr lang="en-US" sz="1600" dirty="0" err="1"/>
-              <a:t>XGBoost</a:t>
-            </a:r>
-            <a:r>
-              <a:rPr lang="en-US" sz="1600" dirty="0"/>
-              <a:t>: </a:t>
-            </a:r>
-            <a:r>
-              <a:rPr lang="en-US" sz="1600" dirty="0" smtClean="0"/>
-              <a:t>70,349</a:t>
-            </a:r>
-            <a:endParaRPr lang="en-US" sz="1600" dirty="0"/>
-          </a:p>
-        </p:txBody>
-      </p:sp>
-      <p:pic>
-        <p:nvPicPr>
-          <p:cNvPr id="15" name="Picture 14"/>
-          <p:cNvPicPr>
-            <a:picLocks noChangeAspect="1"/>
-          </p:cNvPicPr>
-          <p:nvPr/>
-        </p:nvPicPr>
-        <p:blipFill>
-          <a:blip r:embed="rId4"/>
-          <a:stretch>
-            <a:fillRect/>
-          </a:stretch>
-        </p:blipFill>
-        <p:spPr>
-          <a:xfrm>
-            <a:off x="7388772" y="2060309"/>
-            <a:ext cx="4234536" cy="2582726"/>
-          </a:xfrm>
-          <a:prstGeom prst="rect">
-            <a:avLst/>
-          </a:prstGeom>
-        </p:spPr>
-      </p:pic>
+              <a:rPr lang="es-MX" dirty="0" smtClean="0"/>
+              <a:t>que </a:t>
+            </a:r>
+            <a:r>
+              <a:rPr lang="es-MX" dirty="0"/>
+              <a:t>produzcan el mejor modelo estadístico, usando la eficiencia de la </a:t>
+            </a:r>
+            <a:r>
+              <a:rPr lang="es-MX" dirty="0" smtClean="0"/>
+              <a:t>Optimización</a:t>
+            </a:r>
+          </a:p>
+          <a:p>
+            <a:r>
+              <a:rPr lang="es-MX" dirty="0"/>
+              <a:t>La OB maximiza el AUC para </a:t>
+            </a:r>
+            <a:r>
+              <a:rPr lang="es-MX" b="1" dirty="0"/>
+              <a:t>seleccionar los </a:t>
+            </a:r>
+            <a:r>
+              <a:rPr lang="es-MX" b="1" dirty="0" err="1"/>
+              <a:t>HPs</a:t>
+            </a:r>
+            <a:r>
+              <a:rPr lang="es-MX" dirty="0"/>
+              <a:t>. El modelo que usa esos </a:t>
+            </a:r>
+            <a:r>
+              <a:rPr lang="es-MX" dirty="0" err="1"/>
+              <a:t>HPs</a:t>
+            </a:r>
+            <a:r>
+              <a:rPr lang="es-MX" dirty="0"/>
+              <a:t> se entrena a continuación, pero el proceso de entrenamiento </a:t>
+            </a:r>
+            <a:r>
+              <a:rPr lang="es-MX" dirty="0" smtClean="0"/>
+              <a:t>es el </a:t>
+            </a:r>
+            <a:r>
+              <a:rPr lang="es-MX" dirty="0"/>
+              <a:t>que necesita la función de </a:t>
+            </a:r>
+            <a:r>
+              <a:rPr lang="es-MX" dirty="0" smtClean="0"/>
+              <a:t>personalizada de perdida</a:t>
+            </a:r>
+          </a:p>
+          <a:p>
+            <a:r>
+              <a:rPr lang="es-MX" dirty="0" smtClean="0"/>
+              <a:t>La OB define </a:t>
+            </a:r>
+            <a:r>
+              <a:rPr lang="es-MX" dirty="0"/>
+              <a:t>la métrica de optimización para el entrenamiento final. Una vez que la OB encuentra la mejor "estructura" de </a:t>
+            </a:r>
+            <a:r>
+              <a:rPr lang="es-MX" dirty="0" err="1"/>
+              <a:t>HPs</a:t>
+            </a:r>
+            <a:r>
+              <a:rPr lang="es-MX" dirty="0"/>
+              <a:t> (por AUC), el modelo se entrena usando la Ganancia </a:t>
+            </a:r>
+            <a:r>
+              <a:rPr lang="es-MX" dirty="0" smtClean="0"/>
+              <a:t>personalizada </a:t>
+            </a:r>
+            <a:r>
+              <a:rPr lang="es-MX" dirty="0"/>
+              <a:t>como función de </a:t>
+            </a:r>
+            <a:r>
+              <a:rPr lang="es-MX" dirty="0" smtClean="0"/>
+              <a:t>pérdida. </a:t>
+            </a:r>
+            <a:r>
+              <a:rPr lang="es-MX" dirty="0"/>
+              <a:t>Esto asegura que los árboles se construyan para optimizar directamente la </a:t>
+            </a:r>
+            <a:r>
+              <a:rPr lang="es-MX" dirty="0" smtClean="0"/>
+              <a:t>rentabilidad, </a:t>
+            </a:r>
+            <a:r>
+              <a:rPr lang="es-MX" dirty="0"/>
+              <a:t>no solo el AUC.</a:t>
+            </a:r>
+            <a:endParaRPr lang="en-US" dirty="0"/>
+          </a:p>
+        </p:txBody>
+      </p:sp>
     </p:spTree>
     <p:extLst>
       <p:ext uri="{BB962C8B-B14F-4D97-AF65-F5344CB8AC3E}">
-        <p14:creationId xmlns:p14="http://schemas.microsoft.com/office/powerpoint/2010/main" val="2667436207"/>
+        <p14:creationId xmlns:p14="http://schemas.microsoft.com/office/powerpoint/2010/main" val="2669803719"/>
       </p:ext>
     </p:extLst>
   </p:cSld>
@@ -6655,7 +6681,7 @@
       </p:grpSpPr>
       <p:sp>
         <p:nvSpPr>
-          <p:cNvPr id="2" name="Title 1"/>
+          <p:cNvPr id="5" name="Title 1"/>
           <p:cNvSpPr>
             <a:spLocks noGrp="1"/>
           </p:cNvSpPr>
@@ -6663,127 +6689,34 @@
             <p:ph type="title"/>
           </p:nvPr>
         </p:nvSpPr>
-        <p:spPr/>
-        <p:txBody>
-          <a:bodyPr/>
-          <a:lstStyle/>
-          <a:p>
-            <a:r>
-              <a:rPr lang="es-MX" dirty="0" smtClean="0"/>
-              <a:t>Comparación matrices de confusión</a:t>
-            </a:r>
-            <a:endParaRPr lang="en-US" dirty="0"/>
-          </a:p>
-        </p:txBody>
-      </p:sp>
-      <p:sp>
-        <p:nvSpPr>
-          <p:cNvPr id="3" name="Content Placeholder 2"/>
-          <p:cNvSpPr>
-            <a:spLocks noGrp="1"/>
-          </p:cNvSpPr>
-          <p:nvPr>
-            <p:ph idx="1"/>
-          </p:nvPr>
-        </p:nvSpPr>
-        <p:spPr/>
-        <p:txBody>
-          <a:bodyPr/>
-          <a:lstStyle/>
-          <a:p>
-            <a:endParaRPr lang="en-US"/>
-          </a:p>
-        </p:txBody>
-      </p:sp>
-      <p:pic>
-        <p:nvPicPr>
-          <p:cNvPr id="5" name="Picture 4"/>
-          <p:cNvPicPr>
-            <a:picLocks noChangeAspect="1"/>
-          </p:cNvPicPr>
-          <p:nvPr/>
-        </p:nvPicPr>
-        <p:blipFill>
-          <a:blip r:embed="rId2"/>
-          <a:stretch>
-            <a:fillRect/>
-          </a:stretch>
-        </p:blipFill>
         <p:spPr>
           <a:xfrm>
-            <a:off x="4309243" y="1589791"/>
-            <a:ext cx="3699640" cy="3489231"/>
+            <a:off x="771927" y="2575034"/>
+            <a:ext cx="8561259" cy="1366345"/>
           </a:xfrm>
-          <a:prstGeom prst="rect">
-            <a:avLst/>
-          </a:prstGeom>
         </p:spPr>
-      </p:pic>
-      <p:pic>
-        <p:nvPicPr>
-          <p:cNvPr id="6" name="Picture 5"/>
-          <p:cNvPicPr>
-            <a:picLocks noChangeAspect="1"/>
-          </p:cNvPicPr>
-          <p:nvPr/>
-        </p:nvPicPr>
-        <p:blipFill>
-          <a:blip r:embed="rId3"/>
-          <a:stretch>
-            <a:fillRect/>
-          </a:stretch>
-        </p:blipFill>
-        <p:spPr>
-          <a:xfrm>
-            <a:off x="88141" y="1676400"/>
-            <a:ext cx="4000384" cy="3630828"/>
-          </a:xfrm>
-          <a:prstGeom prst="rect">
-            <a:avLst/>
-          </a:prstGeom>
-        </p:spPr>
-      </p:pic>
-      <p:pic>
-        <p:nvPicPr>
-          <p:cNvPr id="7" name="Picture 6"/>
-          <p:cNvPicPr>
-            <a:picLocks noChangeAspect="1"/>
-          </p:cNvPicPr>
-          <p:nvPr/>
-        </p:nvPicPr>
-        <p:blipFill>
-          <a:blip r:embed="rId4"/>
-          <a:stretch>
-            <a:fillRect/>
-          </a:stretch>
-        </p:blipFill>
-        <p:spPr>
-          <a:xfrm>
-            <a:off x="8156028" y="1676400"/>
-            <a:ext cx="3553054" cy="3544220"/>
-          </a:xfrm>
-          <a:prstGeom prst="rect">
-            <a:avLst/>
-          </a:prstGeom>
-        </p:spPr>
-      </p:pic>
+        <p:txBody>
+          <a:bodyPr/>
+          <a:lstStyle/>
+          <a:p>
+            <a:r>
+              <a:rPr lang="es-MX" dirty="0" smtClean="0"/>
+              <a:t>Métricas de los 3 modelos</a:t>
+            </a:r>
+            <a:endParaRPr lang="en-US" dirty="0"/>
+          </a:p>
+        </p:txBody>
+      </p:sp>
     </p:spTree>
     <p:extLst>
       <p:ext uri="{BB962C8B-B14F-4D97-AF65-F5344CB8AC3E}">
-        <p14:creationId xmlns:p14="http://schemas.microsoft.com/office/powerpoint/2010/main" val="1072490699"/>
+        <p14:creationId xmlns:p14="http://schemas.microsoft.com/office/powerpoint/2010/main" val="3567071927"/>
       </p:ext>
     </p:extLst>
   </p:cSld>
   <p:clrMapOvr>
     <a:masterClrMapping/>
   </p:clrMapOvr>
-  <p:timing>
-    <p:tnLst>
-      <p:par>
-        <p:cTn id="1" dur="indefinite" restart="never" nodeType="tmRoot"/>
-      </p:par>
-    </p:tnLst>
-  </p:timing>
 </p:sld>
 </file>
 
@@ -6819,47 +6752,67 @@
           <a:bodyPr/>
           <a:lstStyle/>
           <a:p>
-            <a:endParaRPr lang="en-US"/>
-          </a:p>
-        </p:txBody>
-      </p:sp>
-      <p:sp>
-        <p:nvSpPr>
-          <p:cNvPr id="3" name="Content Placeholder 2"/>
-          <p:cNvSpPr>
-            <a:spLocks noGrp="1"/>
-          </p:cNvSpPr>
-          <p:nvPr>
-            <p:ph idx="1"/>
-          </p:nvPr>
-        </p:nvSpPr>
-        <p:spPr/>
-        <p:txBody>
-          <a:bodyPr/>
-          <a:lstStyle/>
-          <a:p>
-            <a:endParaRPr lang="en-US"/>
+            <a:r>
+              <a:rPr lang="es-MX" dirty="0" smtClean="0"/>
+              <a:t>Comparación matrices de confusión</a:t>
+            </a:r>
+            <a:endParaRPr lang="en-US" dirty="0"/>
           </a:p>
         </p:txBody>
       </p:sp>
       <p:pic>
         <p:nvPicPr>
-          <p:cNvPr id="4" name="Picture 3"/>
+          <p:cNvPr id="4" name="Content Placeholder 3"/>
+          <p:cNvPicPr>
+            <a:picLocks noGrp="1" noChangeAspect="1"/>
+          </p:cNvPicPr>
+          <p:nvPr>
+            <p:ph idx="1"/>
+          </p:nvPr>
+        </p:nvPicPr>
+        <p:blipFill>
+          <a:blip r:embed="rId2">
+            <a:extLst>
+              <a:ext uri="{28A0092B-C50C-407E-A947-70E740481C1C}">
+                <a14:useLocalDpi xmlns:a14="http://schemas.microsoft.com/office/drawing/2010/main" val="0"/>
+              </a:ext>
+            </a:extLst>
+          </a:blip>
+          <a:stretch>
+            <a:fillRect/>
+          </a:stretch>
+        </p:blipFill>
+        <p:spPr>
+          <a:xfrm>
+            <a:off x="659509" y="1656009"/>
+            <a:ext cx="3450035" cy="3077588"/>
+          </a:xfrm>
+        </p:spPr>
+      </p:pic>
+      <p:pic>
+        <p:nvPicPr>
+          <p:cNvPr id="8" name="Picture 7"/>
           <p:cNvPicPr>
             <a:picLocks noChangeAspect="1"/>
           </p:cNvPicPr>
           <p:nvPr/>
         </p:nvPicPr>
         <p:blipFill>
-          <a:blip r:embed="rId2"/>
+          <a:blip r:embed="rId3">
+            <a:extLst>
+              <a:ext uri="{28A0092B-C50C-407E-A947-70E740481C1C}">
+                <a14:useLocalDpi xmlns:a14="http://schemas.microsoft.com/office/drawing/2010/main" val="0"/>
+              </a:ext>
+            </a:extLst>
+          </a:blip>
           <a:stretch>
             <a:fillRect/>
           </a:stretch>
         </p:blipFill>
         <p:spPr>
           <a:xfrm>
-            <a:off x="382952" y="963828"/>
-            <a:ext cx="4972744" cy="5077534"/>
+            <a:off x="3983685" y="1655773"/>
+            <a:ext cx="3457639" cy="3077824"/>
           </a:xfrm>
           <a:prstGeom prst="rect">
             <a:avLst/>
@@ -6868,32 +6821,80 @@
       </p:pic>
       <p:pic>
         <p:nvPicPr>
-          <p:cNvPr id="5" name="Picture 4"/>
+          <p:cNvPr id="9" name="Picture 8"/>
           <p:cNvPicPr>
             <a:picLocks noChangeAspect="1"/>
           </p:cNvPicPr>
           <p:nvPr/>
         </p:nvPicPr>
         <p:blipFill>
-          <a:blip r:embed="rId3"/>
+          <a:blip r:embed="rId4">
+            <a:extLst>
+              <a:ext uri="{28A0092B-C50C-407E-A947-70E740481C1C}">
+                <a14:useLocalDpi xmlns:a14="http://schemas.microsoft.com/office/drawing/2010/main" val="0"/>
+              </a:ext>
+            </a:extLst>
+          </a:blip>
           <a:stretch>
             <a:fillRect/>
           </a:stretch>
         </p:blipFill>
         <p:spPr>
           <a:xfrm>
-            <a:off x="5650078" y="609600"/>
-            <a:ext cx="5172797" cy="5296639"/>
+            <a:off x="7462787" y="1655933"/>
+            <a:ext cx="3457461" cy="3077664"/>
           </a:xfrm>
           <a:prstGeom prst="rect">
             <a:avLst/>
           </a:prstGeom>
         </p:spPr>
       </p:pic>
+      <p:sp>
+        <p:nvSpPr>
+          <p:cNvPr id="10" name="TextBox 9"/>
+          <p:cNvSpPr txBox="1"/>
+          <p:nvPr/>
+        </p:nvSpPr>
+        <p:spPr>
+          <a:xfrm>
+            <a:off x="1439917" y="5160579"/>
+            <a:ext cx="4130566" cy="1200329"/>
+          </a:xfrm>
+          <a:prstGeom prst="rect">
+            <a:avLst/>
+          </a:prstGeom>
+          <a:noFill/>
+        </p:spPr>
+        <p:txBody>
+          <a:bodyPr wrap="square" rtlCol="0">
+            <a:spAutoFit/>
+          </a:bodyPr>
+          <a:lstStyle/>
+          <a:p>
+            <a:r>
+              <a:rPr lang="es-MX" dirty="0" smtClean="0"/>
+              <a:t>El modelo que no busca </a:t>
+            </a:r>
+            <a:r>
+              <a:rPr lang="es-MX" dirty="0" err="1" smtClean="0"/>
+              <a:t>hiperparametros</a:t>
+            </a:r>
+            <a:r>
+              <a:rPr lang="es-MX" dirty="0" smtClean="0"/>
+              <a:t> por AUC logra separar mejor el fraude, basado en la función de </a:t>
+            </a:r>
+            <a:r>
+              <a:rPr lang="es-MX" dirty="0" err="1" smtClean="0"/>
+              <a:t>pérdidad</a:t>
+            </a:r>
+            <a:endParaRPr lang="en-US" dirty="0"/>
+          </a:p>
+        </p:txBody>
+      </p:sp>
     </p:spTree>
     <p:extLst>
       <p:ext uri="{BB962C8B-B14F-4D97-AF65-F5344CB8AC3E}">
-        <p14:creationId xmlns:p14="http://schemas.microsoft.com/office/powerpoint/2010/main" val="1643421308"/>
+        <p14:creationId xmlns:p14="http://schemas.microsoft.com/office/powerpoint/2010/main" val="1072490699"/>
       </p:ext>
     </p:extLst>
   </p:cSld>
@@ -6939,6 +6940,541 @@
         </p:nvSpPr>
         <p:spPr/>
         <p:txBody>
+          <a:bodyPr>
+            <a:normAutofit fontScale="90000"/>
+          </a:bodyPr>
+          <a:lstStyle/>
+          <a:p>
+            <a:r>
+              <a:rPr lang="es-MX" dirty="0" smtClean="0"/>
+              <a:t>Ganancias para neta para la compañía en test por modelo teniendo en cuenta el umbral</a:t>
+            </a:r>
+            <a:endParaRPr lang="en-US" dirty="0"/>
+          </a:p>
+        </p:txBody>
+      </p:sp>
+      <p:sp>
+        <p:nvSpPr>
+          <p:cNvPr id="9" name="TextBox 8"/>
+          <p:cNvSpPr txBox="1"/>
+          <p:nvPr/>
+        </p:nvSpPr>
+        <p:spPr>
+          <a:xfrm>
+            <a:off x="882868" y="5013435"/>
+            <a:ext cx="2049517" cy="584775"/>
+          </a:xfrm>
+          <a:prstGeom prst="rect">
+            <a:avLst/>
+          </a:prstGeom>
+          <a:noFill/>
+        </p:spPr>
+        <p:txBody>
+          <a:bodyPr wrap="square" rtlCol="0">
+            <a:spAutoFit/>
+          </a:bodyPr>
+          <a:lstStyle/>
+          <a:p>
+            <a:r>
+              <a:rPr lang="en-US" sz="1600" dirty="0" err="1" smtClean="0"/>
+              <a:t>Ganancia</a:t>
+            </a:r>
+            <a:r>
+              <a:rPr lang="en-US" sz="1600" dirty="0" smtClean="0"/>
+              <a:t> </a:t>
+            </a:r>
+            <a:r>
+              <a:rPr lang="en-US" sz="1600" dirty="0" err="1"/>
+              <a:t>máxima</a:t>
+            </a:r>
+            <a:r>
+              <a:rPr lang="en-US" sz="1600" dirty="0"/>
+              <a:t> </a:t>
+            </a:r>
+            <a:r>
+              <a:rPr lang="en-US" sz="1600" dirty="0" err="1"/>
+              <a:t>esperada</a:t>
+            </a:r>
+            <a:r>
+              <a:rPr lang="en-US" sz="1600" dirty="0"/>
+              <a:t>: </a:t>
+            </a:r>
+            <a:r>
+              <a:rPr lang="en-US" sz="1600" dirty="0" smtClean="0"/>
+              <a:t>75,446</a:t>
+            </a:r>
+            <a:endParaRPr lang="en-US" sz="1600" dirty="0"/>
+          </a:p>
+        </p:txBody>
+      </p:sp>
+      <p:sp>
+        <p:nvSpPr>
+          <p:cNvPr id="13" name="Rectangle 12"/>
+          <p:cNvSpPr/>
+          <p:nvPr/>
+        </p:nvSpPr>
+        <p:spPr>
+          <a:xfrm>
+            <a:off x="3926284" y="5058847"/>
+            <a:ext cx="3021054" cy="1077218"/>
+          </a:xfrm>
+          <a:prstGeom prst="rect">
+            <a:avLst/>
+          </a:prstGeom>
+        </p:spPr>
+        <p:txBody>
+          <a:bodyPr wrap="square">
+            <a:spAutoFit/>
+          </a:bodyPr>
+          <a:lstStyle/>
+          <a:p>
+            <a:r>
+              <a:rPr lang="en-US" sz="1600" dirty="0" err="1" smtClean="0"/>
+              <a:t>Ganancia</a:t>
+            </a:r>
+            <a:r>
+              <a:rPr lang="en-US" sz="1600" dirty="0" smtClean="0"/>
+              <a:t> </a:t>
+            </a:r>
+            <a:r>
+              <a:rPr lang="en-US" sz="1600" dirty="0" err="1"/>
+              <a:t>máxima</a:t>
+            </a:r>
+            <a:r>
+              <a:rPr lang="en-US" sz="1600" dirty="0"/>
+              <a:t> </a:t>
+            </a:r>
+            <a:r>
+              <a:rPr lang="en-US" sz="1600" dirty="0" err="1"/>
+              <a:t>esperada</a:t>
+            </a:r>
+            <a:r>
+              <a:rPr lang="en-US" sz="1600" dirty="0"/>
+              <a:t> RF: </a:t>
+            </a:r>
+            <a:r>
+              <a:rPr lang="en-US" sz="1600" dirty="0" smtClean="0"/>
+              <a:t>70,379, el </a:t>
+            </a:r>
+            <a:r>
+              <a:rPr lang="en-US" sz="1600" dirty="0" err="1" smtClean="0"/>
+              <a:t>modelo</a:t>
+            </a:r>
+            <a:r>
+              <a:rPr lang="en-US" sz="1600" dirty="0" smtClean="0"/>
+              <a:t> </a:t>
+            </a:r>
+            <a:r>
+              <a:rPr lang="en-US" sz="1600" dirty="0" err="1" smtClean="0"/>
+              <a:t>es</a:t>
+            </a:r>
+            <a:r>
+              <a:rPr lang="en-US" sz="1600" dirty="0" smtClean="0"/>
+              <a:t> mas sensible </a:t>
+            </a:r>
+            <a:r>
+              <a:rPr lang="en-US" sz="1600" dirty="0" err="1" smtClean="0"/>
+              <a:t>frente</a:t>
+            </a:r>
+            <a:r>
+              <a:rPr lang="en-US" sz="1600" dirty="0" smtClean="0"/>
+              <a:t>  a </a:t>
+            </a:r>
+            <a:r>
+              <a:rPr lang="en-US" sz="1600" dirty="0" err="1" smtClean="0"/>
+              <a:t>cambios</a:t>
+            </a:r>
+            <a:r>
+              <a:rPr lang="en-US" sz="1600" dirty="0" smtClean="0"/>
+              <a:t> </a:t>
+            </a:r>
+            <a:r>
+              <a:rPr lang="en-US" sz="1600" dirty="0" err="1" smtClean="0"/>
+              <a:t>en</a:t>
+            </a:r>
+            <a:r>
+              <a:rPr lang="en-US" sz="1600" dirty="0" smtClean="0"/>
+              <a:t> el umbral</a:t>
+            </a:r>
+            <a:endParaRPr lang="en-US" sz="1600" dirty="0"/>
+          </a:p>
+        </p:txBody>
+      </p:sp>
+      <p:sp>
+        <p:nvSpPr>
+          <p:cNvPr id="14" name="Rectangle 13"/>
+          <p:cNvSpPr/>
+          <p:nvPr/>
+        </p:nvSpPr>
+        <p:spPr>
+          <a:xfrm>
+            <a:off x="7388772" y="5136545"/>
+            <a:ext cx="4370052" cy="338554"/>
+          </a:xfrm>
+          <a:prstGeom prst="rect">
+            <a:avLst/>
+          </a:prstGeom>
+        </p:spPr>
+        <p:txBody>
+          <a:bodyPr wrap="square">
+            <a:spAutoFit/>
+          </a:bodyPr>
+          <a:lstStyle/>
+          <a:p>
+            <a:r>
+              <a:rPr lang="en-US" sz="1600" dirty="0" err="1"/>
+              <a:t>Ganancia</a:t>
+            </a:r>
+            <a:r>
+              <a:rPr lang="en-US" sz="1600" dirty="0"/>
+              <a:t> </a:t>
+            </a:r>
+            <a:r>
+              <a:rPr lang="en-US" sz="1600" dirty="0" err="1"/>
+              <a:t>máxima</a:t>
+            </a:r>
+            <a:r>
+              <a:rPr lang="en-US" sz="1600" dirty="0"/>
+              <a:t> </a:t>
+            </a:r>
+            <a:r>
+              <a:rPr lang="en-US" sz="1600" dirty="0" err="1"/>
+              <a:t>esperada</a:t>
+            </a:r>
+            <a:r>
+              <a:rPr lang="en-US" sz="1600" dirty="0"/>
+              <a:t> </a:t>
+            </a:r>
+            <a:r>
+              <a:rPr lang="en-US" sz="1600" dirty="0" err="1"/>
+              <a:t>XGBoost</a:t>
+            </a:r>
+            <a:r>
+              <a:rPr lang="en-US" sz="1600" dirty="0"/>
+              <a:t>: </a:t>
+            </a:r>
+            <a:r>
+              <a:rPr lang="en-US" sz="1600" dirty="0" smtClean="0"/>
+              <a:t>70,349</a:t>
+            </a:r>
+            <a:endParaRPr lang="en-US" sz="1600" dirty="0"/>
+          </a:p>
+        </p:txBody>
+      </p:sp>
+      <p:pic>
+        <p:nvPicPr>
+          <p:cNvPr id="15" name="Picture 14"/>
+          <p:cNvPicPr>
+            <a:picLocks noChangeAspect="1"/>
+          </p:cNvPicPr>
+          <p:nvPr/>
+        </p:nvPicPr>
+        <p:blipFill>
+          <a:blip r:embed="rId2"/>
+          <a:stretch>
+            <a:fillRect/>
+          </a:stretch>
+        </p:blipFill>
+        <p:spPr>
+          <a:xfrm>
+            <a:off x="7688273" y="2135597"/>
+            <a:ext cx="3632752" cy="2215686"/>
+          </a:xfrm>
+          <a:prstGeom prst="rect">
+            <a:avLst/>
+          </a:prstGeom>
+        </p:spPr>
+      </p:pic>
+      <p:pic>
+        <p:nvPicPr>
+          <p:cNvPr id="3" name="Picture 2"/>
+          <p:cNvPicPr>
+            <a:picLocks noChangeAspect="1"/>
+          </p:cNvPicPr>
+          <p:nvPr/>
+        </p:nvPicPr>
+        <p:blipFill>
+          <a:blip r:embed="rId3">
+            <a:extLst>
+              <a:ext uri="{28A0092B-C50C-407E-A947-70E740481C1C}">
+                <a14:useLocalDpi xmlns:a14="http://schemas.microsoft.com/office/drawing/2010/main" val="0"/>
+              </a:ext>
+            </a:extLst>
+          </a:blip>
+          <a:stretch>
+            <a:fillRect/>
+          </a:stretch>
+        </p:blipFill>
+        <p:spPr>
+          <a:xfrm>
+            <a:off x="160059" y="2135597"/>
+            <a:ext cx="3766225" cy="2373416"/>
+          </a:xfrm>
+          <a:prstGeom prst="rect">
+            <a:avLst/>
+          </a:prstGeom>
+        </p:spPr>
+      </p:pic>
+      <p:pic>
+        <p:nvPicPr>
+          <p:cNvPr id="4" name="Picture 3"/>
+          <p:cNvPicPr>
+            <a:picLocks noChangeAspect="1"/>
+          </p:cNvPicPr>
+          <p:nvPr/>
+        </p:nvPicPr>
+        <p:blipFill>
+          <a:blip r:embed="rId4">
+            <a:extLst>
+              <a:ext uri="{28A0092B-C50C-407E-A947-70E740481C1C}">
+                <a14:useLocalDpi xmlns:a14="http://schemas.microsoft.com/office/drawing/2010/main" val="0"/>
+              </a:ext>
+            </a:extLst>
+          </a:blip>
+          <a:stretch>
+            <a:fillRect/>
+          </a:stretch>
+        </p:blipFill>
+        <p:spPr>
+          <a:xfrm>
+            <a:off x="3858608" y="2102423"/>
+            <a:ext cx="3867262" cy="2406589"/>
+          </a:xfrm>
+          <a:prstGeom prst="rect">
+            <a:avLst/>
+          </a:prstGeom>
+        </p:spPr>
+      </p:pic>
+    </p:spTree>
+    <p:extLst>
+      <p:ext uri="{BB962C8B-B14F-4D97-AF65-F5344CB8AC3E}">
+        <p14:creationId xmlns:p14="http://schemas.microsoft.com/office/powerpoint/2010/main" val="2667436207"/>
+      </p:ext>
+    </p:extLst>
+  </p:cSld>
+  <p:clrMapOvr>
+    <a:masterClrMapping/>
+  </p:clrMapOvr>
+  <p:timing>
+    <p:tnLst>
+      <p:par>
+        <p:cTn id="1" dur="indefinite" restart="never" nodeType="tmRoot"/>
+      </p:par>
+    </p:tnLst>
+  </p:timing>
+</p:sld>
+</file>
+
+<file path=ppt/slides/slide16.xml><?xml version="1.0" encoding="utf-8"?>
+<p:sld xmlns:a="http://schemas.openxmlformats.org/drawingml/2006/main" xmlns:r="http://schemas.openxmlformats.org/officeDocument/2006/relationships" xmlns:p="http://schemas.openxmlformats.org/presentationml/2006/main">
+  <p:cSld>
+    <p:spTree>
+      <p:nvGrpSpPr>
+        <p:cNvPr id="1" name=""/>
+        <p:cNvGrpSpPr/>
+        <p:nvPr/>
+      </p:nvGrpSpPr>
+      <p:grpSpPr>
+        <a:xfrm>
+          <a:off x="0" y="0"/>
+          <a:ext cx="0" cy="0"/>
+          <a:chOff x="0" y="0"/>
+          <a:chExt cx="0" cy="0"/>
+        </a:xfrm>
+      </p:grpSpPr>
+      <p:sp>
+        <p:nvSpPr>
+          <p:cNvPr id="6" name="TextBox 5"/>
+          <p:cNvSpPr txBox="1"/>
+          <p:nvPr/>
+        </p:nvSpPr>
+        <p:spPr>
+          <a:xfrm>
+            <a:off x="1156138" y="5602014"/>
+            <a:ext cx="9637986" cy="923330"/>
+          </a:xfrm>
+          <a:prstGeom prst="rect">
+            <a:avLst/>
+          </a:prstGeom>
+          <a:noFill/>
+        </p:spPr>
+        <p:txBody>
+          <a:bodyPr wrap="square" rtlCol="0">
+            <a:spAutoFit/>
+          </a:bodyPr>
+          <a:lstStyle/>
+          <a:p>
+            <a:r>
+              <a:rPr lang="es-MX" dirty="0" smtClean="0"/>
+              <a:t>El modelo </a:t>
+            </a:r>
+            <a:r>
+              <a:rPr lang="es-MX" dirty="0" err="1" smtClean="0"/>
+              <a:t>Xgboost</a:t>
+            </a:r>
+            <a:r>
+              <a:rPr lang="es-MX" dirty="0" smtClean="0"/>
+              <a:t> que no contempla OB, entrena el modelo maximizando la ganancia, mas no el AUC, mientras que los otros dos usan </a:t>
+            </a:r>
+            <a:r>
+              <a:rPr lang="es-MX" dirty="0" err="1" smtClean="0"/>
+              <a:t>tunnig</a:t>
+            </a:r>
+            <a:r>
+              <a:rPr lang="es-MX" dirty="0" smtClean="0"/>
+              <a:t>  de </a:t>
+            </a:r>
+            <a:r>
+              <a:rPr lang="es-MX" dirty="0" err="1" smtClean="0"/>
+              <a:t>Hiperparametros</a:t>
+            </a:r>
+            <a:r>
+              <a:rPr lang="es-MX" dirty="0" smtClean="0"/>
+              <a:t> que Maximice el AUC pero usan la función personalizada para el entrenamiento.</a:t>
+            </a:r>
+            <a:endParaRPr lang="en-US" dirty="0"/>
+          </a:p>
+        </p:txBody>
+      </p:sp>
+      <p:pic>
+        <p:nvPicPr>
+          <p:cNvPr id="7" name="Picture 6"/>
+          <p:cNvPicPr>
+            <a:picLocks noChangeAspect="1"/>
+          </p:cNvPicPr>
+          <p:nvPr/>
+        </p:nvPicPr>
+        <p:blipFill>
+          <a:blip r:embed="rId2">
+            <a:extLst>
+              <a:ext uri="{28A0092B-C50C-407E-A947-70E740481C1C}">
+                <a14:useLocalDpi xmlns:a14="http://schemas.microsoft.com/office/drawing/2010/main" val="0"/>
+              </a:ext>
+            </a:extLst>
+          </a:blip>
+          <a:stretch>
+            <a:fillRect/>
+          </a:stretch>
+        </p:blipFill>
+        <p:spPr>
+          <a:xfrm>
+            <a:off x="1" y="1234965"/>
+            <a:ext cx="3731172" cy="3798126"/>
+          </a:xfrm>
+          <a:prstGeom prst="rect">
+            <a:avLst/>
+          </a:prstGeom>
+        </p:spPr>
+      </p:pic>
+      <p:pic>
+        <p:nvPicPr>
+          <p:cNvPr id="8" name="Picture 7"/>
+          <p:cNvPicPr>
+            <a:picLocks noChangeAspect="1"/>
+          </p:cNvPicPr>
+          <p:nvPr/>
+        </p:nvPicPr>
+        <p:blipFill>
+          <a:blip r:embed="rId3">
+            <a:extLst>
+              <a:ext uri="{28A0092B-C50C-407E-A947-70E740481C1C}">
+                <a14:useLocalDpi xmlns:a14="http://schemas.microsoft.com/office/drawing/2010/main" val="0"/>
+              </a:ext>
+            </a:extLst>
+          </a:blip>
+          <a:stretch>
+            <a:fillRect/>
+          </a:stretch>
+        </p:blipFill>
+        <p:spPr>
+          <a:xfrm>
+            <a:off x="7378915" y="1342620"/>
+            <a:ext cx="3625416" cy="3690472"/>
+          </a:xfrm>
+          <a:prstGeom prst="rect">
+            <a:avLst/>
+          </a:prstGeom>
+        </p:spPr>
+      </p:pic>
+      <p:pic>
+        <p:nvPicPr>
+          <p:cNvPr id="9" name="Picture 8"/>
+          <p:cNvPicPr>
+            <a:picLocks noChangeAspect="1"/>
+          </p:cNvPicPr>
+          <p:nvPr/>
+        </p:nvPicPr>
+        <p:blipFill>
+          <a:blip r:embed="rId4">
+            <a:extLst>
+              <a:ext uri="{28A0092B-C50C-407E-A947-70E740481C1C}">
+                <a14:useLocalDpi xmlns:a14="http://schemas.microsoft.com/office/drawing/2010/main" val="0"/>
+              </a:ext>
+            </a:extLst>
+          </a:blip>
+          <a:stretch>
+            <a:fillRect/>
+          </a:stretch>
+        </p:blipFill>
+        <p:spPr>
+          <a:xfrm>
+            <a:off x="3780243" y="1342620"/>
+            <a:ext cx="3625414" cy="3690471"/>
+          </a:xfrm>
+          <a:prstGeom prst="rect">
+            <a:avLst/>
+          </a:prstGeom>
+        </p:spPr>
+      </p:pic>
+    </p:spTree>
+    <p:extLst>
+      <p:ext uri="{BB962C8B-B14F-4D97-AF65-F5344CB8AC3E}">
+        <p14:creationId xmlns:p14="http://schemas.microsoft.com/office/powerpoint/2010/main" val="1643421308"/>
+      </p:ext>
+    </p:extLst>
+  </p:cSld>
+  <p:clrMapOvr>
+    <a:masterClrMapping/>
+  </p:clrMapOvr>
+  <p:timing>
+    <p:tnLst>
+      <p:par>
+        <p:cTn id="1" dur="indefinite" restart="never" nodeType="tmRoot"/>
+      </p:par>
+    </p:tnLst>
+  </p:timing>
+</p:sld>
+</file>
+
+<file path=ppt/slides/slide17.xml><?xml version="1.0" encoding="utf-8"?>
+<p:sld xmlns:a="http://schemas.openxmlformats.org/drawingml/2006/main" xmlns:r="http://schemas.openxmlformats.org/officeDocument/2006/relationships" xmlns:p="http://schemas.openxmlformats.org/presentationml/2006/main">
+  <p:cSld>
+    <p:spTree>
+      <p:nvGrpSpPr>
+        <p:cNvPr id="1" name=""/>
+        <p:cNvGrpSpPr/>
+        <p:nvPr/>
+      </p:nvGrpSpPr>
+      <p:grpSpPr>
+        <a:xfrm>
+          <a:off x="0" y="0"/>
+          <a:ext cx="0" cy="0"/>
+          <a:chOff x="0" y="0"/>
+          <a:chExt cx="0" cy="0"/>
+        </a:xfrm>
+      </p:grpSpPr>
+      <p:sp>
+        <p:nvSpPr>
+          <p:cNvPr id="2" name="Title 1"/>
+          <p:cNvSpPr>
+            <a:spLocks noGrp="1"/>
+          </p:cNvSpPr>
+          <p:nvPr>
+            <p:ph type="title"/>
+          </p:nvPr>
+        </p:nvSpPr>
+        <p:spPr/>
+        <p:txBody>
           <a:bodyPr/>
           <a:lstStyle/>
           <a:p>
@@ -6960,100 +7496,90 @@
             <p:ph idx="1"/>
           </p:nvPr>
         </p:nvSpPr>
-        <p:spPr/>
+        <p:spPr>
+          <a:xfrm>
+            <a:off x="582741" y="1740176"/>
+            <a:ext cx="8596668" cy="4345314"/>
+          </a:xfrm>
+        </p:spPr>
         <p:txBody>
           <a:bodyPr>
-            <a:normAutofit lnSpcReduction="10000"/>
+            <a:normAutofit fontScale="92500" lnSpcReduction="20000"/>
           </a:bodyPr>
           <a:lstStyle/>
           <a:p>
             <a:r>
-              <a:rPr lang="es-MX" dirty="0" smtClean="0"/>
-              <a:t>El modelo que mejor funciona por poco es el modelo </a:t>
+              <a:rPr lang="es-MX" dirty="0"/>
+              <a:t>El modelo </a:t>
+            </a:r>
+            <a:r>
+              <a:rPr lang="es-MX" dirty="0" err="1"/>
+              <a:t>XGBoost</a:t>
+            </a:r>
+            <a:r>
+              <a:rPr lang="es-MX" dirty="0"/>
+              <a:t> que incorpora la función personalizada para minimizar la pérdida de ganancia es el de mejor desempeño, ya que optimiza directamente la métrica de negocio. Pese a que la mejora en resultados no es muy grande, el modelo es intrínsecamente eficiente en términos computacionales para la convergencia y el escalamiento, lo que lo hace ideal para incorporaciones en producción.</a:t>
+            </a:r>
+          </a:p>
+          <a:p>
+            <a:endParaRPr lang="es-MX" dirty="0"/>
+          </a:p>
+          <a:p>
+            <a:r>
+              <a:rPr lang="es-MX" dirty="0"/>
+              <a:t>Se sugiere usar este modelo mientras se mantenga el margen de </a:t>
+            </a:r>
+            <a:r>
+              <a:rPr lang="es-MX" dirty="0" smtClean="0"/>
+              <a:t>ganancia</a:t>
+            </a:r>
+            <a:r>
+              <a:rPr lang="es-MX" dirty="0"/>
+              <a:t>, Para refinar aún más la estrategia, se pueden incorporar mejoras en la </a:t>
+            </a:r>
+            <a:r>
+              <a:rPr lang="es-MX" dirty="0" smtClean="0"/>
+              <a:t>función, por ejemplo incorporar  una función que logre capturar variaciones en ganancia en mercado pago en las transacciones, también podría evaluarse la perdida económica de pasar transacciones que no son </a:t>
             </a:r>
             <a:r>
               <a:rPr lang="es-MX" dirty="0" err="1" smtClean="0"/>
-              <a:t>xgboost</a:t>
-            </a:r>
-            <a:r>
-              <a:rPr lang="es-MX" dirty="0" smtClean="0"/>
-              <a:t> que incorpora la función </a:t>
-            </a:r>
-            <a:r>
-              <a:rPr lang="es-MX" dirty="0" smtClean="0"/>
-              <a:t>personaliza  </a:t>
-            </a:r>
-            <a:r>
-              <a:rPr lang="es-MX" dirty="0" smtClean="0"/>
-              <a:t>para la creación </a:t>
+              <a:t>fraudelentas</a:t>
+            </a:r>
+            <a:r>
+              <a:rPr lang="es-MX" dirty="0" smtClean="0"/>
+              <a:t> como fraude y así optimizar el umbral de decisión, de este modo, se maximizaría </a:t>
             </a:r>
             <a:r>
               <a:rPr lang="es-MX" dirty="0"/>
+              <a:t>la rentabilidad de las </a:t>
+            </a:r>
+            <a:r>
+              <a:rPr lang="es-MX" dirty="0" smtClean="0"/>
+              <a:t>transacciones aun mas. </a:t>
+            </a:r>
+            <a:r>
+              <a:rPr lang="es-MX" dirty="0"/>
+              <a:t>Por último, la función de ganancia personalizada puede adaptarse a modelos más sofisticados, como una red neuronal, pero debe evaluarse el </a:t>
+            </a:r>
+            <a:r>
+              <a:rPr lang="es-MX" dirty="0" err="1"/>
+              <a:t>trade</a:t>
+            </a:r>
+            <a:r>
+              <a:rPr lang="es-MX" dirty="0"/>
+              <a:t>-off entre la posible mejora de resultados y los costos de latencia, </a:t>
+            </a:r>
+            <a:r>
+              <a:rPr lang="es-MX" dirty="0" err="1" smtClean="0"/>
+              <a:t>intepretabilidad</a:t>
+            </a:r>
+            <a:r>
+              <a:rPr lang="es-MX" dirty="0" smtClean="0"/>
               <a:t> </a:t>
             </a:r>
             <a:r>
-              <a:rPr lang="es-MX" dirty="0" smtClean="0"/>
-              <a:t>de los arboles desarrollada a partir de la necesidad del negocio, pese a que la mejora en resultados no es muy </a:t>
-            </a:r>
-            <a:r>
-              <a:rPr lang="es-MX" dirty="0" smtClean="0"/>
-              <a:t>grande, esta es </a:t>
-            </a:r>
-            <a:r>
-              <a:rPr lang="es-MX" dirty="0" smtClean="0"/>
-              <a:t>computacionalmente </a:t>
-            </a:r>
-            <a:r>
-              <a:rPr lang="es-MX" dirty="0" smtClean="0"/>
-              <a:t>mas </a:t>
-            </a:r>
-            <a:r>
-              <a:rPr lang="es-MX" dirty="0" smtClean="0"/>
-              <a:t>económica </a:t>
-            </a:r>
-            <a:r>
-              <a:rPr lang="es-MX" dirty="0" smtClean="0"/>
-              <a:t>en términos de convergencia que los otros modelos</a:t>
-            </a:r>
-            <a:endParaRPr lang="es-MX" dirty="0" smtClean="0"/>
-          </a:p>
-          <a:p>
-            <a:r>
-              <a:rPr lang="es-MX" dirty="0" smtClean="0"/>
-              <a:t>Por lo tanto se sugiere usar </a:t>
-            </a:r>
-            <a:r>
-              <a:rPr lang="es-MX" dirty="0" smtClean="0"/>
-              <a:t>este </a:t>
-            </a:r>
-            <a:r>
-              <a:rPr lang="es-MX" dirty="0" smtClean="0"/>
-              <a:t>para posibles incorporaciones en producción mientras se mantenga el margen de ganancia, por los montos de </a:t>
-            </a:r>
-            <a:r>
-              <a:rPr lang="es-MX" dirty="0" smtClean="0"/>
-              <a:t>transacción.</a:t>
-            </a:r>
-            <a:endParaRPr lang="es-MX" dirty="0" smtClean="0"/>
-          </a:p>
-          <a:p>
-            <a:r>
-              <a:rPr lang="es-MX" dirty="0" smtClean="0"/>
-              <a:t>El modelo es bastante eficiente en términos computacionales lo que haría útil para asuntos de escalamiento</a:t>
-            </a:r>
-          </a:p>
-          <a:p>
-            <a:r>
-              <a:rPr lang="es-MX" dirty="0" smtClean="0"/>
-              <a:t>Por ultimo, esta función personalizada puede llevarse también  a modelos mas sofisticados como una red neuronal, pero debe estudiarse el </a:t>
-            </a:r>
-            <a:r>
-              <a:rPr lang="es-MX" dirty="0" err="1" smtClean="0"/>
-              <a:t>trade</a:t>
-            </a:r>
-            <a:r>
-              <a:rPr lang="es-MX" dirty="0" smtClean="0"/>
-              <a:t>-off entre mejores resultados y eficiencia de incorporación en un ambiente de producción</a:t>
+              <a:rPr lang="es-MX" dirty="0"/>
+              <a:t>y eficiencia de incorporación en un ambiente de producción.</a:t>
             </a:r>
             <a:endParaRPr lang="en-US" dirty="0"/>
           </a:p>
@@ -7112,8 +7638,8 @@
           <a:lstStyle/>
           <a:p>
             <a:r>
-              <a:rPr lang="es-MX" dirty="0" err="1" smtClean="0"/>
-              <a:t>Intridocción</a:t>
+              <a:rPr lang="es-MX" dirty="0" smtClean="0"/>
+              <a:t>Introducción</a:t>
             </a:r>
             <a:r>
               <a:rPr lang="es-MX" dirty="0" smtClean="0"/>
@@ -7148,7 +7674,15 @@
           <a:p>
             <a:r>
               <a:rPr lang="es-MX" dirty="0" smtClean="0"/>
-              <a:t>El data set presenta(como es habitual) un desbalanceo en la variable a predecir (Fraude).</a:t>
+              <a:t>El data set </a:t>
+            </a:r>
+            <a:r>
+              <a:rPr lang="es-MX" dirty="0" smtClean="0"/>
+              <a:t>presenta (</a:t>
+            </a:r>
+            <a:r>
+              <a:rPr lang="es-MX" dirty="0" smtClean="0"/>
+              <a:t>como es habitual) un desbalanceo en la variable a predecir (Fraude).</a:t>
             </a:r>
           </a:p>
           <a:p>
@@ -7170,7 +7704,7 @@
             </a:r>
             <a:r>
               <a:rPr lang="es-MX" dirty="0" smtClean="0"/>
-              <a:t> no poseen un nombre especifico para entender en contexto lo que significa cada  una, por que lo que se debe hacer un análisis exploratorio para explotar la capacidad </a:t>
+              <a:t> no poseen un nombre especifico para entender en contexto lo que significa cada  una, por lo que se debe hacer un análisis exploratorio para explotar la capacidad </a:t>
             </a:r>
             <a:r>
               <a:rPr lang="es-MX" dirty="0" err="1" smtClean="0"/>
@@ -7184,11 +7718,15 @@
           <a:p>
             <a:r>
               <a:rPr lang="es-MX" dirty="0" smtClean="0"/>
-              <a:t>Mas allá de usar técnicas clásicas de machine </a:t>
+              <a:t>Mas allá de usar técnicas clásicas de Machine </a:t>
+            </a:r>
+            <a:r>
+              <a:rPr lang="es-MX" dirty="0" err="1"/>
+              <a:t>L</a:t>
             </a:r>
             <a:r>
               <a:rPr lang="es-MX" dirty="0" err="1" smtClean="0"/>
-              <a:t>learning</a:t>
+              <a:t>earning</a:t>
             </a:r>
             <a:r>
               <a:rPr lang="es-MX" dirty="0" smtClean="0"/>
@@ -7352,18 +7890,19 @@
             <p:ph type="title"/>
           </p:nvPr>
         </p:nvSpPr>
-        <p:spPr/>
+        <p:spPr>
+          <a:xfrm>
+            <a:off x="666823" y="199697"/>
+            <a:ext cx="8596668" cy="1320800"/>
+          </a:xfrm>
+        </p:spPr>
         <p:txBody>
           <a:bodyPr/>
           <a:lstStyle/>
           <a:p>
             <a:r>
-              <a:rPr lang="es-MX" dirty="0" err="1" smtClean="0"/>
-              <a:t>Correlacion</a:t>
-            </a:r>
-            <a:r>
-              <a:rPr lang="es-MX" dirty="0" smtClean="0"/>
-              <a:t> de las variables </a:t>
+              <a:rPr lang="es-MX" dirty="0" smtClean="0"/>
+              <a:t>Correlación de las variables </a:t>
             </a:r>
             <a:endParaRPr lang="en-US" dirty="0"/>
           </a:p>
@@ -7393,7 +7932,7 @@
         </p:blipFill>
         <p:spPr>
           <a:xfrm>
-            <a:off x="1765739" y="1270000"/>
+            <a:off x="666823" y="860097"/>
             <a:ext cx="6579476" cy="4523992"/>
           </a:xfrm>
         </p:spPr>
@@ -7406,8 +7945,8 @@
         </p:nvSpPr>
         <p:spPr>
           <a:xfrm>
-            <a:off x="1629103" y="5969876"/>
-            <a:ext cx="4056994" cy="923330"/>
+            <a:off x="7246299" y="1058832"/>
+            <a:ext cx="4056994" cy="1200329"/>
           </a:xfrm>
           <a:prstGeom prst="rect">
             <a:avLst/>
@@ -7428,6 +7967,12 @@
               <a:rPr lang="es-MX" dirty="0" err="1" smtClean="0"/>
               <a:t>multicolinealidad</a:t>
             </a:r>
+            <a:r>
+              <a:rPr lang="es-MX" dirty="0" smtClean="0"/>
+              <a:t>.</a:t>
+            </a:r>
+          </a:p>
+          <a:p>
             <a:endParaRPr lang="en-US" dirty="0"/>
           </a:p>
         </p:txBody>
@@ -7513,15 +8058,7 @@
             </a:r>
             <a:r>
               <a:rPr lang="es-MX" dirty="0" smtClean="0"/>
-              <a:t>no caer en sobredimensión del </a:t>
-            </a:r>
-            <a:r>
-              <a:rPr lang="es-MX" dirty="0" err="1" smtClean="0"/>
-              <a:t>dataset</a:t>
-            </a:r>
-            <a:r>
-              <a:rPr lang="es-MX" dirty="0" smtClean="0"/>
-              <a:t>, </a:t>
+              <a:t>no caer en sobredimensión del dataset, </a:t>
             </a:r>
             <a:r>
               <a:rPr lang="es-MX" dirty="0"/>
@@ -7581,15 +8118,7 @@
             </a:pPr>
             <a:r>
               <a:rPr lang="es-MX" dirty="0" smtClean="0"/>
-              <a:t>Debido a la falta de contexto respecto a las variables, la columna ‘K’ será </a:t>
-            </a:r>
-            <a:r>
-              <a:rPr lang="es-MX" dirty="0" err="1" smtClean="0"/>
-              <a:t>elimnada</a:t>
-            </a:r>
-            <a:r>
-              <a:rPr lang="es-MX" dirty="0" smtClean="0"/>
-              <a:t> por tener casi en su totalidad valores faltantes</a:t>
+              <a:t>Debido a la falta de contexto respecto a las variables, la columna ‘K’ será eliminada por tener casi en su totalidad valores faltantes</a:t>
             </a:r>
             <a:endParaRPr lang="en-US" dirty="0"/>
           </a:p>
@@ -7658,57 +8187,61 @@
       </p:grpSpPr>
       <p:sp>
         <p:nvSpPr>
-          <p:cNvPr id="2" name="Title 1"/>
-          <p:cNvSpPr>
-            <a:spLocks noGrp="1"/>
-          </p:cNvSpPr>
-          <p:nvPr>
-            <p:ph type="title"/>
-          </p:nvPr>
-        </p:nvSpPr>
-        <p:spPr/>
+          <p:cNvPr id="3" name="Content Placeholder 2"/>
+          <p:cNvSpPr>
+            <a:spLocks noGrp="1"/>
+          </p:cNvSpPr>
+          <p:nvPr>
+            <p:ph idx="1"/>
+          </p:nvPr>
+        </p:nvSpPr>
+        <p:spPr>
+          <a:xfrm>
+            <a:off x="645803" y="348885"/>
+            <a:ext cx="8596668" cy="3880773"/>
+          </a:xfrm>
+        </p:spPr>
         <p:txBody>
           <a:bodyPr/>
           <a:lstStyle/>
           <a:p>
-            <a:endParaRPr lang="en-US" dirty="0"/>
-          </a:p>
-        </p:txBody>
-      </p:sp>
-      <p:sp>
-        <p:nvSpPr>
-          <p:cNvPr id="3" name="Content Placeholder 2"/>
-          <p:cNvSpPr>
-            <a:spLocks noGrp="1"/>
-          </p:cNvSpPr>
-          <p:nvPr>
-            <p:ph idx="1"/>
-          </p:nvPr>
-        </p:nvSpPr>
-        <p:spPr/>
-        <p:txBody>
-          <a:bodyPr/>
-          <a:lstStyle/>
-          <a:p>
             <a:pPr marL="0" indent="0">
               <a:buNone/>
             </a:pPr>
             <a:r>
               <a:rPr lang="es-MX" dirty="0" smtClean="0"/>
-              <a:t>Muchas de las variables contienen distribuciones sesgadas a hacia la derecha, el modelo a usar, puede manejar bien este tipo de variables con estas distribuciones, luego de hacer pruebas, no hubo una mejora significativa al aplicar logaritmo natural sobre la variable monto.</a:t>
-            </a:r>
+              <a:t>Muchas de las variables contienen distribuciones sesgadas a hacia la derecha, el modelo a usar, puede manejar bien este tipo de variables con estas distribuciones, luego de hacer pruebas, no hubo una mejora significativa al aplicar logaritmo natural sobre la variable monto o con alguna otra, por lo que se usan sus versiones </a:t>
+            </a:r>
+            <a:r>
+              <a:rPr lang="es-MX" dirty="0" smtClean="0"/>
+              <a:t>originales.</a:t>
+            </a:r>
+            <a:endParaRPr lang="es-MX" dirty="0" smtClean="0"/>
           </a:p>
           <a:p>
             <a:pPr marL="0" indent="0">
               <a:buNone/>
             </a:pPr>
             <a:r>
+              <a:rPr lang="es-MX" dirty="0" smtClean="0"/>
+              <a:t>A su vez los modelos pueden manejar las escalas originales de los datos.</a:t>
+            </a:r>
+          </a:p>
+          <a:p>
+            <a:pPr marL="0" indent="0">
+              <a:buNone/>
+            </a:pPr>
+            <a:r>
+              <a:rPr lang="es-MX" dirty="0" smtClean="0"/>
+              <a:t>La </a:t>
+            </a:r>
+            <a:r>
               <a:rPr lang="es-MX" dirty="0"/>
-              <a:t>LA columna ‘C’ </a:t>
-            </a:r>
-            <a:r>
-              <a:rPr lang="es-MX" dirty="0" smtClean="0"/>
-              <a:t>no tenia una cantidad significante de valores faltantes, por lo que debido a su distribución se imputó con la mediana</a:t>
+              <a:t>columna ‘C’ </a:t>
+            </a:r>
+            <a:r>
+              <a:rPr lang="es-MX" dirty="0" smtClean="0"/>
+              <a:t>no tenia una cantidad significante de valores faltantes, por lo que debido a su distribución se imputó con la mediana.</a:t>
             </a:r>
             <a:endParaRPr lang="es-MX" dirty="0"/>
           </a:p>
@@ -7720,6 +8253,36 @@
           </a:p>
         </p:txBody>
       </p:sp>
+      <p:pic>
+        <p:nvPicPr>
+          <p:cNvPr id="5" name="Picture 4"/>
+          <p:cNvPicPr>
+            <a:picLocks noChangeAspect="1"/>
+          </p:cNvPicPr>
+          <p:nvPr/>
+        </p:nvPicPr>
+        <p:blipFill>
+          <a:blip r:embed="rId2">
+            <a:extLst>
+              <a:ext uri="{28A0092B-C50C-407E-A947-70E740481C1C}">
+                <a14:useLocalDpi xmlns:a14="http://schemas.microsoft.com/office/drawing/2010/main" val="0"/>
+              </a:ext>
+            </a:extLst>
+          </a:blip>
+          <a:stretch>
+            <a:fillRect/>
+          </a:stretch>
+        </p:blipFill>
+        <p:spPr>
+          <a:xfrm>
+            <a:off x="439166" y="2891391"/>
+            <a:ext cx="7422697" cy="3677575"/>
+          </a:xfrm>
+          <a:prstGeom prst="rect">
+            <a:avLst/>
+          </a:prstGeom>
+        </p:spPr>
+      </p:pic>
     </p:spTree>
     <p:extLst>
       <p:ext uri="{BB962C8B-B14F-4D97-AF65-F5344CB8AC3E}">
@@ -7774,7 +8337,7 @@
           <a:p>
             <a:r>
               <a:rPr lang="es-MX" dirty="0" smtClean="0"/>
-              <a:t>Funciones Personalizada</a:t>
+              <a:t>Modelos propuestos</a:t>
             </a:r>
             <a:endParaRPr lang="en-US" dirty="0"/>
           </a:p>
@@ -7790,132 +8353,81 @@
             <p:ph idx="1"/>
           </p:nvPr>
         </p:nvSpPr>
-        <p:spPr>
-          <a:xfrm>
-            <a:off x="677334" y="1555531"/>
-            <a:ext cx="8596668" cy="4590935"/>
-          </a:xfrm>
-        </p:spPr>
-        <p:txBody>
-          <a:bodyPr>
-            <a:noAutofit/>
-          </a:bodyPr>
-          <a:lstStyle/>
-          <a:p>
-            <a:r>
-              <a:rPr lang="es-MX" dirty="0" smtClean="0"/>
-              <a:t>Teniendo en cuenta que la necesidad principal es maximizar las ganancias se usará una función customizada para la evaluación del modelo la cual se define como:     </a:t>
-            </a:r>
-          </a:p>
-          <a:p>
-            <a:endParaRPr lang="es-MX" dirty="0"/>
+        <p:spPr/>
+        <p:txBody>
+          <a:bodyPr/>
+          <a:lstStyle/>
+          <a:p>
+            <a:r>
+              <a:rPr lang="es-MX" dirty="0" smtClean="0"/>
+              <a:t>Se entrenan y se comparar 3 modelos:</a:t>
+            </a:r>
+          </a:p>
+          <a:p>
+            <a:r>
+              <a:rPr lang="es-MX" dirty="0" smtClean="0"/>
+              <a:t>- </a:t>
+            </a:r>
+            <a:r>
+              <a:rPr lang="es-MX" dirty="0" err="1" smtClean="0"/>
+              <a:t>Xgboost</a:t>
+            </a:r>
+            <a:r>
+              <a:rPr lang="es-MX" dirty="0" smtClean="0"/>
+              <a:t> con función de ganancia personalizada</a:t>
+            </a:r>
+          </a:p>
+          <a:p>
+            <a:r>
+              <a:rPr lang="es-MX" dirty="0" smtClean="0"/>
+              <a:t>-</a:t>
+            </a:r>
+            <a:r>
+              <a:rPr lang="es-MX" dirty="0" err="1" smtClean="0"/>
+              <a:t>Xgboost</a:t>
+            </a:r>
+            <a:r>
+              <a:rPr lang="es-MX" dirty="0" smtClean="0"/>
+              <a:t> con Optimización Bayesiana y función personalizada</a:t>
+            </a:r>
+          </a:p>
+          <a:p>
+            <a:r>
+              <a:rPr lang="es-MX" dirty="0" smtClean="0"/>
+              <a:t>-</a:t>
+            </a:r>
+            <a:r>
+              <a:rPr lang="es-MX" dirty="0" err="1" smtClean="0"/>
+              <a:t>Random</a:t>
+            </a:r>
+            <a:r>
+              <a:rPr lang="es-MX" dirty="0" smtClean="0"/>
+              <a:t> </a:t>
+            </a:r>
+            <a:r>
+              <a:rPr lang="es-MX" dirty="0" err="1" smtClean="0"/>
+              <a:t>Forest</a:t>
+            </a:r>
+            <a:r>
+              <a:rPr lang="es-MX" dirty="0" smtClean="0"/>
+              <a:t> con optimización bayesiana</a:t>
+            </a:r>
+          </a:p>
+          <a:p>
+            <a:r>
+              <a:rPr lang="es-MX" dirty="0" smtClean="0"/>
+              <a:t>Se hace una partición del 70% de los datos de entrenamiento y el 30% para evaluación.</a:t>
+            </a:r>
           </a:p>
           <a:p>
             <a:endParaRPr lang="es-MX" dirty="0" smtClean="0"/>
           </a:p>
-          <a:p>
-            <a:pPr marL="0" indent="0">
-              <a:buNone/>
-            </a:pPr>
-            <a:endParaRPr lang="es-MX" dirty="0"/>
-          </a:p>
-          <a:p>
-            <a:pPr marL="0" indent="0">
-              <a:buNone/>
-            </a:pPr>
-            <a:r>
-              <a:rPr lang="es-MX" dirty="0"/>
-              <a:t> </a:t>
-            </a:r>
-            <a:r>
-              <a:rPr lang="es-MX" dirty="0" smtClean="0"/>
-              <a:t>M=monto</a:t>
-            </a:r>
-          </a:p>
-          <a:p>
-            <a:pPr marL="0" indent="0">
-              <a:buNone/>
-            </a:pPr>
-            <a:r>
-              <a:rPr lang="es-MX" dirty="0" smtClean="0"/>
-              <a:t>El </a:t>
-            </a:r>
-            <a:r>
-              <a:rPr lang="es-MX" dirty="0"/>
-              <a:t>modelo con la mejor Ganancia Total es el que logra el </a:t>
-            </a:r>
-            <a:r>
-              <a:rPr lang="es-MX" b="1" dirty="0"/>
-              <a:t>mejor equilibrio</a:t>
-            </a:r>
-            <a:r>
-              <a:rPr lang="es-MX" dirty="0"/>
-              <a:t> entre:</a:t>
-            </a:r>
-          </a:p>
-          <a:p>
-            <a:r>
-              <a:rPr lang="es-MX" b="1" dirty="0"/>
-              <a:t>Maximizar</a:t>
-            </a:r>
-            <a:r>
-              <a:rPr lang="es-MX" dirty="0"/>
-              <a:t> la aprobación de transacciones legítimas (ganancia).</a:t>
-            </a:r>
-          </a:p>
-          <a:p>
-            <a:r>
-              <a:rPr lang="es-MX" b="1" dirty="0"/>
-              <a:t>Minimizar</a:t>
-            </a:r>
-            <a:r>
-              <a:rPr lang="es-MX" dirty="0"/>
-              <a:t> la aprobación de transacciones fraudulentas (pérdida).</a:t>
-            </a:r>
-          </a:p>
-          <a:p>
-            <a:pPr marL="0" indent="0">
-              <a:buNone/>
-            </a:pPr>
-            <a:r>
-              <a:rPr lang="es-MX" dirty="0" smtClean="0"/>
-              <a:t>Esta </a:t>
-            </a:r>
-            <a:r>
-              <a:rPr lang="es-MX" dirty="0" smtClean="0"/>
-              <a:t>la función explicita que se usará para escoger el umbral, teniendo en cuenta también la capacidad de este para hacer buenas predicciones</a:t>
-            </a:r>
-          </a:p>
-        </p:txBody>
-      </p:sp>
-      <p:pic>
-        <p:nvPicPr>
-          <p:cNvPr id="4" name="Picture 3"/>
-          <p:cNvPicPr>
-            <a:picLocks noChangeAspect="1"/>
-          </p:cNvPicPr>
-          <p:nvPr/>
-        </p:nvPicPr>
-        <p:blipFill>
-          <a:blip r:embed="rId2"/>
-          <a:stretch>
-            <a:fillRect/>
-          </a:stretch>
-        </p:blipFill>
-        <p:spPr>
-          <a:xfrm>
-            <a:off x="677334" y="2471176"/>
-            <a:ext cx="9707330" cy="990738"/>
-          </a:xfrm>
-          <a:prstGeom prst="rect">
-            <a:avLst/>
-          </a:prstGeom>
-        </p:spPr>
-      </p:pic>
+        </p:txBody>
+      </p:sp>
     </p:spTree>
     <p:extLst>
       <p:ext uri="{BB962C8B-B14F-4D97-AF65-F5344CB8AC3E}">
-        <p14:creationId xmlns:p14="http://schemas.microsoft.com/office/powerpoint/2010/main" val="39054296"/>
+        <p14:creationId xmlns:p14="http://schemas.microsoft.com/office/powerpoint/2010/main" val="3699837471"/>
       </p:ext>
     </p:extLst>
   </p:cSld>
@@ -7966,7 +8478,7 @@
           <a:p>
             <a:r>
               <a:rPr lang="es-MX" dirty="0" smtClean="0"/>
-              <a:t>Modelos propuestos</a:t>
+              <a:t>Funciones Personalizada</a:t>
             </a:r>
             <a:endParaRPr lang="en-US" dirty="0"/>
           </a:p>
@@ -7982,91 +8494,115 @@
             <p:ph idx="1"/>
           </p:nvPr>
         </p:nvSpPr>
-        <p:spPr/>
-        <p:txBody>
-          <a:bodyPr/>
-          <a:lstStyle/>
-          <a:p>
-            <a:r>
-              <a:rPr lang="es-MX" dirty="0" smtClean="0"/>
-              <a:t>Se entrenan y se comparar 3 modelos:</a:t>
-            </a:r>
-          </a:p>
-          <a:p>
-            <a:r>
-              <a:rPr lang="es-MX" dirty="0" smtClean="0"/>
-              <a:t>- </a:t>
-            </a:r>
-            <a:r>
-              <a:rPr lang="es-MX" dirty="0" err="1" smtClean="0"/>
-              <a:t>Xgboost</a:t>
-            </a:r>
-            <a:r>
-              <a:rPr lang="es-MX" dirty="0" smtClean="0"/>
-              <a:t> con función de ganancia </a:t>
-            </a:r>
-            <a:r>
-              <a:rPr lang="es-MX" dirty="0" smtClean="0"/>
-              <a:t>personalizada</a:t>
-            </a:r>
+        <p:spPr>
+          <a:xfrm>
+            <a:off x="677334" y="1555531"/>
+            <a:ext cx="8596668" cy="4590935"/>
+          </a:xfrm>
+        </p:spPr>
+        <p:txBody>
+          <a:bodyPr>
+            <a:noAutofit/>
+          </a:bodyPr>
+          <a:lstStyle/>
+          <a:p>
+            <a:r>
+              <a:rPr lang="es-MX" dirty="0" smtClean="0"/>
+              <a:t>Teniendo en cuenta que la necesidad principal es maximizar las ganancias se usará una función personalizada para la evaluación del modelo la cual se define como:     </a:t>
+            </a:r>
+          </a:p>
+          <a:p>
+            <a:endParaRPr lang="es-MX" dirty="0"/>
+          </a:p>
+          <a:p>
             <a:endParaRPr lang="es-MX" dirty="0" smtClean="0"/>
           </a:p>
           <a:p>
-            <a:r>
-              <a:rPr lang="es-MX" dirty="0" smtClean="0"/>
-              <a:t>-</a:t>
-            </a:r>
-            <a:r>
-              <a:rPr lang="es-MX" dirty="0" err="1" smtClean="0"/>
-              <a:t>Xgboost</a:t>
-            </a:r>
-            <a:r>
-              <a:rPr lang="es-MX" dirty="0" smtClean="0"/>
-              <a:t> con Optimización </a:t>
-            </a:r>
-            <a:r>
-              <a:rPr lang="es-MX" dirty="0" smtClean="0"/>
-              <a:t>Bayesiana y función personalizada</a:t>
-            </a:r>
-            <a:endParaRPr lang="es-MX" dirty="0" smtClean="0"/>
-          </a:p>
-          <a:p>
-            <a:r>
-              <a:rPr lang="es-MX" dirty="0" smtClean="0"/>
-              <a:t>-</a:t>
-            </a:r>
-            <a:r>
-              <a:rPr lang="es-MX" dirty="0" err="1" smtClean="0"/>
-              <a:t>Random</a:t>
-            </a:r>
-            <a:r>
-              <a:rPr lang="es-MX" dirty="0" smtClean="0"/>
-              <a:t> </a:t>
-            </a:r>
-            <a:r>
-              <a:rPr lang="es-MX" dirty="0" err="1" smtClean="0"/>
-              <a:t>Forest</a:t>
-            </a:r>
-            <a:r>
-              <a:rPr lang="es-MX" dirty="0" smtClean="0"/>
-              <a:t> con optimización bayesiana</a:t>
-            </a:r>
-          </a:p>
-          <a:p>
-            <a:r>
-              <a:rPr lang="es-MX" dirty="0" smtClean="0"/>
-              <a:t>Se hace una partición del 70% de los datos de entrenamiento y el 30% para evaluación.</a:t>
-            </a:r>
-          </a:p>
-          <a:p>
-            <a:endParaRPr lang="es-MX" dirty="0" smtClean="0"/>
-          </a:p>
-        </p:txBody>
-      </p:sp>
+            <a:pPr marL="0" indent="0">
+              <a:buNone/>
+            </a:pPr>
+            <a:endParaRPr lang="es-MX" dirty="0"/>
+          </a:p>
+          <a:p>
+            <a:pPr marL="0" indent="0">
+              <a:buNone/>
+            </a:pPr>
+            <a:r>
+              <a:rPr lang="es-MX" dirty="0" smtClean="0"/>
+              <a:t>El </a:t>
+            </a:r>
+            <a:r>
+              <a:rPr lang="es-MX" dirty="0"/>
+              <a:t>modelo con la mejor Ganancia Total es el que logra el </a:t>
+            </a:r>
+            <a:r>
+              <a:rPr lang="es-MX" b="1" dirty="0"/>
+              <a:t>mejor equilibrio</a:t>
+            </a:r>
+            <a:r>
+              <a:rPr lang="es-MX" dirty="0"/>
+              <a:t> entre:</a:t>
+            </a:r>
+          </a:p>
+          <a:p>
+            <a:r>
+              <a:rPr lang="es-MX" b="1" dirty="0"/>
+              <a:t>Maximizar</a:t>
+            </a:r>
+            <a:r>
+              <a:rPr lang="es-MX" dirty="0"/>
+              <a:t> la aprobación de transacciones legítimas (ganancia).</a:t>
+            </a:r>
+          </a:p>
+          <a:p>
+            <a:r>
+              <a:rPr lang="es-MX" b="1" dirty="0"/>
+              <a:t>Minimizar</a:t>
+            </a:r>
+            <a:r>
+              <a:rPr lang="es-MX" dirty="0"/>
+              <a:t> la aprobación de transacciones fraudulentas (pérdida).</a:t>
+            </a:r>
+          </a:p>
+          <a:p>
+            <a:pPr marL="0" indent="0">
+              <a:buNone/>
+            </a:pPr>
+            <a:r>
+              <a:rPr lang="es-MX" dirty="0" smtClean="0"/>
+              <a:t>Esta la función explicita que se usará para escoger el umbral, teniendo en cuenta también la capacidad de este para hacer buenas predicciones.</a:t>
+            </a:r>
+          </a:p>
+        </p:txBody>
+      </p:sp>
+      <p:pic>
+        <p:nvPicPr>
+          <p:cNvPr id="5" name="Picture 4"/>
+          <p:cNvPicPr>
+            <a:picLocks noChangeAspect="1"/>
+          </p:cNvPicPr>
+          <p:nvPr/>
+        </p:nvPicPr>
+        <p:blipFill>
+          <a:blip r:embed="rId2"/>
+          <a:stretch>
+            <a:fillRect/>
+          </a:stretch>
+        </p:blipFill>
+        <p:spPr>
+          <a:xfrm>
+            <a:off x="477637" y="2667763"/>
+            <a:ext cx="9297698" cy="828791"/>
+          </a:xfrm>
+          <a:prstGeom prst="rect">
+            <a:avLst/>
+          </a:prstGeom>
+        </p:spPr>
+      </p:pic>
     </p:spTree>
     <p:extLst>
       <p:ext uri="{BB962C8B-B14F-4D97-AF65-F5344CB8AC3E}">
-        <p14:creationId xmlns:p14="http://schemas.microsoft.com/office/powerpoint/2010/main" val="3699837471"/>
+        <p14:creationId xmlns:p14="http://schemas.microsoft.com/office/powerpoint/2010/main" val="39054296"/>
       </p:ext>
     </p:extLst>
   </p:cSld>
@@ -8100,243 +8636,6 @@
           <a:chExt cx="0" cy="0"/>
         </a:xfrm>
       </p:grpSpPr>
-      <p:sp>
-        <p:nvSpPr>
-          <p:cNvPr id="2" name="Title 1"/>
-          <p:cNvSpPr>
-            <a:spLocks noGrp="1"/>
-          </p:cNvSpPr>
-          <p:nvPr>
-            <p:ph type="title"/>
-          </p:nvPr>
-        </p:nvSpPr>
-        <p:spPr>
-          <a:xfrm>
-            <a:off x="572231" y="52199"/>
-            <a:ext cx="8596668" cy="1320800"/>
-          </a:xfrm>
-        </p:spPr>
-        <p:txBody>
-          <a:bodyPr/>
-          <a:lstStyle/>
-          <a:p>
-            <a:r>
-              <a:rPr lang="es-MX" dirty="0" err="1" smtClean="0"/>
-              <a:t>Xgboost</a:t>
-            </a:r>
-            <a:r>
-              <a:rPr lang="es-MX" dirty="0" smtClean="0"/>
-              <a:t> Función personalizada</a:t>
-            </a:r>
-            <a:endParaRPr lang="en-US" dirty="0"/>
-          </a:p>
-        </p:txBody>
-      </p:sp>
-      <p:sp>
-        <p:nvSpPr>
-          <p:cNvPr id="3" name="Content Placeholder 2"/>
-          <p:cNvSpPr>
-            <a:spLocks noGrp="1"/>
-          </p:cNvSpPr>
-          <p:nvPr>
-            <p:ph idx="1"/>
-          </p:nvPr>
-        </p:nvSpPr>
-        <p:spPr>
-          <a:xfrm>
-            <a:off x="477638" y="827147"/>
-            <a:ext cx="8596668" cy="6030853"/>
-          </a:xfrm>
-        </p:spPr>
-        <p:txBody>
-          <a:bodyPr>
-            <a:normAutofit/>
-          </a:bodyPr>
-          <a:lstStyle/>
-          <a:p>
-            <a:r>
-              <a:rPr lang="es-MX" dirty="0"/>
-              <a:t>Para el primer modelo </a:t>
-            </a:r>
-            <a:r>
-              <a:rPr lang="es-MX" dirty="0" err="1"/>
-              <a:t>xgboost</a:t>
-            </a:r>
-            <a:r>
-              <a:rPr lang="es-MX" dirty="0"/>
-              <a:t> se usa </a:t>
-            </a:r>
-            <a:r>
-              <a:rPr lang="en-US" b="1" dirty="0" err="1"/>
-              <a:t>Ganancia</a:t>
-            </a:r>
-            <a:r>
-              <a:rPr lang="en-US" b="1" dirty="0"/>
-              <a:t> </a:t>
-            </a:r>
-            <a:r>
-              <a:rPr lang="en-US" b="1" dirty="0" err="1"/>
-              <a:t>Máxima</a:t>
-            </a:r>
-            <a:r>
-              <a:rPr lang="en-US" b="1" dirty="0"/>
-              <a:t> </a:t>
-            </a:r>
-            <a:r>
-              <a:rPr lang="en-US" b="1" dirty="0" err="1"/>
-              <a:t>Esperada</a:t>
-            </a:r>
-            <a:r>
-              <a:rPr lang="en-US" dirty="0"/>
-              <a:t> </a:t>
-            </a:r>
-            <a:r>
-              <a:rPr lang="en-US" dirty="0" smtClean="0"/>
-              <a:t> y se </a:t>
-            </a:r>
-            <a:r>
-              <a:rPr lang="en-US" dirty="0" err="1" smtClean="0"/>
-              <a:t>descarta</a:t>
-            </a:r>
-            <a:r>
-              <a:rPr lang="en-US" dirty="0" smtClean="0"/>
-              <a:t>  </a:t>
-            </a:r>
-            <a:r>
-              <a:rPr lang="en-US" dirty="0" err="1" smtClean="0"/>
-              <a:t>Logloss</a:t>
-            </a:r>
-            <a:r>
-              <a:rPr lang="en-US" dirty="0" smtClean="0"/>
-              <a:t> dado el </a:t>
-            </a:r>
-            <a:r>
-              <a:rPr lang="en-US" dirty="0" err="1" smtClean="0"/>
-              <a:t>problema</a:t>
-            </a:r>
-            <a:r>
-              <a:rPr lang="en-US" dirty="0" smtClean="0"/>
-              <a:t> de </a:t>
-            </a:r>
-            <a:r>
-              <a:rPr lang="en-US" dirty="0" err="1" smtClean="0"/>
-              <a:t>negocio,así</a:t>
-            </a:r>
-            <a:r>
-              <a:rPr lang="en-US" dirty="0" smtClean="0"/>
-              <a:t>, la </a:t>
-            </a:r>
-            <a:r>
-              <a:rPr lang="en-US" dirty="0" err="1" smtClean="0"/>
-              <a:t>ganacia</a:t>
-            </a:r>
-            <a:r>
-              <a:rPr lang="en-US" dirty="0" smtClean="0"/>
-              <a:t> se define </a:t>
-            </a:r>
-            <a:r>
-              <a:rPr lang="en-US" dirty="0" err="1" smtClean="0"/>
-              <a:t>como</a:t>
-            </a:r>
-            <a:r>
-              <a:rPr lang="en-US" dirty="0" smtClean="0"/>
-              <a:t>:</a:t>
-            </a:r>
-            <a:endParaRPr lang="en-US" dirty="0"/>
-          </a:p>
-          <a:p>
-            <a:r>
-              <a:rPr lang="es-MX" dirty="0" smtClean="0"/>
-              <a:t>LA </a:t>
-            </a:r>
-            <a:r>
-              <a:rPr lang="es-MX" b="1" dirty="0" smtClean="0"/>
-              <a:t>utilidad </a:t>
-            </a:r>
-            <a:r>
-              <a:rPr lang="es-MX" b="1" dirty="0"/>
-              <a:t>neta</a:t>
-            </a:r>
-            <a:r>
-              <a:rPr lang="es-MX" dirty="0"/>
-              <a:t> calculada al evaluar el costo de los errores (Falsos Negativos) y el beneficio de los aciertos (Verdaderos </a:t>
-            </a:r>
-            <a:r>
-              <a:rPr lang="es-MX" dirty="0" smtClean="0"/>
-              <a:t>Negativos en </a:t>
-            </a:r>
-            <a:r>
-              <a:rPr lang="es-MX" dirty="0"/>
-              <a:t>el conjunto de </a:t>
-            </a:r>
-            <a:r>
-              <a:rPr lang="es-MX" dirty="0" smtClean="0"/>
-              <a:t>prueba) </a:t>
-            </a:r>
-            <a:r>
-              <a:rPr lang="es-MX" dirty="0"/>
-              <a:t>utilizando el monto real de la </a:t>
-            </a:r>
-            <a:r>
-              <a:rPr lang="es-MX" dirty="0" smtClean="0"/>
-              <a:t>transacción.</a:t>
-            </a:r>
-          </a:p>
-          <a:p>
-            <a:r>
-              <a:rPr lang="es-MX" dirty="0"/>
-              <a:t>Se puede interpretar </a:t>
-            </a:r>
-            <a:r>
-              <a:rPr lang="es-MX" dirty="0" smtClean="0"/>
-              <a:t>esta función como, </a:t>
-            </a:r>
-            <a:r>
-              <a:rPr lang="es-MX" dirty="0"/>
-              <a:t>cuesta 4 veces más dejar pasar un fraude que rechazar una verdadera transacción.</a:t>
-            </a:r>
-          </a:p>
-          <a:p>
-            <a:r>
-              <a:rPr lang="es-MX" dirty="0" smtClean="0"/>
-              <a:t> Esta se puede definir como una función de perdida personalizada, que usa el </a:t>
-            </a:r>
-            <a:r>
-              <a:rPr lang="es-MX" dirty="0" err="1" smtClean="0"/>
-              <a:t>hessiano</a:t>
-            </a:r>
-            <a:r>
-              <a:rPr lang="es-MX" dirty="0" smtClean="0"/>
-              <a:t> y el gradiente especifico de la función para la construcción de los arboles.</a:t>
-            </a:r>
-          </a:p>
-          <a:p>
-            <a:endParaRPr lang="es-MX" dirty="0" smtClean="0"/>
-          </a:p>
-          <a:p>
-            <a:endParaRPr lang="es-MX" dirty="0" smtClean="0"/>
-          </a:p>
-          <a:p>
-            <a:endParaRPr lang="es-MX" dirty="0"/>
-          </a:p>
-          <a:p>
-            <a:endParaRPr lang="es-MX" dirty="0" smtClean="0"/>
-          </a:p>
-          <a:p>
-            <a:endParaRPr lang="es-MX" dirty="0" smtClean="0"/>
-          </a:p>
-          <a:p>
-            <a:r>
-              <a:rPr lang="es-MX" dirty="0" smtClean="0"/>
-              <a:t>También, se calcula la matriz de confusión para ver como el modelo se comporta teniendo en cuenta la escogencia del umbral</a:t>
-            </a:r>
-            <a:endParaRPr lang="es-MX" dirty="0"/>
-          </a:p>
-          <a:p>
-            <a:endParaRPr lang="en-US" dirty="0"/>
-          </a:p>
-        </p:txBody>
-      </p:sp>
       <p:pic>
         <p:nvPicPr>
           <p:cNvPr id="4" name="Picture 3"/>
@@ -8353,8 +8652,56 @@
         </p:blipFill>
         <p:spPr>
           <a:xfrm>
-            <a:off x="572231" y="4113758"/>
-            <a:ext cx="6941386" cy="1791038"/>
+            <a:off x="1578563" y="282690"/>
+            <a:ext cx="6449325" cy="1705213"/>
+          </a:xfrm>
+          <a:prstGeom prst="rect">
+            <a:avLst/>
+          </a:prstGeom>
+        </p:spPr>
+      </p:pic>
+      <p:pic>
+        <p:nvPicPr>
+          <p:cNvPr id="5" name="Picture 4"/>
+          <p:cNvPicPr>
+            <a:picLocks noChangeAspect="1"/>
+          </p:cNvPicPr>
+          <p:nvPr/>
+        </p:nvPicPr>
+        <p:blipFill>
+          <a:blip r:embed="rId3"/>
+          <a:stretch>
+            <a:fillRect/>
+          </a:stretch>
+        </p:blipFill>
+        <p:spPr>
+          <a:xfrm>
+            <a:off x="377245" y="2862725"/>
+            <a:ext cx="9154803" cy="3553321"/>
+          </a:xfrm>
+          <a:prstGeom prst="rect">
+            <a:avLst/>
+          </a:prstGeom>
+        </p:spPr>
+      </p:pic>
+      <p:pic>
+        <p:nvPicPr>
+          <p:cNvPr id="6" name="Picture 5"/>
+          <p:cNvPicPr>
+            <a:picLocks noChangeAspect="1"/>
+          </p:cNvPicPr>
+          <p:nvPr/>
+        </p:nvPicPr>
+        <p:blipFill>
+          <a:blip r:embed="rId4"/>
+          <a:stretch>
+            <a:fillRect/>
+          </a:stretch>
+        </p:blipFill>
+        <p:spPr>
+          <a:xfrm>
+            <a:off x="1878642" y="1843408"/>
+            <a:ext cx="5849166" cy="1019317"/>
           </a:xfrm>
           <a:prstGeom prst="rect">
             <a:avLst/>
@@ -8364,20 +8711,13 @@
     </p:spTree>
     <p:extLst>
       <p:ext uri="{BB962C8B-B14F-4D97-AF65-F5344CB8AC3E}">
-        <p14:creationId xmlns:p14="http://schemas.microsoft.com/office/powerpoint/2010/main" val="3163276022"/>
+        <p14:creationId xmlns:p14="http://schemas.microsoft.com/office/powerpoint/2010/main" val="3389462605"/>
       </p:ext>
     </p:extLst>
   </p:cSld>
   <p:clrMapOvr>
     <a:masterClrMapping/>
   </p:clrMapOvr>
-  <p:timing>
-    <p:tnLst>
-      <p:par>
-        <p:cTn id="1" dur="indefinite" restart="never" nodeType="tmRoot"/>
-      </p:par>
-    </p:tnLst>
-  </p:timing>
 </p:sld>
 </file>
 

--- a/Modelo de detección de Fraude.pptx
+++ b/Modelo de detección de Fraude.pptx
@@ -9,19 +9,20 @@
     <p:sldId id="257" r:id="rId3"/>
     <p:sldId id="258" r:id="rId4"/>
     <p:sldId id="259" r:id="rId5"/>
-    <p:sldId id="260" r:id="rId6"/>
-    <p:sldId id="261" r:id="rId7"/>
-    <p:sldId id="262" r:id="rId8"/>
-    <p:sldId id="263" r:id="rId9"/>
-    <p:sldId id="272" r:id="rId10"/>
-    <p:sldId id="265" r:id="rId11"/>
-    <p:sldId id="266" r:id="rId12"/>
-    <p:sldId id="269" r:id="rId13"/>
-    <p:sldId id="273" r:id="rId14"/>
-    <p:sldId id="264" r:id="rId15"/>
-    <p:sldId id="267" r:id="rId16"/>
-    <p:sldId id="270" r:id="rId17"/>
-    <p:sldId id="268" r:id="rId18"/>
+    <p:sldId id="261" r:id="rId6"/>
+    <p:sldId id="274" r:id="rId7"/>
+    <p:sldId id="260" r:id="rId8"/>
+    <p:sldId id="262" r:id="rId9"/>
+    <p:sldId id="263" r:id="rId10"/>
+    <p:sldId id="272" r:id="rId11"/>
+    <p:sldId id="265" r:id="rId12"/>
+    <p:sldId id="266" r:id="rId13"/>
+    <p:sldId id="269" r:id="rId14"/>
+    <p:sldId id="273" r:id="rId15"/>
+    <p:sldId id="264" r:id="rId16"/>
+    <p:sldId id="267" r:id="rId17"/>
+    <p:sldId id="270" r:id="rId18"/>
+    <p:sldId id="268" r:id="rId19"/>
   </p:sldIdLst>
   <p:sldSz cx="12192000" cy="6858000"/>
   <p:notesSz cx="6858000" cy="9144000"/>
@@ -850,7 +851,7 @@
           <a:p>
             <a:fld id="{840CEBC1-5CF6-46FF-BBDD-983D0BF81ED9}" type="datetimeFigureOut">
               <a:rPr lang="en-US" smtClean="0"/>
-              <a:t>10/16/2025</a:t>
+              <a:t>10/17/2025</a:t>
             </a:fld>
             <a:endParaRPr lang="en-US"/>
           </a:p>
@@ -1101,7 +1102,7 @@
           <a:p>
             <a:fld id="{840CEBC1-5CF6-46FF-BBDD-983D0BF81ED9}" type="datetimeFigureOut">
               <a:rPr lang="en-US" smtClean="0"/>
-              <a:t>10/16/2025</a:t>
+              <a:t>10/17/2025</a:t>
             </a:fld>
             <a:endParaRPr lang="en-US"/>
           </a:p>
@@ -1415,7 +1416,7 @@
           <a:p>
             <a:fld id="{840CEBC1-5CF6-46FF-BBDD-983D0BF81ED9}" type="datetimeFigureOut">
               <a:rPr lang="en-US" smtClean="0"/>
-              <a:t>10/16/2025</a:t>
+              <a:t>10/17/2025</a:t>
             </a:fld>
             <a:endParaRPr lang="en-US"/>
           </a:p>
@@ -1756,7 +1757,7 @@
           <a:p>
             <a:fld id="{840CEBC1-5CF6-46FF-BBDD-983D0BF81ED9}" type="datetimeFigureOut">
               <a:rPr lang="en-US" smtClean="0"/>
-              <a:t>10/16/2025</a:t>
+              <a:t>10/17/2025</a:t>
             </a:fld>
             <a:endParaRPr lang="en-US"/>
           </a:p>
@@ -2070,7 +2071,7 @@
           <a:p>
             <a:fld id="{840CEBC1-5CF6-46FF-BBDD-983D0BF81ED9}" type="datetimeFigureOut">
               <a:rPr lang="en-US" smtClean="0"/>
-              <a:t>10/16/2025</a:t>
+              <a:t>10/17/2025</a:t>
             </a:fld>
             <a:endParaRPr lang="en-US"/>
           </a:p>
@@ -2463,7 +2464,7 @@
           <a:p>
             <a:fld id="{840CEBC1-5CF6-46FF-BBDD-983D0BF81ED9}" type="datetimeFigureOut">
               <a:rPr lang="en-US" smtClean="0"/>
-              <a:t>10/16/2025</a:t>
+              <a:t>10/17/2025</a:t>
             </a:fld>
             <a:endParaRPr lang="en-US"/>
           </a:p>
@@ -2633,7 +2634,7 @@
           <a:p>
             <a:fld id="{840CEBC1-5CF6-46FF-BBDD-983D0BF81ED9}" type="datetimeFigureOut">
               <a:rPr lang="en-US" smtClean="0"/>
-              <a:t>10/16/2025</a:t>
+              <a:t>10/17/2025</a:t>
             </a:fld>
             <a:endParaRPr lang="en-US"/>
           </a:p>
@@ -2813,7 +2814,7 @@
           <a:p>
             <a:fld id="{840CEBC1-5CF6-46FF-BBDD-983D0BF81ED9}" type="datetimeFigureOut">
               <a:rPr lang="en-US" smtClean="0"/>
-              <a:t>10/16/2025</a:t>
+              <a:t>10/17/2025</a:t>
             </a:fld>
             <a:endParaRPr lang="en-US"/>
           </a:p>
@@ -2989,7 +2990,7 @@
           <a:p>
             <a:fld id="{840CEBC1-5CF6-46FF-BBDD-983D0BF81ED9}" type="datetimeFigureOut">
               <a:rPr lang="en-US" smtClean="0"/>
-              <a:t>10/16/2025</a:t>
+              <a:t>10/17/2025</a:t>
             </a:fld>
             <a:endParaRPr lang="en-US"/>
           </a:p>
@@ -3236,7 +3237,7 @@
           <a:p>
             <a:fld id="{840CEBC1-5CF6-46FF-BBDD-983D0BF81ED9}" type="datetimeFigureOut">
               <a:rPr lang="en-US" smtClean="0"/>
-              <a:t>10/16/2025</a:t>
+              <a:t>10/17/2025</a:t>
             </a:fld>
             <a:endParaRPr lang="en-US"/>
           </a:p>
@@ -3468,7 +3469,7 @@
           <a:p>
             <a:fld id="{840CEBC1-5CF6-46FF-BBDD-983D0BF81ED9}" type="datetimeFigureOut">
               <a:rPr lang="en-US" smtClean="0"/>
-              <a:t>10/16/2025</a:t>
+              <a:t>10/17/2025</a:t>
             </a:fld>
             <a:endParaRPr lang="en-US"/>
           </a:p>
@@ -3842,7 +3843,7 @@
           <a:p>
             <a:fld id="{840CEBC1-5CF6-46FF-BBDD-983D0BF81ED9}" type="datetimeFigureOut">
               <a:rPr lang="en-US" smtClean="0"/>
-              <a:t>10/16/2025</a:t>
+              <a:t>10/17/2025</a:t>
             </a:fld>
             <a:endParaRPr lang="en-US"/>
           </a:p>
@@ -3965,7 +3966,7 @@
           <a:p>
             <a:fld id="{840CEBC1-5CF6-46FF-BBDD-983D0BF81ED9}" type="datetimeFigureOut">
               <a:rPr lang="en-US" smtClean="0"/>
-              <a:t>10/16/2025</a:t>
+              <a:t>10/17/2025</a:t>
             </a:fld>
             <a:endParaRPr lang="en-US"/>
           </a:p>
@@ -4060,7 +4061,7 @@
           <a:p>
             <a:fld id="{840CEBC1-5CF6-46FF-BBDD-983D0BF81ED9}" type="datetimeFigureOut">
               <a:rPr lang="en-US" smtClean="0"/>
-              <a:t>10/16/2025</a:t>
+              <a:t>10/17/2025</a:t>
             </a:fld>
             <a:endParaRPr lang="en-US"/>
           </a:p>
@@ -4315,7 +4316,7 @@
           <a:p>
             <a:fld id="{840CEBC1-5CF6-46FF-BBDD-983D0BF81ED9}" type="datetimeFigureOut">
               <a:rPr lang="en-US" smtClean="0"/>
-              <a:t>10/16/2025</a:t>
+              <a:t>10/17/2025</a:t>
             </a:fld>
             <a:endParaRPr lang="en-US"/>
           </a:p>
@@ -4578,7 +4579,7 @@
           <a:p>
             <a:fld id="{840CEBC1-5CF6-46FF-BBDD-983D0BF81ED9}" type="datetimeFigureOut">
               <a:rPr lang="en-US" smtClean="0"/>
-              <a:t>10/16/2025</a:t>
+              <a:t>10/17/2025</a:t>
             </a:fld>
             <a:endParaRPr lang="en-US"/>
           </a:p>
@@ -5321,7 +5322,7 @@
           <a:p>
             <a:fld id="{840CEBC1-5CF6-46FF-BBDD-983D0BF81ED9}" type="datetimeFigureOut">
               <a:rPr lang="en-US" smtClean="0"/>
-              <a:t>10/16/2025</a:t>
+              <a:t>10/17/2025</a:t>
             </a:fld>
             <a:endParaRPr lang="en-US"/>
           </a:p>
@@ -5860,6 +5861,7 @@
           <a:bodyPr/>
           <a:lstStyle/>
           <a:p>
+            <a:pPr algn="l"/>
             <a:r>
               <a:rPr lang="es-MX" dirty="0" smtClean="0"/>
               <a:t>Modelo de detección de Fraude</a:t>
@@ -5928,323 +5930,88 @@
           <a:chExt cx="0" cy="0"/>
         </a:xfrm>
       </p:grpSpPr>
-      <p:sp>
-        <p:nvSpPr>
-          <p:cNvPr id="2" name="Title 1"/>
-          <p:cNvSpPr>
-            <a:spLocks noGrp="1"/>
-          </p:cNvSpPr>
-          <p:nvPr>
-            <p:ph type="title"/>
-          </p:nvPr>
-        </p:nvSpPr>
+      <p:pic>
+        <p:nvPicPr>
+          <p:cNvPr id="4" name="Picture 3"/>
+          <p:cNvPicPr>
+            <a:picLocks noChangeAspect="1"/>
+          </p:cNvPicPr>
+          <p:nvPr/>
+        </p:nvPicPr>
+        <p:blipFill>
+          <a:blip r:embed="rId2"/>
+          <a:stretch>
+            <a:fillRect/>
+          </a:stretch>
+        </p:blipFill>
         <p:spPr>
           <a:xfrm>
-            <a:off x="362024" y="661799"/>
-            <a:ext cx="8596668" cy="1320800"/>
+            <a:off x="1578563" y="282690"/>
+            <a:ext cx="6449325" cy="1705213"/>
           </a:xfrm>
+          <a:prstGeom prst="rect">
+            <a:avLst/>
+          </a:prstGeom>
         </p:spPr>
-        <p:txBody>
-          <a:bodyPr/>
-          <a:lstStyle/>
-          <a:p>
-            <a:r>
-              <a:rPr lang="es-MX" dirty="0" err="1" smtClean="0"/>
-              <a:t>Xgboost</a:t>
-            </a:r>
-            <a:r>
-              <a:rPr lang="es-MX" dirty="0" smtClean="0"/>
-              <a:t> Función personalizada</a:t>
-            </a:r>
-            <a:endParaRPr lang="en-US" dirty="0"/>
-          </a:p>
-        </p:txBody>
-      </p:sp>
-      <p:sp>
-        <p:nvSpPr>
-          <p:cNvPr id="3" name="Content Placeholder 2"/>
-          <p:cNvSpPr>
-            <a:spLocks noGrp="1"/>
-          </p:cNvSpPr>
-          <p:nvPr>
-            <p:ph idx="1"/>
-          </p:nvPr>
-        </p:nvSpPr>
+      </p:pic>
+      <p:pic>
+        <p:nvPicPr>
+          <p:cNvPr id="6" name="Picture 5"/>
+          <p:cNvPicPr>
+            <a:picLocks noChangeAspect="1"/>
+          </p:cNvPicPr>
+          <p:nvPr/>
+        </p:nvPicPr>
+        <p:blipFill>
+          <a:blip r:embed="rId3"/>
+          <a:stretch>
+            <a:fillRect/>
+          </a:stretch>
+        </p:blipFill>
         <p:spPr>
           <a:xfrm>
-            <a:off x="477638" y="1555531"/>
-            <a:ext cx="8596668" cy="4766441"/>
+            <a:off x="1878642" y="1843408"/>
+            <a:ext cx="5849166" cy="1019317"/>
           </a:xfrm>
+          <a:prstGeom prst="rect">
+            <a:avLst/>
+          </a:prstGeom>
         </p:spPr>
-        <p:txBody>
-          <a:bodyPr>
-            <a:normAutofit/>
-          </a:bodyPr>
-          <a:lstStyle/>
-          <a:p>
-            <a:r>
-              <a:rPr lang="es-MX" dirty="0"/>
-              <a:t>Para </a:t>
-            </a:r>
-            <a:r>
-              <a:rPr lang="es-MX" dirty="0" smtClean="0"/>
-              <a:t>ambos modelos </a:t>
-            </a:r>
-            <a:r>
-              <a:rPr lang="es-MX" dirty="0" err="1"/>
-              <a:t>xgboost</a:t>
-            </a:r>
-            <a:r>
-              <a:rPr lang="es-MX" dirty="0"/>
-              <a:t> se usa </a:t>
-            </a:r>
-            <a:r>
-              <a:rPr lang="es-MX" dirty="0" smtClean="0"/>
-              <a:t> la </a:t>
-            </a:r>
-            <a:r>
-              <a:rPr lang="en-US" b="1" dirty="0" err="1" smtClean="0"/>
-              <a:t>Ganancia</a:t>
-            </a:r>
-            <a:r>
-              <a:rPr lang="en-US" b="1" dirty="0" smtClean="0"/>
-              <a:t> </a:t>
-            </a:r>
-            <a:r>
-              <a:rPr lang="en-US" b="1" dirty="0" err="1"/>
-              <a:t>Máxima</a:t>
-            </a:r>
-            <a:r>
-              <a:rPr lang="en-US" b="1" dirty="0"/>
-              <a:t> </a:t>
-            </a:r>
-            <a:r>
-              <a:rPr lang="en-US" b="1" dirty="0" err="1"/>
-              <a:t>Esperada</a:t>
-            </a:r>
-            <a:r>
-              <a:rPr lang="en-US" dirty="0"/>
-              <a:t> </a:t>
-            </a:r>
-            <a:r>
-              <a:rPr lang="en-US" dirty="0" smtClean="0"/>
-              <a:t> y se </a:t>
-            </a:r>
-            <a:r>
-              <a:rPr lang="en-US" dirty="0" err="1" smtClean="0"/>
-              <a:t>descarta</a:t>
-            </a:r>
-            <a:r>
-              <a:rPr lang="en-US" dirty="0" smtClean="0"/>
-              <a:t>  </a:t>
-            </a:r>
-            <a:r>
-              <a:rPr lang="en-US" dirty="0" err="1" smtClean="0"/>
-              <a:t>Logloss</a:t>
-            </a:r>
-            <a:r>
-              <a:rPr lang="en-US" dirty="0" smtClean="0"/>
-              <a:t> dado el </a:t>
-            </a:r>
-            <a:r>
-              <a:rPr lang="en-US" dirty="0" err="1" smtClean="0"/>
-              <a:t>problema</a:t>
-            </a:r>
-            <a:r>
-              <a:rPr lang="en-US" dirty="0" smtClean="0"/>
-              <a:t> de </a:t>
-            </a:r>
-            <a:r>
-              <a:rPr lang="en-US" dirty="0" err="1" smtClean="0"/>
-              <a:t>negocio</a:t>
-            </a:r>
-            <a:r>
-              <a:rPr lang="en-US" dirty="0" smtClean="0"/>
-              <a:t>. </a:t>
-            </a:r>
-            <a:r>
-              <a:rPr lang="en-US" dirty="0" err="1"/>
-              <a:t>A</a:t>
-            </a:r>
-            <a:r>
-              <a:rPr lang="en-US" dirty="0" err="1" smtClean="0"/>
-              <a:t>sí</a:t>
-            </a:r>
-            <a:r>
-              <a:rPr lang="en-US" dirty="0" smtClean="0"/>
-              <a:t>, la </a:t>
-            </a:r>
-            <a:r>
-              <a:rPr lang="en-US" dirty="0" err="1" smtClean="0"/>
-              <a:t>ganacia</a:t>
-            </a:r>
-            <a:r>
-              <a:rPr lang="en-US" dirty="0" smtClean="0"/>
-              <a:t> se define </a:t>
-            </a:r>
-            <a:r>
-              <a:rPr lang="en-US" dirty="0" err="1" smtClean="0"/>
-              <a:t>como</a:t>
-            </a:r>
-            <a:r>
-              <a:rPr lang="en-US" dirty="0" smtClean="0"/>
-              <a:t>:</a:t>
-            </a:r>
-            <a:endParaRPr lang="en-US" dirty="0"/>
-          </a:p>
-          <a:p>
-            <a:r>
-              <a:rPr lang="es-MX" dirty="0" smtClean="0"/>
-              <a:t>La </a:t>
-            </a:r>
-            <a:r>
-              <a:rPr lang="es-MX" b="1" dirty="0" smtClean="0"/>
-              <a:t>utilidad </a:t>
-            </a:r>
-            <a:r>
-              <a:rPr lang="es-MX" b="1" dirty="0"/>
-              <a:t>neta</a:t>
-            </a:r>
-            <a:r>
-              <a:rPr lang="es-MX" dirty="0"/>
-              <a:t> calculada al evaluar el costo de los errores (Falsos Negativos) y el beneficio de los aciertos (Verdaderos </a:t>
-            </a:r>
-            <a:r>
-              <a:rPr lang="es-MX" dirty="0" smtClean="0"/>
-              <a:t>Negativos en </a:t>
-            </a:r>
-            <a:r>
-              <a:rPr lang="es-MX" dirty="0"/>
-              <a:t>el conjunto de </a:t>
-            </a:r>
-            <a:r>
-              <a:rPr lang="es-MX" dirty="0" smtClean="0"/>
-              <a:t>prueba) </a:t>
-            </a:r>
-            <a:r>
-              <a:rPr lang="es-MX" dirty="0"/>
-              <a:t>utilizando el monto real de la </a:t>
-            </a:r>
-            <a:r>
-              <a:rPr lang="es-MX" dirty="0" smtClean="0"/>
-              <a:t>transacción.</a:t>
-            </a:r>
-          </a:p>
-          <a:p>
-            <a:r>
-              <a:rPr lang="es-MX" dirty="0" smtClean="0"/>
-              <a:t>Por lo tanto el supuesto se define como, </a:t>
-            </a:r>
-            <a:r>
-              <a:rPr lang="es-MX" dirty="0"/>
-              <a:t>cuesta 4 veces más dejar pasar un fraude que rechazar una verdadera transacción.</a:t>
-            </a:r>
-          </a:p>
-          <a:p>
-            <a:r>
-              <a:rPr lang="es-MX" dirty="0" smtClean="0"/>
-              <a:t>Esta </a:t>
-            </a:r>
-            <a:r>
-              <a:rPr lang="es-MX" dirty="0" smtClean="0"/>
-              <a:t>se puede definir como una función de perdida personalizada, que usa el </a:t>
-            </a:r>
-            <a:r>
-              <a:rPr lang="es-MX" dirty="0" err="1" smtClean="0"/>
-              <a:t>hessiano</a:t>
-            </a:r>
-            <a:r>
-              <a:rPr lang="es-MX" dirty="0" smtClean="0"/>
-              <a:t> y el gradiente especifico de la función para la construcción de los arboles previamente definido en las diapositivas anteriores </a:t>
-            </a:r>
-            <a:r>
-              <a:rPr lang="es-MX" dirty="0" smtClean="0"/>
-              <a:t>siguiendo </a:t>
-            </a:r>
-            <a:r>
-              <a:rPr lang="es-MX" dirty="0" smtClean="0"/>
-              <a:t>el método de convergencia del </a:t>
-            </a:r>
-            <a:r>
-              <a:rPr lang="es-MX" dirty="0" err="1" smtClean="0"/>
-              <a:t>Xgboost</a:t>
-            </a:r>
-            <a:r>
-              <a:rPr lang="es-MX" dirty="0" smtClean="0"/>
-              <a:t> basado en el gradiente y el </a:t>
-            </a:r>
-            <a:r>
-              <a:rPr lang="es-MX" dirty="0" err="1" smtClean="0"/>
-              <a:t>Hessiano</a:t>
-            </a:r>
-            <a:r>
-              <a:rPr lang="es-MX" dirty="0" smtClean="0"/>
-              <a:t> dado que la función es diferenciable.</a:t>
-            </a:r>
-          </a:p>
-          <a:p>
-            <a:r>
-              <a:rPr lang="es-MX" dirty="0" smtClean="0"/>
-              <a:t>Además, logra </a:t>
-            </a:r>
-            <a:r>
-              <a:rPr lang="es-MX" dirty="0" smtClean="0"/>
-              <a:t>darle peso  a las transacciones </a:t>
-            </a:r>
-            <a:r>
-              <a:rPr lang="es-MX" dirty="0" err="1" smtClean="0"/>
-              <a:t>fraudelantas</a:t>
-            </a:r>
-            <a:r>
-              <a:rPr lang="es-MX" dirty="0" smtClean="0"/>
-              <a:t> balanceando los datos sin incurrir en </a:t>
-            </a:r>
-            <a:r>
-              <a:rPr lang="es-MX" dirty="0" smtClean="0"/>
-              <a:t>parámetros </a:t>
-            </a:r>
-            <a:r>
-              <a:rPr lang="es-MX" dirty="0" smtClean="0"/>
-              <a:t>de balanceo o técnicas SMOTE</a:t>
-            </a:r>
-          </a:p>
-          <a:p>
-            <a:endParaRPr lang="es-MX" dirty="0" smtClean="0"/>
-          </a:p>
-          <a:p>
-            <a:endParaRPr lang="es-MX" dirty="0" smtClean="0"/>
-          </a:p>
-          <a:p>
-            <a:endParaRPr lang="es-MX" dirty="0"/>
-          </a:p>
-          <a:p>
-            <a:endParaRPr lang="es-MX" dirty="0" smtClean="0"/>
-          </a:p>
-          <a:p>
-            <a:endParaRPr lang="es-MX" dirty="0" smtClean="0"/>
-          </a:p>
-          <a:p>
-            <a:endParaRPr lang="en-US" dirty="0"/>
-          </a:p>
-        </p:txBody>
-      </p:sp>
+      </p:pic>
+      <p:pic>
+        <p:nvPicPr>
+          <p:cNvPr id="2" name="Picture 1"/>
+          <p:cNvPicPr>
+            <a:picLocks noChangeAspect="1"/>
+          </p:cNvPicPr>
+          <p:nvPr/>
+        </p:nvPicPr>
+        <p:blipFill>
+          <a:blip r:embed="rId4"/>
+          <a:stretch>
+            <a:fillRect/>
+          </a:stretch>
+        </p:blipFill>
+        <p:spPr>
+          <a:xfrm>
+            <a:off x="493371" y="2960042"/>
+            <a:ext cx="8859486" cy="3258005"/>
+          </a:xfrm>
+          <a:prstGeom prst="rect">
+            <a:avLst/>
+          </a:prstGeom>
+        </p:spPr>
+      </p:pic>
     </p:spTree>
     <p:extLst>
       <p:ext uri="{BB962C8B-B14F-4D97-AF65-F5344CB8AC3E}">
-        <p14:creationId xmlns:p14="http://schemas.microsoft.com/office/powerpoint/2010/main" val="3163276022"/>
+        <p14:creationId xmlns:p14="http://schemas.microsoft.com/office/powerpoint/2010/main" val="3389462605"/>
       </p:ext>
     </p:extLst>
   </p:cSld>
   <p:clrMapOvr>
     <a:masterClrMapping/>
   </p:clrMapOvr>
-  <p:timing>
-    <p:tnLst>
-      <p:par>
-        <p:cTn id="1" dur="indefinite" restart="never" nodeType="tmRoot"/>
-      </p:par>
-    </p:tnLst>
-  </p:timing>
 </p:sld>
 </file>
 
@@ -6275,50 +6042,42 @@
             <p:ph type="title"/>
           </p:nvPr>
         </p:nvSpPr>
-        <p:spPr/>
-        <p:txBody>
-          <a:bodyPr>
-            <a:normAutofit fontScale="90000"/>
-          </a:bodyPr>
-          <a:lstStyle/>
-          <a:p>
-            <a:r>
-              <a:rPr lang="es-MX" dirty="0" err="1" smtClean="0"/>
-              <a:t>Random</a:t>
-            </a:r>
-            <a:r>
-              <a:rPr lang="es-MX" dirty="0" smtClean="0"/>
-              <a:t> </a:t>
-            </a:r>
-            <a:r>
-              <a:rPr lang="es-MX" dirty="0" err="1" smtClean="0"/>
-              <a:t>forest</a:t>
-            </a:r>
-            <a:r>
-              <a:rPr lang="es-MX" dirty="0" smtClean="0"/>
-              <a:t> con Optimización Bayesiana</a:t>
-            </a:r>
-            <a:br>
-              <a:rPr lang="es-MX" dirty="0" smtClean="0"/>
-            </a:br>
-            <a:endParaRPr lang="en-US" dirty="0"/>
-          </a:p>
-        </p:txBody>
-      </p:sp>
-      <p:sp>
-        <p:nvSpPr>
-          <p:cNvPr id="3" name="Content Placeholder 2"/>
-          <p:cNvSpPr>
-            <a:spLocks noGrp="1"/>
-          </p:cNvSpPr>
-          <p:nvPr>
-            <p:ph idx="1"/>
-          </p:nvPr>
-        </p:nvSpPr>
         <p:spPr>
           <a:xfrm>
-            <a:off x="677334" y="1429407"/>
-            <a:ext cx="8596668" cy="4611955"/>
+            <a:off x="362024" y="661799"/>
+            <a:ext cx="8596668" cy="1320800"/>
+          </a:xfrm>
+        </p:spPr>
+        <p:txBody>
+          <a:bodyPr/>
+          <a:lstStyle/>
+          <a:p>
+            <a:r>
+              <a:rPr lang="es-MX" dirty="0" err="1" smtClean="0"/>
+              <a:t>Xgboost</a:t>
+            </a:r>
+            <a:r>
+              <a:rPr lang="es-MX" dirty="0" smtClean="0"/>
+              <a:t> Función personalizada</a:t>
+            </a:r>
+            <a:endParaRPr lang="en-US" dirty="0"/>
+          </a:p>
+        </p:txBody>
+      </p:sp>
+      <p:sp>
+        <p:nvSpPr>
+          <p:cNvPr id="3" name="Content Placeholder 2"/>
+          <p:cNvSpPr>
+            <a:spLocks noGrp="1"/>
+          </p:cNvSpPr>
+          <p:nvPr>
+            <p:ph idx="1"/>
+          </p:nvPr>
+        </p:nvSpPr>
+        <p:spPr>
+          <a:xfrm>
+            <a:off x="477638" y="1555531"/>
+            <a:ext cx="8596668" cy="4766441"/>
           </a:xfrm>
         </p:spPr>
         <p:txBody>
@@ -6327,119 +6086,224 @@
           </a:bodyPr>
           <a:lstStyle/>
           <a:p>
-            <a:pPr marL="0" indent="0">
-              <a:buNone/>
-            </a:pPr>
-            <a:r>
-              <a:rPr lang="es-MX" dirty="0" smtClean="0"/>
-              <a:t>Este modelo debido a su naturaleza de creación de arboles, </a:t>
+            <a:r>
+              <a:rPr lang="es-MX" dirty="0"/>
+              <a:t>Para </a:t>
+            </a:r>
+            <a:r>
+              <a:rPr lang="es-MX" dirty="0" smtClean="0"/>
+              <a:t>ambos modelos </a:t>
+            </a:r>
+            <a:r>
+              <a:rPr lang="es-MX" dirty="0" err="1"/>
+              <a:t>xgboost</a:t>
+            </a:r>
+            <a:r>
+              <a:rPr lang="es-MX" dirty="0"/>
+              <a:t> se usa </a:t>
+            </a:r>
+            <a:r>
+              <a:rPr lang="es-MX" dirty="0" smtClean="0"/>
+              <a:t> la </a:t>
+            </a:r>
+            <a:r>
+              <a:rPr lang="en-US" b="1" dirty="0" err="1" smtClean="0"/>
+              <a:t>Ganancia</a:t>
+            </a:r>
+            <a:r>
+              <a:rPr lang="en-US" b="1" dirty="0" smtClean="0"/>
+              <a:t> </a:t>
+            </a:r>
+            <a:r>
+              <a:rPr lang="en-US" b="1" dirty="0" err="1"/>
+              <a:t>Máxima</a:t>
+            </a:r>
+            <a:r>
+              <a:rPr lang="en-US" b="1" dirty="0"/>
+              <a:t> </a:t>
+            </a:r>
+            <a:r>
+              <a:rPr lang="en-US" b="1" dirty="0" err="1"/>
+              <a:t>Esperada</a:t>
+            </a:r>
+            <a:r>
+              <a:rPr lang="en-US" dirty="0"/>
+              <a:t> </a:t>
+            </a:r>
+            <a:r>
+              <a:rPr lang="en-US" dirty="0" smtClean="0"/>
+              <a:t> y se </a:t>
             </a:r>
             <a:r>
               <a:rPr lang="en-US" dirty="0" err="1" smtClean="0"/>
-              <a:t>utiliza</a:t>
+              <a:t>descarta</a:t>
             </a:r>
             <a:r>
               <a:rPr lang="en-US" dirty="0" smtClean="0"/>
-              <a:t> </a:t>
+              <a:t>  </a:t>
+            </a:r>
+            <a:r>
+              <a:rPr lang="en-US" dirty="0" err="1" smtClean="0"/>
+              <a:t>Logloss</a:t>
+            </a:r>
+            <a:r>
+              <a:rPr lang="en-US" dirty="0" smtClean="0"/>
+              <a:t> dado el </a:t>
+            </a:r>
+            <a:r>
+              <a:rPr lang="en-US" dirty="0" err="1" smtClean="0"/>
+              <a:t>problema</a:t>
+            </a:r>
+            <a:r>
+              <a:rPr lang="en-US" dirty="0" smtClean="0"/>
+              <a:t> de </a:t>
+            </a:r>
+            <a:r>
+              <a:rPr lang="en-US" dirty="0" err="1" smtClean="0"/>
+              <a:t>negocio</a:t>
+            </a:r>
+            <a:r>
+              <a:rPr lang="en-US" dirty="0" smtClean="0"/>
+              <a:t>. </a:t>
             </a:r>
             <a:r>
               <a:rPr lang="en-US" dirty="0" err="1"/>
-              <a:t>métricas</a:t>
-            </a:r>
-            <a:r>
-              <a:rPr lang="en-US" dirty="0"/>
-              <a:t> de </a:t>
-            </a:r>
-            <a:r>
-              <a:rPr lang="en-US" dirty="0" err="1"/>
-              <a:t>pureza</a:t>
-            </a:r>
-            <a:r>
-              <a:rPr lang="en-US" dirty="0"/>
-              <a:t> (Gini o </a:t>
+              <a:t>A</a:t>
             </a:r>
             <a:r>
               <a:rPr lang="en-US" dirty="0" err="1" smtClean="0"/>
-              <a:t>Entropía</a:t>
+              <a:t>sí</a:t>
             </a:r>
             <a:r>
               <a:rPr lang="en-US" dirty="0" smtClean="0"/>
-              <a:t>)</a:t>
-            </a:r>
-            <a:r>
-              <a:rPr lang="es-MX" dirty="0" smtClean="0"/>
-              <a:t>,estas no permiten usar la función de ganancia para entrenar, pero si usa la función de ganancia total para la evaluación y decisión del </a:t>
+              <a:t>, la </a:t>
+            </a:r>
+            <a:r>
+              <a:rPr lang="en-US" dirty="0" err="1" smtClean="0"/>
+              <a:t>ganacia</a:t>
+            </a:r>
+            <a:r>
+              <a:rPr lang="en-US" dirty="0" smtClean="0"/>
+              <a:t> se define </a:t>
+            </a:r>
+            <a:r>
+              <a:rPr lang="en-US" dirty="0" err="1" smtClean="0"/>
+              <a:t>como</a:t>
+            </a:r>
+            <a:r>
+              <a:rPr lang="en-US" dirty="0" smtClean="0"/>
+              <a:t>:</a:t>
+            </a:r>
+            <a:endParaRPr lang="en-US" dirty="0"/>
+          </a:p>
+          <a:p>
+            <a:r>
+              <a:rPr lang="es-MX" dirty="0" smtClean="0"/>
+              <a:t>La </a:t>
+            </a:r>
+            <a:r>
+              <a:rPr lang="es-MX" b="1" dirty="0" smtClean="0"/>
+              <a:t>utilidad </a:t>
+            </a:r>
+            <a:r>
+              <a:rPr lang="es-MX" b="1" dirty="0"/>
+              <a:t>neta</a:t>
+            </a:r>
+            <a:r>
+              <a:rPr lang="es-MX" dirty="0"/>
+              <a:t> calculada al evaluar el costo de los errores (Falsos Negativos) y el beneficio de los aciertos (Verdaderos </a:t>
+            </a:r>
+            <a:r>
+              <a:rPr lang="es-MX" dirty="0" smtClean="0"/>
+              <a:t>Negativos en </a:t>
+            </a:r>
+            <a:r>
+              <a:rPr lang="es-MX" dirty="0"/>
+              <a:t>el conjunto de </a:t>
+            </a:r>
+            <a:r>
+              <a:rPr lang="es-MX" dirty="0" smtClean="0"/>
+              <a:t>prueba) </a:t>
+            </a:r>
+            <a:r>
+              <a:rPr lang="es-MX" dirty="0"/>
+              <a:t>utilizando el monto real de la </a:t>
+            </a:r>
+            <a:r>
+              <a:rPr lang="es-MX" dirty="0" smtClean="0"/>
+              <a:t>transacción.</a:t>
+            </a:r>
+          </a:p>
+          <a:p>
+            <a:r>
+              <a:rPr lang="es-MX" dirty="0" smtClean="0"/>
+              <a:t>Por lo tanto el supuesto se define como, </a:t>
+            </a:r>
+            <a:r>
+              <a:rPr lang="es-MX" dirty="0"/>
+              <a:t>cuesta 4 veces más dejar pasar un fraude que rechazar una verdadera transacción.</a:t>
+            </a:r>
+          </a:p>
+          <a:p>
+            <a:r>
+              <a:rPr lang="es-MX" dirty="0" smtClean="0"/>
+              <a:t>Esta se puede definir como una función de perdida personalizada, que usa el </a:t>
             </a:r>
             <a:r>
               <a:rPr lang="es-MX" dirty="0" err="1" smtClean="0"/>
-              <a:t>random</a:t>
-            </a:r>
-            <a:r>
-              <a:rPr lang="es-MX" dirty="0" smtClean="0"/>
-              <a:t> </a:t>
+              <a:t>hessiano</a:t>
+            </a:r>
+            <a:r>
+              <a:rPr lang="es-MX" dirty="0" smtClean="0"/>
+              <a:t> y el gradiente especifico de la función para la construcción de los arboles previamente definido en las diapositivas anteriores siguiendo el método de convergencia del </a:t>
             </a:r>
             <a:r>
               <a:rPr lang="es-MX" dirty="0" err="1" smtClean="0"/>
-              <a:t>forest</a:t>
-            </a:r>
-            <a:r>
-              <a:rPr lang="es-MX" dirty="0" smtClean="0"/>
-              <a:t> para maximizar la rentabilidad.</a:t>
-            </a:r>
-          </a:p>
-          <a:p>
-            <a:pPr marL="0" indent="0">
-              <a:buNone/>
-            </a:pPr>
-            <a:r>
-              <a:rPr lang="es-MX" dirty="0" smtClean="0"/>
-              <a:t>Se usa optimización bayesiana ya que es computacionalmente mas barato que usar </a:t>
-            </a:r>
-            <a:r>
-              <a:rPr lang="en-US" dirty="0"/>
-              <a:t>(</a:t>
-            </a:r>
-            <a:r>
-              <a:rPr lang="en-US" i="1" dirty="0"/>
-              <a:t>Grid </a:t>
-            </a:r>
-            <a:r>
-              <a:rPr lang="en-US" i="1" dirty="0" smtClean="0"/>
-              <a:t>Search</a:t>
-            </a:r>
-            <a:r>
-              <a:rPr lang="en-US" dirty="0" smtClean="0"/>
-              <a:t>).</a:t>
-            </a:r>
-          </a:p>
-          <a:p>
-            <a:pPr marL="0" indent="0">
-              <a:buNone/>
-            </a:pPr>
-            <a:r>
-              <a:rPr lang="es-MX" dirty="0"/>
-              <a:t>E</a:t>
-            </a:r>
-            <a:r>
-              <a:rPr lang="es-MX" dirty="0" smtClean="0"/>
-              <a:t>l </a:t>
-            </a:r>
-            <a:r>
-              <a:rPr lang="es-MX" dirty="0"/>
-              <a:t>RF no entrena directamente con la ganancia, sino que entrena para un </a:t>
-            </a:r>
-            <a:r>
-              <a:rPr lang="es-MX" dirty="0" smtClean="0"/>
-              <a:t>excelente AUC, </a:t>
-            </a:r>
-            <a:r>
-              <a:rPr lang="es-MX" dirty="0"/>
-              <a:t>y luego usa la Ganancia como una métrica de calibración final para encontrar el umbral de negocio ideal</a:t>
-            </a:r>
-            <a:r>
-              <a:rPr lang="es-MX" dirty="0" smtClean="0"/>
-              <a:t>.</a:t>
-            </a:r>
+              <a:t>Xgboost</a:t>
+            </a:r>
+            <a:r>
+              <a:rPr lang="es-MX" dirty="0" smtClean="0"/>
+              <a:t> basado en el gradiente y el </a:t>
+            </a:r>
+            <a:r>
+              <a:rPr lang="es-MX" dirty="0" err="1" smtClean="0"/>
+              <a:t>Hessiano</a:t>
+            </a:r>
+            <a:r>
+              <a:rPr lang="es-MX" dirty="0" smtClean="0"/>
+              <a:t> dado que la función es diferenciable.</a:t>
+            </a:r>
+          </a:p>
+          <a:p>
+            <a:r>
+              <a:rPr lang="es-MX" dirty="0" smtClean="0"/>
+              <a:t>Además, logra darle peso  a las transacciones </a:t>
+            </a:r>
+            <a:r>
+              <a:rPr lang="es-MX" dirty="0" err="1" smtClean="0"/>
+              <a:t>fraudelantas</a:t>
+            </a:r>
+            <a:r>
+              <a:rPr lang="es-MX" dirty="0" smtClean="0"/>
+              <a:t> balanceando los datos sin incurrir en parámetros de balanceo o técnicas SMOTE</a:t>
+            </a:r>
+          </a:p>
+          <a:p>
+            <a:endParaRPr lang="es-MX" dirty="0" smtClean="0"/>
+          </a:p>
+          <a:p>
+            <a:endParaRPr lang="es-MX" dirty="0" smtClean="0"/>
+          </a:p>
+          <a:p>
+            <a:endParaRPr lang="es-MX" dirty="0"/>
+          </a:p>
+          <a:p>
+            <a:endParaRPr lang="es-MX" dirty="0" smtClean="0"/>
+          </a:p>
+          <a:p>
+            <a:endParaRPr lang="es-MX" dirty="0" smtClean="0"/>
+          </a:p>
+          <a:p>
             <a:endParaRPr lang="en-US" dirty="0"/>
           </a:p>
         </p:txBody>
@@ -6447,7 +6311,7 @@
     </p:spTree>
     <p:extLst>
       <p:ext uri="{BB962C8B-B14F-4D97-AF65-F5344CB8AC3E}">
-        <p14:creationId xmlns:p14="http://schemas.microsoft.com/office/powerpoint/2010/main" val="62842082"/>
+        <p14:creationId xmlns:p14="http://schemas.microsoft.com/office/powerpoint/2010/main" val="3163276022"/>
       </p:ext>
     </p:extLst>
   </p:cSld>
@@ -6493,17 +6357,30 @@
         </p:nvSpPr>
         <p:spPr/>
         <p:txBody>
-          <a:bodyPr/>
+          <a:bodyPr>
+            <a:normAutofit fontScale="90000"/>
+          </a:bodyPr>
           <a:lstStyle/>
           <a:p>
             <a:r>
               <a:rPr lang="es-MX" dirty="0" err="1" smtClean="0"/>
-              <a:t>Xgboost</a:t>
+              <a:t>Random</a:t>
+            </a:r>
+            <a:r>
+              <a:rPr lang="es-MX" dirty="0" smtClean="0"/>
+              <a:t> </a:t>
+            </a:r>
+            <a:r>
+              <a:rPr lang="es-MX" dirty="0" err="1" smtClean="0"/>
+              <a:t>forest</a:t>
             </a:r>
             <a:r>
               <a:rPr lang="es-MX" dirty="0" smtClean="0"/>
               <a:t> con Optimización Bayesiana</a:t>
             </a:r>
+            <a:br>
+              <a:rPr lang="es-MX" dirty="0" smtClean="0"/>
+            </a:br>
             <a:endParaRPr lang="en-US" dirty="0"/>
           </a:p>
         </p:txBody>
@@ -6520,123 +6397,128 @@
         </p:nvSpPr>
         <p:spPr>
           <a:xfrm>
-            <a:off x="582741" y="1477417"/>
-            <a:ext cx="8596668" cy="3880773"/>
+            <a:off x="677334" y="1429407"/>
+            <a:ext cx="8596668" cy="4611955"/>
           </a:xfrm>
         </p:spPr>
         <p:txBody>
-          <a:bodyPr/>
+          <a:bodyPr>
+            <a:normAutofit/>
+          </a:bodyPr>
           <a:lstStyle/>
           <a:p>
             <a:pPr marL="0" indent="0">
               <a:buNone/>
             </a:pPr>
-            <a:endParaRPr lang="es-MX" dirty="0" smtClean="0"/>
-          </a:p>
-          <a:p>
+            <a:r>
+              <a:rPr lang="es-MX" dirty="0" smtClean="0"/>
+              <a:t>Este modelo debido a su naturaleza de creación de arboles, </a:t>
+            </a:r>
+            <a:r>
+              <a:rPr lang="en-US" dirty="0" err="1" smtClean="0"/>
+              <a:t>utiliza</a:t>
+            </a:r>
+            <a:r>
+              <a:rPr lang="en-US" dirty="0" smtClean="0"/>
+              <a:t> </a:t>
+            </a:r>
+            <a:r>
+              <a:rPr lang="en-US" dirty="0" err="1"/>
+              <a:t>métricas</a:t>
+            </a:r>
+            <a:r>
+              <a:rPr lang="en-US" dirty="0"/>
+              <a:t> de </a:t>
+            </a:r>
+            <a:r>
+              <a:rPr lang="en-US" dirty="0" err="1"/>
+              <a:t>pureza</a:t>
+            </a:r>
+            <a:r>
+              <a:rPr lang="en-US" dirty="0"/>
+              <a:t> (Gini o </a:t>
+            </a:r>
+            <a:r>
+              <a:rPr lang="en-US" dirty="0" err="1" smtClean="0"/>
+              <a:t>Entropía</a:t>
+            </a:r>
+            <a:r>
+              <a:rPr lang="en-US" dirty="0" smtClean="0"/>
+              <a:t>)</a:t>
+            </a:r>
+            <a:r>
+              <a:rPr lang="es-MX" dirty="0" smtClean="0"/>
+              <a:t>,estas no permiten usar la función de ganancia para entrenar, pero si usa la función de ganancia total para la evaluación y decisión del </a:t>
+            </a:r>
+            <a:r>
+              <a:rPr lang="es-MX" dirty="0" err="1" smtClean="0"/>
+              <a:t>random</a:t>
+            </a:r>
+            <a:r>
+              <a:rPr lang="es-MX" dirty="0" smtClean="0"/>
+              <a:t> </a:t>
+            </a:r>
+            <a:r>
+              <a:rPr lang="es-MX" dirty="0" err="1" smtClean="0"/>
+              <a:t>forest</a:t>
+            </a:r>
+            <a:r>
+              <a:rPr lang="es-MX" dirty="0" smtClean="0"/>
+              <a:t> para maximizar la rentabilidad.</a:t>
+            </a:r>
+          </a:p>
+          <a:p>
+            <a:pPr marL="0" indent="0">
+              <a:buNone/>
+            </a:pPr>
+            <a:r>
+              <a:rPr lang="es-MX" dirty="0" smtClean="0"/>
+              <a:t>Se usa optimización bayesiana ya que es computacionalmente mas barato que usar </a:t>
+            </a:r>
+            <a:r>
+              <a:rPr lang="en-US" dirty="0"/>
+              <a:t>(</a:t>
+            </a:r>
+            <a:r>
+              <a:rPr lang="en-US" i="1" dirty="0"/>
+              <a:t>Grid </a:t>
+            </a:r>
+            <a:r>
+              <a:rPr lang="en-US" i="1" dirty="0" smtClean="0"/>
+              <a:t>Search</a:t>
+            </a:r>
+            <a:r>
+              <a:rPr lang="en-US" dirty="0" smtClean="0"/>
+              <a:t>).</a:t>
+            </a:r>
+          </a:p>
+          <a:p>
+            <a:pPr marL="0" indent="0">
+              <a:buNone/>
+            </a:pPr>
             <a:r>
               <a:rPr lang="es-MX" dirty="0"/>
-              <a:t>El objetivo aquí es encontrar los </a:t>
-            </a:r>
-            <a:r>
-              <a:rPr lang="es-MX" dirty="0" err="1"/>
-              <a:t>hiperparámetros</a:t>
+              <a:t>E</a:t>
+            </a:r>
+            <a:r>
+              <a:rPr lang="es-MX" dirty="0" smtClean="0"/>
+              <a:t>l </a:t>
             </a:r>
             <a:r>
               <a:rPr lang="es-MX" dirty="0"/>
-              <a:t> </a:t>
-            </a:r>
-            <a:r>
-              <a:rPr lang="es-MX" dirty="0" smtClean="0"/>
-              <a:t>que </a:t>
+              <a:t>RF no entrena directamente con la ganancia, sino que entrena para un </a:t>
+            </a:r>
+            <a:r>
+              <a:rPr lang="es-MX" dirty="0" smtClean="0"/>
+              <a:t>excelente AUC, </a:t>
             </a:r>
             <a:r>
               <a:rPr lang="es-MX" dirty="0"/>
-              <a:t>produzcan el mejor modelo estadístico, usando la eficiencia de la </a:t>
-            </a:r>
-            <a:r>
-              <a:rPr lang="es-MX" dirty="0" smtClean="0"/>
-              <a:t>Optimización</a:t>
-            </a:r>
-          </a:p>
-          <a:p>
-            <a:r>
-              <a:rPr lang="es-MX" dirty="0"/>
-              <a:t>La OB maximiza el AUC para </a:t>
-            </a:r>
-            <a:r>
-              <a:rPr lang="es-MX" b="1" dirty="0"/>
-              <a:t>seleccionar los </a:t>
-            </a:r>
-            <a:r>
-              <a:rPr lang="es-MX" b="1" dirty="0" err="1"/>
-              <a:t>HPs</a:t>
-            </a:r>
-            <a:r>
-              <a:rPr lang="es-MX" dirty="0"/>
-              <a:t>. El modelo que usa esos </a:t>
-            </a:r>
-            <a:r>
-              <a:rPr lang="es-MX" dirty="0" err="1"/>
-              <a:t>HPs</a:t>
-            </a:r>
-            <a:r>
-              <a:rPr lang="es-MX" dirty="0"/>
-              <a:t> se entrena a continuación, pero el proceso de entrenamiento </a:t>
-            </a:r>
-            <a:r>
-              <a:rPr lang="es-MX" dirty="0" smtClean="0"/>
-              <a:t>es el </a:t>
-            </a:r>
-            <a:r>
-              <a:rPr lang="es-MX" dirty="0"/>
-              <a:t>que necesita la función de </a:t>
-            </a:r>
-            <a:r>
-              <a:rPr lang="es-MX" dirty="0" smtClean="0"/>
-              <a:t>personalizada de perdida</a:t>
-            </a:r>
-          </a:p>
-          <a:p>
-            <a:r>
-              <a:rPr lang="es-MX" dirty="0" smtClean="0"/>
-              <a:t>La OB define </a:t>
-            </a:r>
-            <a:r>
-              <a:rPr lang="es-MX" dirty="0"/>
-              <a:t>la métrica de optimización para el entrenamiento final. Una vez que la OB encuentra la mejor "estructura" de </a:t>
-            </a:r>
-            <a:r>
-              <a:rPr lang="es-MX" dirty="0" err="1"/>
-              <a:t>HPs</a:t>
-            </a:r>
-            <a:r>
-              <a:rPr lang="es-MX" dirty="0"/>
-              <a:t> (por AUC), el modelo se entrena usando la Ganancia </a:t>
-            </a:r>
-            <a:r>
-              <a:rPr lang="es-MX" dirty="0" smtClean="0"/>
-              <a:t>personalizada </a:t>
-            </a:r>
-            <a:r>
-              <a:rPr lang="es-MX" dirty="0"/>
-              <a:t>como función de </a:t>
-            </a:r>
-            <a:r>
-              <a:rPr lang="es-MX" dirty="0" smtClean="0"/>
-              <a:t>pérdida. </a:t>
-            </a:r>
-            <a:r>
-              <a:rPr lang="es-MX" dirty="0"/>
-              <a:t>Esto asegura que los árboles se construyan para optimizar directamente la </a:t>
-            </a:r>
-            <a:r>
-              <a:rPr lang="es-MX" dirty="0" smtClean="0"/>
-              <a:t>rentabilidad, </a:t>
-            </a:r>
-            <a:r>
-              <a:rPr lang="es-MX" dirty="0"/>
-              <a:t>no solo el AUC.</a:t>
+              <a:t>y luego usa la Ganancia como una métrica de calibración final para encontrar el umbral de negocio ideal</a:t>
+            </a:r>
+            <a:r>
+              <a:rPr lang="es-MX" dirty="0" smtClean="0"/>
+              <a:t>.</a:t>
             </a:r>
             <a:endParaRPr lang="en-US" dirty="0"/>
           </a:p>
@@ -6645,7 +6527,7 @@
     </p:spTree>
     <p:extLst>
       <p:ext uri="{BB962C8B-B14F-4D97-AF65-F5344CB8AC3E}">
-        <p14:creationId xmlns:p14="http://schemas.microsoft.com/office/powerpoint/2010/main" val="2669803719"/>
+        <p14:creationId xmlns:p14="http://schemas.microsoft.com/office/powerpoint/2010/main" val="62842082"/>
       </p:ext>
     </p:extLst>
   </p:cSld>
@@ -6681,6 +6563,204 @@
       </p:grpSpPr>
       <p:sp>
         <p:nvSpPr>
+          <p:cNvPr id="2" name="Title 1"/>
+          <p:cNvSpPr>
+            <a:spLocks noGrp="1"/>
+          </p:cNvSpPr>
+          <p:nvPr>
+            <p:ph type="title"/>
+          </p:nvPr>
+        </p:nvSpPr>
+        <p:spPr/>
+        <p:txBody>
+          <a:bodyPr/>
+          <a:lstStyle/>
+          <a:p>
+            <a:r>
+              <a:rPr lang="es-MX" dirty="0" err="1" smtClean="0"/>
+              <a:t>Xgboost</a:t>
+            </a:r>
+            <a:r>
+              <a:rPr lang="es-MX" dirty="0" smtClean="0"/>
+              <a:t> con Optimización Bayesiana</a:t>
+            </a:r>
+            <a:endParaRPr lang="en-US" dirty="0"/>
+          </a:p>
+        </p:txBody>
+      </p:sp>
+      <p:sp>
+        <p:nvSpPr>
+          <p:cNvPr id="3" name="Content Placeholder 2"/>
+          <p:cNvSpPr>
+            <a:spLocks noGrp="1"/>
+          </p:cNvSpPr>
+          <p:nvPr>
+            <p:ph idx="1"/>
+          </p:nvPr>
+        </p:nvSpPr>
+        <p:spPr>
+          <a:xfrm>
+            <a:off x="582741" y="1477417"/>
+            <a:ext cx="8596668" cy="3880773"/>
+          </a:xfrm>
+        </p:spPr>
+        <p:txBody>
+          <a:bodyPr/>
+          <a:lstStyle/>
+          <a:p>
+            <a:pPr marL="0" indent="0">
+              <a:buNone/>
+            </a:pPr>
+            <a:endParaRPr lang="es-MX" dirty="0" smtClean="0"/>
+          </a:p>
+          <a:p>
+            <a:r>
+              <a:rPr lang="es-MX" dirty="0"/>
+              <a:t>El objetivo aquí es encontrar los </a:t>
+            </a:r>
+            <a:r>
+              <a:rPr lang="es-MX" dirty="0" err="1"/>
+              <a:t>hiperparámetros</a:t>
+            </a:r>
+            <a:r>
+              <a:rPr lang="es-MX" dirty="0"/>
+              <a:t> </a:t>
+            </a:r>
+            <a:r>
+              <a:rPr lang="es-MX" dirty="0" smtClean="0"/>
+              <a:t>que </a:t>
+            </a:r>
+            <a:r>
+              <a:rPr lang="es-MX" dirty="0"/>
+              <a:t>produzcan el mejor modelo estadístico, usando la eficiencia de la </a:t>
+            </a:r>
+            <a:r>
+              <a:rPr lang="es-MX" dirty="0" smtClean="0"/>
+              <a:t>Optimización</a:t>
+            </a:r>
+          </a:p>
+          <a:p>
+            <a:r>
+              <a:rPr lang="es-MX" dirty="0"/>
+              <a:t>La OB maximiza el AUC para </a:t>
+            </a:r>
+            <a:r>
+              <a:rPr lang="es-MX" b="1" dirty="0"/>
+              <a:t>seleccionar los </a:t>
+            </a:r>
+            <a:r>
+              <a:rPr lang="es-MX" b="1" dirty="0" err="1"/>
+              <a:t>HPs</a:t>
+            </a:r>
+            <a:r>
+              <a:rPr lang="es-MX" dirty="0"/>
+              <a:t>. El modelo que usa esos </a:t>
+            </a:r>
+            <a:r>
+              <a:rPr lang="es-MX" dirty="0" err="1"/>
+              <a:t>HPs</a:t>
+            </a:r>
+            <a:r>
+              <a:rPr lang="es-MX" dirty="0"/>
+              <a:t> se entrena a continuación, pero el proceso de entrenamiento </a:t>
+            </a:r>
+            <a:r>
+              <a:rPr lang="es-MX" dirty="0" smtClean="0"/>
+              <a:t>es el </a:t>
+            </a:r>
+            <a:r>
+              <a:rPr lang="es-MX" dirty="0"/>
+              <a:t>que necesita la función de </a:t>
+            </a:r>
+            <a:r>
+              <a:rPr lang="es-MX" dirty="0" smtClean="0"/>
+              <a:t>personalizada de perdida</a:t>
+            </a:r>
+          </a:p>
+          <a:p>
+            <a:r>
+              <a:rPr lang="es-MX" dirty="0" smtClean="0"/>
+              <a:t>La OB define </a:t>
+            </a:r>
+            <a:r>
+              <a:rPr lang="es-MX" dirty="0"/>
+              <a:t>la métrica de optimización para el entrenamiento final. Una vez que la OB encuentra la mejor "estructura" de </a:t>
+            </a:r>
+            <a:r>
+              <a:rPr lang="es-MX" dirty="0" err="1"/>
+              <a:t>HPs</a:t>
+            </a:r>
+            <a:r>
+              <a:rPr lang="es-MX" dirty="0"/>
+              <a:t> (por AUC), el modelo se entrena usando la Ganancia </a:t>
+            </a:r>
+            <a:r>
+              <a:rPr lang="es-MX" dirty="0" smtClean="0"/>
+              <a:t>personalizada </a:t>
+            </a:r>
+            <a:r>
+              <a:rPr lang="es-MX" dirty="0"/>
+              <a:t>como función de </a:t>
+            </a:r>
+            <a:r>
+              <a:rPr lang="es-MX" dirty="0" smtClean="0"/>
+              <a:t>pérdida. </a:t>
+            </a:r>
+            <a:r>
+              <a:rPr lang="es-MX" dirty="0"/>
+              <a:t>Esto asegura que los árboles se construyan para optimizar directamente la </a:t>
+            </a:r>
+            <a:r>
+              <a:rPr lang="es-MX" dirty="0" smtClean="0"/>
+              <a:t>rentabilidad, </a:t>
+            </a:r>
+            <a:r>
+              <a:rPr lang="es-MX" dirty="0"/>
+              <a:t>no solo el AUC.</a:t>
+            </a:r>
+            <a:endParaRPr lang="en-US" dirty="0"/>
+          </a:p>
+        </p:txBody>
+      </p:sp>
+    </p:spTree>
+    <p:extLst>
+      <p:ext uri="{BB962C8B-B14F-4D97-AF65-F5344CB8AC3E}">
+        <p14:creationId xmlns:p14="http://schemas.microsoft.com/office/powerpoint/2010/main" val="2669803719"/>
+      </p:ext>
+    </p:extLst>
+  </p:cSld>
+  <p:clrMapOvr>
+    <a:masterClrMapping/>
+  </p:clrMapOvr>
+  <p:timing>
+    <p:tnLst>
+      <p:par>
+        <p:cTn id="1" dur="indefinite" restart="never" nodeType="tmRoot"/>
+      </p:par>
+    </p:tnLst>
+  </p:timing>
+</p:sld>
+</file>
+
+<file path=ppt/slides/slide14.xml><?xml version="1.0" encoding="utf-8"?>
+<p:sld xmlns:a="http://schemas.openxmlformats.org/drawingml/2006/main" xmlns:r="http://schemas.openxmlformats.org/officeDocument/2006/relationships" xmlns:p="http://schemas.openxmlformats.org/presentationml/2006/main">
+  <p:cSld>
+    <p:spTree>
+      <p:nvGrpSpPr>
+        <p:cNvPr id="1" name=""/>
+        <p:cNvGrpSpPr/>
+        <p:nvPr/>
+      </p:nvGrpSpPr>
+      <p:grpSpPr>
+        <a:xfrm>
+          <a:off x="0" y="0"/>
+          <a:ext cx="0" cy="0"/>
+          <a:chOff x="0" y="0"/>
+          <a:chExt cx="0" cy="0"/>
+        </a:xfrm>
+      </p:grpSpPr>
+      <p:sp>
+        <p:nvSpPr>
           <p:cNvPr id="5" name="Title 1"/>
           <p:cNvSpPr>
             <a:spLocks noGrp="1"/>
@@ -6720,7 +6800,7 @@
 </p:sld>
 </file>
 
-<file path=ppt/slides/slide14.xml><?xml version="1.0" encoding="utf-8"?>
+<file path=ppt/slides/slide15.xml><?xml version="1.0" encoding="utf-8"?>
 <p:sld xmlns:a="http://schemas.openxmlformats.org/drawingml/2006/main" xmlns:r="http://schemas.openxmlformats.org/officeDocument/2006/relationships" xmlns:p="http://schemas.openxmlformats.org/presentationml/2006/main">
   <p:cSld>
     <p:spTree>
@@ -6911,7 +6991,7 @@
 </p:sld>
 </file>
 
-<file path=ppt/slides/slide15.xml><?xml version="1.0" encoding="utf-8"?>
+<file path=ppt/slides/slide16.xml><?xml version="1.0" encoding="utf-8"?>
 <p:sld xmlns:a="http://schemas.openxmlformats.org/drawingml/2006/main" xmlns:r="http://schemas.openxmlformats.org/officeDocument/2006/relationships" xmlns:p="http://schemas.openxmlformats.org/presentationml/2006/main">
   <p:cSld>
     <p:spTree>
@@ -7265,7 +7345,7 @@
 </p:sld>
 </file>
 
-<file path=ppt/slides/slide16.xml><?xml version="1.0" encoding="utf-8"?>
+<file path=ppt/slides/slide17.xml><?xml version="1.0" encoding="utf-8"?>
 <p:sld xmlns:a="http://schemas.openxmlformats.org/drawingml/2006/main" xmlns:r="http://schemas.openxmlformats.org/officeDocument/2006/relationships" xmlns:p="http://schemas.openxmlformats.org/presentationml/2006/main">
   <p:cSld>
     <p:spTree>
@@ -7446,7 +7526,7 @@
 </p:sld>
 </file>
 
-<file path=ppt/slides/slide17.xml><?xml version="1.0" encoding="utf-8"?>
+<file path=ppt/slides/slide18.xml><?xml version="1.0" encoding="utf-8"?>
 <p:sld xmlns:a="http://schemas.openxmlformats.org/drawingml/2006/main" xmlns:r="http://schemas.openxmlformats.org/officeDocument/2006/relationships" xmlns:p="http://schemas.openxmlformats.org/presentationml/2006/main">
   <p:cSld>
     <p:spTree>
@@ -7641,10 +7721,6 @@
               <a:rPr lang="es-MX" dirty="0" smtClean="0"/>
               <a:t>Introducción</a:t>
             </a:r>
-            <a:r>
-              <a:rPr lang="es-MX" dirty="0" smtClean="0"/>
-              <a:t/>
-            </a:r>
             <a:br>
               <a:rPr lang="es-MX" dirty="0" smtClean="0"/>
             </a:br>
@@ -7674,15 +7750,7 @@
           <a:p>
             <a:r>
               <a:rPr lang="es-MX" dirty="0" smtClean="0"/>
-              <a:t>El data set </a:t>
-            </a:r>
-            <a:r>
-              <a:rPr lang="es-MX" dirty="0" smtClean="0"/>
-              <a:t>presenta (</a:t>
-            </a:r>
-            <a:r>
-              <a:rPr lang="es-MX" dirty="0" smtClean="0"/>
-              <a:t>como es habitual) un desbalanceo en la variable a predecir (Fraude).</a:t>
+              <a:t>El data set presenta (como es habitual) un desbalanceo en la variable a predecir (Fraude).</a:t>
             </a:r>
           </a:p>
           <a:p>
@@ -7730,7 +7798,27 @@
             </a:r>
             <a:r>
               <a:rPr lang="es-MX" dirty="0" smtClean="0"/>
-              <a:t> para maximizar la capacidad de predicción y usar métricas de evaluación para estas, debe tenerse en cuenta la ganancia esperada para el calculo del umbral de predicción, de esta forma no existe ambigüedad en el manejo de este umbral.</a:t>
+              <a:t> para maximizar la capacidad de predicción y usar métricas de evaluación para estas, debe tenerse en cuenta la </a:t>
+            </a:r>
+            <a:r>
+              <a:rPr lang="es-MX" dirty="0" smtClean="0"/>
+              <a:t>ganancia esperada para </a:t>
+            </a:r>
+            <a:r>
+              <a:rPr lang="es-MX" dirty="0" smtClean="0"/>
+              <a:t>influir en el entrenamiento del modelo y </a:t>
+            </a:r>
+            <a:r>
+              <a:rPr lang="es-MX" dirty="0" smtClean="0"/>
+              <a:t>para </a:t>
+            </a:r>
+            <a:r>
+              <a:rPr lang="es-MX" dirty="0" smtClean="0"/>
+              <a:t>el calculo del umbral de predicción, de esta forma no existe ambigüedad en el manejo de este </a:t>
+            </a:r>
+            <a:r>
+              <a:rPr lang="es-MX" dirty="0" smtClean="0"/>
+              <a:t>umbral y en los resultados.</a:t>
             </a:r>
             <a:endParaRPr lang="en-US" dirty="0"/>
           </a:p>
@@ -7946,7 +8034,7 @@
         <p:spPr>
           <a:xfrm>
             <a:off x="7246299" y="1058832"/>
-            <a:ext cx="4056994" cy="1200329"/>
+            <a:ext cx="4056994" cy="2308324"/>
           </a:xfrm>
           <a:prstGeom prst="rect">
             <a:avLst/>
@@ -7971,6 +8059,13 @@
               <a:rPr lang="es-MX" dirty="0" smtClean="0"/>
               <a:t>.</a:t>
             </a:r>
+          </a:p>
+          <a:p>
+            <a:r>
+              <a:rPr lang="es-MX" dirty="0" smtClean="0"/>
+              <a:t>La Variable K tiene alta cantidad de datos faltantes pero los datos que existen que tiene buena correlación con otras variables.</a:t>
+            </a:r>
+            <a:endParaRPr lang="es-MX" dirty="0" smtClean="0"/>
           </a:p>
           <a:p>
             <a:endParaRPr lang="en-US" dirty="0"/>
@@ -8026,177 +8121,6 @@
         </p:nvSpPr>
         <p:spPr>
           <a:xfrm>
-            <a:off x="593251" y="699651"/>
-            <a:ext cx="8596668" cy="5690639"/>
-          </a:xfrm>
-        </p:spPr>
-        <p:txBody>
-          <a:bodyPr>
-            <a:normAutofit lnSpcReduction="10000"/>
-          </a:bodyPr>
-          <a:lstStyle/>
-          <a:p>
-            <a:r>
-              <a:rPr lang="es-MX" dirty="0"/>
-              <a:t>La columna ‘J’, que representa los países, contiene algunas categorías con muy pocas observaciones. Para evitar la creación de variables </a:t>
-            </a:r>
-            <a:r>
-              <a:rPr lang="es-MX" dirty="0" err="1"/>
-              <a:t>dummies</a:t>
-            </a:r>
-            <a:r>
-              <a:rPr lang="es-MX" dirty="0"/>
-              <a:t> </a:t>
-            </a:r>
-            <a:r>
-              <a:rPr lang="es-MX" dirty="0" smtClean="0"/>
-              <a:t>con poca representación </a:t>
-            </a:r>
-            <a:r>
-              <a:rPr lang="es-MX" dirty="0"/>
-              <a:t>y </a:t>
-            </a:r>
-            <a:r>
-              <a:rPr lang="es-MX" dirty="0" smtClean="0"/>
-              <a:t>no caer en sobredimensión del dataset, </a:t>
-            </a:r>
-            <a:r>
-              <a:rPr lang="es-MX" dirty="0"/>
-              <a:t>estas categorías </a:t>
-            </a:r>
-            <a:r>
-              <a:rPr lang="es-MX" dirty="0" smtClean="0"/>
-              <a:t>con poca presencia  </a:t>
-            </a:r>
-            <a:r>
-              <a:rPr lang="es-MX" dirty="0"/>
-              <a:t>se agruparán en una nueva categoría denominada ‘Otros’ </a:t>
-            </a:r>
-            <a:r>
-              <a:rPr lang="es-MX" dirty="0" smtClean="0"/>
-              <a:t>al aplicar el </a:t>
-            </a:r>
-            <a:r>
-              <a:rPr lang="es-MX" dirty="0" err="1" smtClean="0"/>
-              <a:t>onehotencoder</a:t>
-            </a:r>
-            <a:endParaRPr lang="es-MX" dirty="0"/>
-          </a:p>
-          <a:p>
-            <a:r>
-              <a:rPr lang="es-MX" dirty="0" smtClean="0"/>
-              <a:t>Específicamente los países que contengan menos de 10 observaciones</a:t>
-            </a:r>
-          </a:p>
-          <a:p>
-            <a:endParaRPr lang="es-MX" dirty="0"/>
-          </a:p>
-          <a:p>
-            <a:endParaRPr lang="es-MX" dirty="0" smtClean="0"/>
-          </a:p>
-          <a:p>
-            <a:endParaRPr lang="es-MX" dirty="0"/>
-          </a:p>
-          <a:p>
-            <a:endParaRPr lang="es-MX" dirty="0" smtClean="0"/>
-          </a:p>
-          <a:p>
-            <a:endParaRPr lang="es-MX" dirty="0"/>
-          </a:p>
-          <a:p>
-            <a:endParaRPr lang="es-MX" dirty="0" smtClean="0"/>
-          </a:p>
-          <a:p>
-            <a:endParaRPr lang="es-MX" dirty="0"/>
-          </a:p>
-          <a:p>
-            <a:endParaRPr lang="es-MX" dirty="0" smtClean="0"/>
-          </a:p>
-          <a:p>
-            <a:pPr marL="0" indent="0">
-              <a:buNone/>
-            </a:pPr>
-            <a:r>
-              <a:rPr lang="es-MX" dirty="0" smtClean="0"/>
-              <a:t>Debido a la falta de contexto respecto a las variables, la columna ‘K’ será eliminada por tener casi en su totalidad valores faltantes</a:t>
-            </a:r>
-            <a:endParaRPr lang="en-US" dirty="0"/>
-          </a:p>
-        </p:txBody>
-      </p:sp>
-      <p:pic>
-        <p:nvPicPr>
-          <p:cNvPr id="4" name="Picture 3"/>
-          <p:cNvPicPr>
-            <a:picLocks noChangeAspect="1"/>
-          </p:cNvPicPr>
-          <p:nvPr/>
-        </p:nvPicPr>
-        <p:blipFill>
-          <a:blip r:embed="rId2"/>
-          <a:stretch>
-            <a:fillRect/>
-          </a:stretch>
-        </p:blipFill>
-        <p:spPr>
-          <a:xfrm>
-            <a:off x="4015162" y="2945119"/>
-            <a:ext cx="1752845" cy="2076740"/>
-          </a:xfrm>
-          <a:prstGeom prst="rect">
-            <a:avLst/>
-          </a:prstGeom>
-        </p:spPr>
-      </p:pic>
-    </p:spTree>
-    <p:extLst>
-      <p:ext uri="{BB962C8B-B14F-4D97-AF65-F5344CB8AC3E}">
-        <p14:creationId xmlns:p14="http://schemas.microsoft.com/office/powerpoint/2010/main" val="1885629881"/>
-      </p:ext>
-    </p:extLst>
-  </p:cSld>
-  <p:clrMapOvr>
-    <a:masterClrMapping/>
-  </p:clrMapOvr>
-  <p:timing>
-    <p:tnLst>
-      <p:par>
-        <p:cTn id="1" dur="indefinite" restart="never" nodeType="tmRoot"/>
-      </p:par>
-    </p:tnLst>
-  </p:timing>
-</p:sld>
-</file>
-
-<file path=ppt/slides/slide6.xml><?xml version="1.0" encoding="utf-8"?>
-<p:sld xmlns:a="http://schemas.openxmlformats.org/drawingml/2006/main" xmlns:r="http://schemas.openxmlformats.org/officeDocument/2006/relationships" xmlns:p="http://schemas.openxmlformats.org/presentationml/2006/main">
-  <p:cSld>
-    <p:spTree>
-      <p:nvGrpSpPr>
-        <p:cNvPr id="1" name=""/>
-        <p:cNvGrpSpPr/>
-        <p:nvPr/>
-      </p:nvGrpSpPr>
-      <p:grpSpPr>
-        <a:xfrm>
-          <a:off x="0" y="0"/>
-          <a:ext cx="0" cy="0"/>
-          <a:chOff x="0" y="0"/>
-          <a:chExt cx="0" cy="0"/>
-        </a:xfrm>
-      </p:grpSpPr>
-      <p:sp>
-        <p:nvSpPr>
-          <p:cNvPr id="3" name="Content Placeholder 2"/>
-          <p:cNvSpPr>
-            <a:spLocks noGrp="1"/>
-          </p:cNvSpPr>
-          <p:nvPr>
-            <p:ph idx="1"/>
-          </p:nvPr>
-        </p:nvSpPr>
-        <p:spPr>
-          <a:xfrm>
             <a:off x="645803" y="348885"/>
             <a:ext cx="8596668" cy="3880773"/>
           </a:xfrm>
@@ -8210,13 +8134,8 @@
             </a:pPr>
             <a:r>
               <a:rPr lang="es-MX" dirty="0" smtClean="0"/>
-              <a:t>Muchas de las variables contienen distribuciones sesgadas a hacia la derecha, el modelo a usar, puede manejar bien este tipo de variables con estas distribuciones, luego de hacer pruebas, no hubo una mejora significativa al aplicar logaritmo natural sobre la variable monto o con alguna otra, por lo que se usan sus versiones </a:t>
-            </a:r>
-            <a:r>
-              <a:rPr lang="es-MX" dirty="0" smtClean="0"/>
-              <a:t>originales.</a:t>
-            </a:r>
-            <a:endParaRPr lang="es-MX" dirty="0" smtClean="0"/>
+              <a:t>Muchas de las variables contienen distribuciones sesgadas a hacia la derecha, el modelo a usar, puede manejar bien este tipo de variables con estas distribuciones, luego de hacer pruebas, no hubo una mejora significativa al aplicar logaritmo natural sobre la variable monto o con alguna otra, por lo que se usan sus versiones originales.</a:t>
+            </a:r>
           </a:p>
           <a:p>
             <a:pPr marL="0" indent="0">
@@ -8303,6 +8222,84 @@
 </p:sld>
 </file>
 
+<file path=ppt/slides/slide6.xml><?xml version="1.0" encoding="utf-8"?>
+<p:sld xmlns:a="http://schemas.openxmlformats.org/drawingml/2006/main" xmlns:r="http://schemas.openxmlformats.org/officeDocument/2006/relationships" xmlns:p="http://schemas.openxmlformats.org/presentationml/2006/main">
+  <p:cSld>
+    <p:spTree>
+      <p:nvGrpSpPr>
+        <p:cNvPr id="1" name=""/>
+        <p:cNvGrpSpPr/>
+        <p:nvPr/>
+      </p:nvGrpSpPr>
+      <p:grpSpPr>
+        <a:xfrm>
+          <a:off x="0" y="0"/>
+          <a:ext cx="0" cy="0"/>
+          <a:chOff x="0" y="0"/>
+          <a:chExt cx="0" cy="0"/>
+        </a:xfrm>
+      </p:grpSpPr>
+      <p:sp>
+        <p:nvSpPr>
+          <p:cNvPr id="2" name="Title 1"/>
+          <p:cNvSpPr>
+            <a:spLocks noGrp="1"/>
+          </p:cNvSpPr>
+          <p:nvPr>
+            <p:ph type="title"/>
+          </p:nvPr>
+        </p:nvSpPr>
+        <p:spPr/>
+        <p:txBody>
+          <a:bodyPr/>
+          <a:lstStyle/>
+          <a:p>
+            <a:endParaRPr lang="en-US"/>
+          </a:p>
+        </p:txBody>
+      </p:sp>
+      <p:pic>
+        <p:nvPicPr>
+          <p:cNvPr id="4" name="Content Placeholder 3"/>
+          <p:cNvPicPr>
+            <a:picLocks noGrp="1" noChangeAspect="1"/>
+          </p:cNvPicPr>
+          <p:nvPr>
+            <p:ph idx="1"/>
+          </p:nvPr>
+        </p:nvPicPr>
+        <p:blipFill>
+          <a:blip r:embed="rId2" cstate="print">
+            <a:extLst>
+              <a:ext uri="{28A0092B-C50C-407E-A947-70E740481C1C}">
+                <a14:useLocalDpi xmlns:a14="http://schemas.microsoft.com/office/drawing/2010/main" val="0"/>
+              </a:ext>
+            </a:extLst>
+          </a:blip>
+          <a:stretch>
+            <a:fillRect/>
+          </a:stretch>
+        </p:blipFill>
+        <p:spPr>
+          <a:xfrm>
+            <a:off x="503516" y="163623"/>
+            <a:ext cx="8944303" cy="6436873"/>
+          </a:xfrm>
+        </p:spPr>
+      </p:pic>
+    </p:spTree>
+    <p:extLst>
+      <p:ext uri="{BB962C8B-B14F-4D97-AF65-F5344CB8AC3E}">
+        <p14:creationId xmlns:p14="http://schemas.microsoft.com/office/powerpoint/2010/main" val="4222629327"/>
+      </p:ext>
+    </p:extLst>
+  </p:cSld>
+  <p:clrMapOvr>
+    <a:masterClrMapping/>
+  </p:clrMapOvr>
+</p:sld>
+</file>
+
 <file path=ppt/slides/slide7.xml><?xml version="1.0" encoding="utf-8"?>
 <p:sld xmlns:a="http://schemas.openxmlformats.org/drawingml/2006/main" xmlns:r="http://schemas.openxmlformats.org/officeDocument/2006/relationships" xmlns:p="http://schemas.openxmlformats.org/presentationml/2006/main">
   <p:cSld>
@@ -8322,7 +8319,145 @@
       </p:grpSpPr>
       <p:sp>
         <p:nvSpPr>
-          <p:cNvPr id="2" name="Title 1"/>
+          <p:cNvPr id="3" name="Content Placeholder 2"/>
+          <p:cNvSpPr>
+            <a:spLocks noGrp="1"/>
+          </p:cNvSpPr>
+          <p:nvPr>
+            <p:ph idx="1"/>
+          </p:nvPr>
+        </p:nvSpPr>
+        <p:spPr>
+          <a:xfrm>
+            <a:off x="593251" y="1198179"/>
+            <a:ext cx="8235439" cy="5192111"/>
+          </a:xfrm>
+        </p:spPr>
+        <p:txBody>
+          <a:bodyPr>
+            <a:normAutofit fontScale="92500" lnSpcReduction="10000"/>
+          </a:bodyPr>
+          <a:lstStyle/>
+          <a:p>
+            <a:r>
+              <a:rPr lang="es-MX" dirty="0"/>
+              <a:t>La columna ‘J’, que representa los países, contiene algunas categorías con muy pocas observaciones. Para evitar la creación de variables </a:t>
+            </a:r>
+            <a:r>
+              <a:rPr lang="es-MX" dirty="0" err="1"/>
+              <a:t>dummies</a:t>
+            </a:r>
+            <a:r>
+              <a:rPr lang="es-MX" dirty="0"/>
+              <a:t> </a:t>
+            </a:r>
+            <a:r>
+              <a:rPr lang="es-MX" dirty="0" smtClean="0"/>
+              <a:t>con poca representación </a:t>
+            </a:r>
+            <a:r>
+              <a:rPr lang="es-MX" dirty="0"/>
+              <a:t>y </a:t>
+            </a:r>
+            <a:r>
+              <a:rPr lang="es-MX" dirty="0" smtClean="0"/>
+              <a:t>no caer en sobredimensión del dataset, </a:t>
+            </a:r>
+            <a:r>
+              <a:rPr lang="es-MX" dirty="0"/>
+              <a:t>estas categorías </a:t>
+            </a:r>
+            <a:r>
+              <a:rPr lang="es-MX" dirty="0" smtClean="0"/>
+              <a:t>con poca presencia  </a:t>
+            </a:r>
+            <a:r>
+              <a:rPr lang="es-MX" dirty="0"/>
+              <a:t>se agruparán en una nueva categoría denominada ‘Otros’ </a:t>
+            </a:r>
+            <a:r>
+              <a:rPr lang="es-MX" dirty="0" smtClean="0"/>
+              <a:t>al aplicar el </a:t>
+            </a:r>
+            <a:r>
+              <a:rPr lang="es-MX" dirty="0" err="1" smtClean="0"/>
+              <a:t>onehotencoder</a:t>
+            </a:r>
+            <a:endParaRPr lang="es-MX" dirty="0"/>
+          </a:p>
+          <a:p>
+            <a:r>
+              <a:rPr lang="es-MX" dirty="0" smtClean="0"/>
+              <a:t>Específicamente los países que contengan menos de 10 observaciones</a:t>
+            </a:r>
+          </a:p>
+          <a:p>
+            <a:endParaRPr lang="es-MX" dirty="0"/>
+          </a:p>
+          <a:p>
+            <a:endParaRPr lang="es-MX" dirty="0" smtClean="0"/>
+          </a:p>
+          <a:p>
+            <a:endParaRPr lang="es-MX" dirty="0"/>
+          </a:p>
+          <a:p>
+            <a:endParaRPr lang="es-MX" dirty="0" smtClean="0"/>
+          </a:p>
+          <a:p>
+            <a:endParaRPr lang="es-MX" dirty="0"/>
+          </a:p>
+          <a:p>
+            <a:endParaRPr lang="es-MX" dirty="0" smtClean="0"/>
+          </a:p>
+          <a:p>
+            <a:endParaRPr lang="es-MX" dirty="0"/>
+          </a:p>
+          <a:p>
+            <a:endParaRPr lang="es-MX" dirty="0" smtClean="0"/>
+          </a:p>
+          <a:p>
+            <a:pPr marL="0" indent="0">
+              <a:buNone/>
+            </a:pPr>
+            <a:r>
+              <a:rPr lang="es-MX" dirty="0" smtClean="0"/>
+              <a:t>Debido a la falta de contexto respecto a las variables, la columna ‘K’ será eliminada por </a:t>
+            </a:r>
+            <a:r>
+              <a:rPr lang="es-MX" dirty="0" smtClean="0"/>
+              <a:t>tener cerca del 80% de valores faltantes.</a:t>
+            </a:r>
+            <a:endParaRPr lang="en-US" dirty="0"/>
+          </a:p>
+        </p:txBody>
+      </p:sp>
+      <p:pic>
+        <p:nvPicPr>
+          <p:cNvPr id="4" name="Picture 3"/>
+          <p:cNvPicPr>
+            <a:picLocks noChangeAspect="1"/>
+          </p:cNvPicPr>
+          <p:nvPr/>
+        </p:nvPicPr>
+        <p:blipFill>
+          <a:blip r:embed="rId2"/>
+          <a:stretch>
+            <a:fillRect/>
+          </a:stretch>
+        </p:blipFill>
+        <p:spPr>
+          <a:xfrm>
+            <a:off x="4015162" y="2945119"/>
+            <a:ext cx="1752845" cy="2076740"/>
+          </a:xfrm>
+          <a:prstGeom prst="rect">
+            <a:avLst/>
+          </a:prstGeom>
+        </p:spPr>
+      </p:pic>
+      <p:sp>
+        <p:nvSpPr>
+          <p:cNvPr id="5" name="Title 1"/>
           <p:cNvSpPr>
             <a:spLocks noGrp="1"/>
           </p:cNvSpPr>
@@ -8330,104 +8465,28 @@
             <p:ph type="title"/>
           </p:nvPr>
         </p:nvSpPr>
-        <p:spPr/>
+        <p:spPr>
+          <a:xfrm>
+            <a:off x="677334" y="609600"/>
+            <a:ext cx="8596668" cy="1320800"/>
+          </a:xfrm>
+        </p:spPr>
         <p:txBody>
           <a:bodyPr/>
           <a:lstStyle/>
           <a:p>
             <a:r>
               <a:rPr lang="es-MX" dirty="0" smtClean="0"/>
-              <a:t>Modelos propuestos</a:t>
+              <a:t>Transformación de datos</a:t>
             </a:r>
             <a:endParaRPr lang="en-US" dirty="0"/>
-          </a:p>
-        </p:txBody>
-      </p:sp>
-      <p:sp>
-        <p:nvSpPr>
-          <p:cNvPr id="3" name="Content Placeholder 2"/>
-          <p:cNvSpPr>
-            <a:spLocks noGrp="1"/>
-          </p:cNvSpPr>
-          <p:nvPr>
-            <p:ph idx="1"/>
-          </p:nvPr>
-        </p:nvSpPr>
-        <p:spPr/>
-        <p:txBody>
-          <a:bodyPr/>
-          <a:lstStyle/>
-          <a:p>
-            <a:r>
-              <a:rPr lang="es-MX" dirty="0" smtClean="0"/>
-              <a:t>Se entrenan y se comparar 3 modelos:</a:t>
-            </a:r>
-          </a:p>
-          <a:p>
-            <a:r>
-              <a:rPr lang="es-MX" dirty="0" smtClean="0"/>
-              <a:t>- </a:t>
-            </a:r>
-            <a:r>
-              <a:rPr lang="es-MX" dirty="0" err="1" smtClean="0"/>
-              <a:t>Xgboost</a:t>
-            </a:r>
-            <a:r>
-              <a:rPr lang="es-MX" dirty="0" smtClean="0"/>
-              <a:t> con función de ganancia personalizada</a:t>
-            </a:r>
-          </a:p>
-          <a:p>
-            <a:r>
-              <a:rPr lang="es-MX" dirty="0" smtClean="0"/>
-              <a:t>-</a:t>
-            </a:r>
-            <a:r>
-              <a:rPr lang="es-MX" dirty="0" err="1" smtClean="0"/>
-              <a:t>Xgboost</a:t>
-            </a:r>
-            <a:r>
-              <a:rPr lang="es-MX" dirty="0" smtClean="0"/>
-              <a:t> con Optimización Bayesiana y función personalizada</a:t>
-            </a:r>
-          </a:p>
-          <a:p>
-            <a:r>
-              <a:rPr lang="es-MX" dirty="0" smtClean="0"/>
-              <a:t>-</a:t>
-            </a:r>
-            <a:r>
-              <a:rPr lang="es-MX" dirty="0" err="1" smtClean="0"/>
-              <a:t>Random</a:t>
-            </a:r>
-            <a:r>
-              <a:rPr lang="es-MX" dirty="0" smtClean="0"/>
-              <a:t> </a:t>
-            </a:r>
-            <a:r>
-              <a:rPr lang="es-MX" dirty="0" err="1" smtClean="0"/>
-              <a:t>Forest</a:t>
-            </a:r>
-            <a:r>
-              <a:rPr lang="es-MX" dirty="0" smtClean="0"/>
-              <a:t> con optimización bayesiana</a:t>
-            </a:r>
-          </a:p>
-          <a:p>
-            <a:r>
-              <a:rPr lang="es-MX" dirty="0" smtClean="0"/>
-              <a:t>Se hace una partición del 70% de los datos de entrenamiento y el 30% para evaluación.</a:t>
-            </a:r>
-          </a:p>
-          <a:p>
-            <a:endParaRPr lang="es-MX" dirty="0" smtClean="0"/>
           </a:p>
         </p:txBody>
       </p:sp>
     </p:spTree>
     <p:extLst>
       <p:ext uri="{BB962C8B-B14F-4D97-AF65-F5344CB8AC3E}">
-        <p14:creationId xmlns:p14="http://schemas.microsoft.com/office/powerpoint/2010/main" val="3699837471"/>
+        <p14:creationId xmlns:p14="http://schemas.microsoft.com/office/powerpoint/2010/main" val="1885629881"/>
       </p:ext>
     </p:extLst>
   </p:cSld>
@@ -8478,6 +8537,172 @@
           <a:p>
             <a:r>
               <a:rPr lang="es-MX" dirty="0" smtClean="0"/>
+              <a:t>Modelos propuestos</a:t>
+            </a:r>
+            <a:endParaRPr lang="en-US" dirty="0"/>
+          </a:p>
+        </p:txBody>
+      </p:sp>
+      <p:sp>
+        <p:nvSpPr>
+          <p:cNvPr id="3" name="Content Placeholder 2"/>
+          <p:cNvSpPr>
+            <a:spLocks noGrp="1"/>
+          </p:cNvSpPr>
+          <p:nvPr>
+            <p:ph idx="1"/>
+          </p:nvPr>
+        </p:nvSpPr>
+        <p:spPr/>
+        <p:txBody>
+          <a:bodyPr/>
+          <a:lstStyle/>
+          <a:p>
+            <a:r>
+              <a:rPr lang="es-MX" dirty="0" smtClean="0"/>
+              <a:t>Se entrenan y se </a:t>
+            </a:r>
+            <a:r>
+              <a:rPr lang="es-MX" dirty="0" smtClean="0"/>
+              <a:t>comparan </a:t>
+            </a:r>
+            <a:r>
+              <a:rPr lang="es-MX" dirty="0" smtClean="0"/>
+              <a:t>3 modelos:</a:t>
+            </a:r>
+          </a:p>
+          <a:p>
+            <a:r>
+              <a:rPr lang="es-MX" dirty="0" smtClean="0"/>
+              <a:t>- </a:t>
+            </a:r>
+            <a:r>
+              <a:rPr lang="es-MX" dirty="0" err="1" smtClean="0"/>
+              <a:t>Xgboost</a:t>
+            </a:r>
+            <a:r>
+              <a:rPr lang="es-MX" dirty="0" smtClean="0"/>
+              <a:t> con función de ganancia personalizada</a:t>
+            </a:r>
+          </a:p>
+          <a:p>
+            <a:r>
+              <a:rPr lang="es-MX" dirty="0" smtClean="0"/>
+              <a:t>- </a:t>
+            </a:r>
+            <a:r>
+              <a:rPr lang="es-MX" dirty="0" err="1" smtClean="0"/>
+              <a:t>Xgboost</a:t>
+            </a:r>
+            <a:r>
+              <a:rPr lang="es-MX" dirty="0" smtClean="0"/>
+              <a:t> </a:t>
+            </a:r>
+            <a:r>
+              <a:rPr lang="es-MX" dirty="0" smtClean="0"/>
+              <a:t>con Optimización Bayesiana y función personalizada</a:t>
+            </a:r>
+          </a:p>
+          <a:p>
+            <a:r>
+              <a:rPr lang="es-MX" dirty="0" smtClean="0"/>
+              <a:t>- </a:t>
+            </a:r>
+            <a:r>
+              <a:rPr lang="es-MX" dirty="0" err="1" smtClean="0"/>
+              <a:t>Random</a:t>
+            </a:r>
+            <a:r>
+              <a:rPr lang="es-MX" dirty="0" smtClean="0"/>
+              <a:t> </a:t>
+            </a:r>
+            <a:r>
+              <a:rPr lang="es-MX" dirty="0" err="1" smtClean="0"/>
+              <a:t>Forest</a:t>
+            </a:r>
+            <a:r>
+              <a:rPr lang="es-MX" dirty="0" smtClean="0"/>
+              <a:t> con </a:t>
+            </a:r>
+            <a:r>
+              <a:rPr lang="es-MX" dirty="0" smtClean="0"/>
+              <a:t>Optimización </a:t>
+            </a:r>
+            <a:r>
+              <a:rPr lang="es-MX" dirty="0"/>
+              <a:t>B</a:t>
+            </a:r>
+            <a:r>
+              <a:rPr lang="es-MX" dirty="0" smtClean="0"/>
+              <a:t>ayesiana</a:t>
+            </a:r>
+            <a:endParaRPr lang="es-MX" dirty="0" smtClean="0"/>
+          </a:p>
+          <a:p>
+            <a:r>
+              <a:rPr lang="es-MX" dirty="0" smtClean="0"/>
+              <a:t>Se hace una partición del 70% de los datos de entrenamiento y el 30% para evaluación.</a:t>
+            </a:r>
+          </a:p>
+          <a:p>
+            <a:endParaRPr lang="es-MX" dirty="0" smtClean="0"/>
+          </a:p>
+        </p:txBody>
+      </p:sp>
+    </p:spTree>
+    <p:extLst>
+      <p:ext uri="{BB962C8B-B14F-4D97-AF65-F5344CB8AC3E}">
+        <p14:creationId xmlns:p14="http://schemas.microsoft.com/office/powerpoint/2010/main" val="3699837471"/>
+      </p:ext>
+    </p:extLst>
+  </p:cSld>
+  <p:clrMapOvr>
+    <a:masterClrMapping/>
+  </p:clrMapOvr>
+  <p:timing>
+    <p:tnLst>
+      <p:par>
+        <p:cTn id="1" dur="indefinite" restart="never" nodeType="tmRoot"/>
+      </p:par>
+    </p:tnLst>
+  </p:timing>
+</p:sld>
+</file>
+
+<file path=ppt/slides/slide9.xml><?xml version="1.0" encoding="utf-8"?>
+<p:sld xmlns:a="http://schemas.openxmlformats.org/drawingml/2006/main" xmlns:r="http://schemas.openxmlformats.org/officeDocument/2006/relationships" xmlns:p="http://schemas.openxmlformats.org/presentationml/2006/main">
+  <p:cSld>
+    <p:spTree>
+      <p:nvGrpSpPr>
+        <p:cNvPr id="1" name=""/>
+        <p:cNvGrpSpPr/>
+        <p:nvPr/>
+      </p:nvGrpSpPr>
+      <p:grpSpPr>
+        <a:xfrm>
+          <a:off x="0" y="0"/>
+          <a:ext cx="0" cy="0"/>
+          <a:chOff x="0" y="0"/>
+          <a:chExt cx="0" cy="0"/>
+        </a:xfrm>
+      </p:grpSpPr>
+      <p:sp>
+        <p:nvSpPr>
+          <p:cNvPr id="2" name="Title 1"/>
+          <p:cNvSpPr>
+            <a:spLocks noGrp="1"/>
+          </p:cNvSpPr>
+          <p:nvPr>
+            <p:ph type="title"/>
+          </p:nvPr>
+        </p:nvSpPr>
+        <p:spPr/>
+        <p:txBody>
+          <a:bodyPr/>
+          <a:lstStyle/>
+          <a:p>
+            <a:r>
+              <a:rPr lang="es-MX" dirty="0" smtClean="0"/>
               <a:t>Funciones Personalizada</a:t>
             </a:r>
             <a:endParaRPr lang="en-US" dirty="0"/>
@@ -8508,7 +8733,15 @@
           <a:p>
             <a:r>
               <a:rPr lang="es-MX" dirty="0" smtClean="0"/>
-              <a:t>Teniendo en cuenta que la necesidad principal es maximizar las ganancias se usará una función personalizada para la evaluación del modelo la cual se define como:     </a:t>
+              <a:t>Teniendo en cuenta que la necesidad principal es maximizar las ganancias se usará una función personalizada para la evaluación </a:t>
+            </a:r>
+            <a:r>
+              <a:rPr lang="es-MX" dirty="0" smtClean="0"/>
+              <a:t>de los modelos </a:t>
+            </a:r>
+            <a:r>
+              <a:rPr lang="es-MX" dirty="0" smtClean="0"/>
+              <a:t>la cual se define como:     </a:t>
             </a:r>
           </a:p>
           <a:p>
@@ -8570,8 +8803,13 @@
             </a:pPr>
             <a:r>
               <a:rPr lang="es-MX" dirty="0" smtClean="0"/>
-              <a:t>Esta la función explicita que se usará para escoger el umbral, teniendo en cuenta también la capacidad de este para hacer buenas predicciones.</a:t>
-            </a:r>
+              <a:t>Esta la función explicita que se usará para escoger el umbral, teniendo en cuenta también la capacidad de este para hacer buenas </a:t>
+            </a:r>
+            <a:r>
+              <a:rPr lang="es-MX" dirty="0" smtClean="0"/>
+              <a:t>predicciones respecto al fraude.</a:t>
+            </a:r>
+            <a:endParaRPr lang="es-MX" dirty="0" smtClean="0"/>
           </a:p>
         </p:txBody>
       </p:sp>
@@ -8616,108 +8854,6 @@
       </p:par>
     </p:tnLst>
   </p:timing>
-</p:sld>
-</file>
-
-<file path=ppt/slides/slide9.xml><?xml version="1.0" encoding="utf-8"?>
-<p:sld xmlns:a="http://schemas.openxmlformats.org/drawingml/2006/main" xmlns:r="http://schemas.openxmlformats.org/officeDocument/2006/relationships" xmlns:p="http://schemas.openxmlformats.org/presentationml/2006/main">
-  <p:cSld>
-    <p:spTree>
-      <p:nvGrpSpPr>
-        <p:cNvPr id="1" name=""/>
-        <p:cNvGrpSpPr/>
-        <p:nvPr/>
-      </p:nvGrpSpPr>
-      <p:grpSpPr>
-        <a:xfrm>
-          <a:off x="0" y="0"/>
-          <a:ext cx="0" cy="0"/>
-          <a:chOff x="0" y="0"/>
-          <a:chExt cx="0" cy="0"/>
-        </a:xfrm>
-      </p:grpSpPr>
-      <p:pic>
-        <p:nvPicPr>
-          <p:cNvPr id="4" name="Picture 3"/>
-          <p:cNvPicPr>
-            <a:picLocks noChangeAspect="1"/>
-          </p:cNvPicPr>
-          <p:nvPr/>
-        </p:nvPicPr>
-        <p:blipFill>
-          <a:blip r:embed="rId2"/>
-          <a:stretch>
-            <a:fillRect/>
-          </a:stretch>
-        </p:blipFill>
-        <p:spPr>
-          <a:xfrm>
-            <a:off x="1578563" y="282690"/>
-            <a:ext cx="6449325" cy="1705213"/>
-          </a:xfrm>
-          <a:prstGeom prst="rect">
-            <a:avLst/>
-          </a:prstGeom>
-        </p:spPr>
-      </p:pic>
-      <p:pic>
-        <p:nvPicPr>
-          <p:cNvPr id="5" name="Picture 4"/>
-          <p:cNvPicPr>
-            <a:picLocks noChangeAspect="1"/>
-          </p:cNvPicPr>
-          <p:nvPr/>
-        </p:nvPicPr>
-        <p:blipFill>
-          <a:blip r:embed="rId3"/>
-          <a:stretch>
-            <a:fillRect/>
-          </a:stretch>
-        </p:blipFill>
-        <p:spPr>
-          <a:xfrm>
-            <a:off x="377245" y="2862725"/>
-            <a:ext cx="9154803" cy="3553321"/>
-          </a:xfrm>
-          <a:prstGeom prst="rect">
-            <a:avLst/>
-          </a:prstGeom>
-        </p:spPr>
-      </p:pic>
-      <p:pic>
-        <p:nvPicPr>
-          <p:cNvPr id="6" name="Picture 5"/>
-          <p:cNvPicPr>
-            <a:picLocks noChangeAspect="1"/>
-          </p:cNvPicPr>
-          <p:nvPr/>
-        </p:nvPicPr>
-        <p:blipFill>
-          <a:blip r:embed="rId4"/>
-          <a:stretch>
-            <a:fillRect/>
-          </a:stretch>
-        </p:blipFill>
-        <p:spPr>
-          <a:xfrm>
-            <a:off x="1878642" y="1843408"/>
-            <a:ext cx="5849166" cy="1019317"/>
-          </a:xfrm>
-          <a:prstGeom prst="rect">
-            <a:avLst/>
-          </a:prstGeom>
-        </p:spPr>
-      </p:pic>
-    </p:spTree>
-    <p:extLst>
-      <p:ext uri="{BB962C8B-B14F-4D97-AF65-F5344CB8AC3E}">
-        <p14:creationId xmlns:p14="http://schemas.microsoft.com/office/powerpoint/2010/main" val="3389462605"/>
-      </p:ext>
-    </p:extLst>
-  </p:cSld>
-  <p:clrMapOvr>
-    <a:masterClrMapping/>
-  </p:clrMapOvr>
 </p:sld>
 </file>
 
